--- a/designpatter.pptx
+++ b/designpatter.pptx
@@ -4,6 +4,9 @@
   <p:sldMasterIdLst>
     <p:sldMasterId id="2147483648" r:id="rId1"/>
   </p:sldMasterIdLst>
+  <p:notesMasterIdLst>
+    <p:notesMasterId r:id="rId34"/>
+  </p:notesMasterIdLst>
   <p:sldIdLst>
     <p:sldId id="270" r:id="rId2"/>
     <p:sldId id="271" r:id="rId3"/>
@@ -18,11 +21,25 @@
     <p:sldId id="263" r:id="rId12"/>
     <p:sldId id="272" r:id="rId13"/>
     <p:sldId id="273" r:id="rId14"/>
-    <p:sldId id="264" r:id="rId15"/>
-    <p:sldId id="265" r:id="rId16"/>
-    <p:sldId id="266" r:id="rId17"/>
-    <p:sldId id="268" r:id="rId18"/>
-    <p:sldId id="269" r:id="rId19"/>
+    <p:sldId id="292" r:id="rId15"/>
+    <p:sldId id="264" r:id="rId16"/>
+    <p:sldId id="265" r:id="rId17"/>
+    <p:sldId id="266" r:id="rId18"/>
+    <p:sldId id="268" r:id="rId19"/>
+    <p:sldId id="269" r:id="rId20"/>
+    <p:sldId id="278" r:id="rId21"/>
+    <p:sldId id="275" r:id="rId22"/>
+    <p:sldId id="276" r:id="rId23"/>
+    <p:sldId id="279" r:id="rId24"/>
+    <p:sldId id="281" r:id="rId25"/>
+    <p:sldId id="282" r:id="rId26"/>
+    <p:sldId id="283" r:id="rId27"/>
+    <p:sldId id="285" r:id="rId28"/>
+    <p:sldId id="286" r:id="rId29"/>
+    <p:sldId id="287" r:id="rId30"/>
+    <p:sldId id="288" r:id="rId31"/>
+    <p:sldId id="289" r:id="rId32"/>
+    <p:sldId id="291" r:id="rId33"/>
   </p:sldIdLst>
   <p:sldSz cx="9144000" cy="6858000" type="screen4x3"/>
   <p:notesSz cx="6858000" cy="9144000"/>
@@ -7950,6 +7967,445 @@
 </dgm:styleDef>
 </file>
 
+<file path=ppt/notesMasters/notesMaster1.xml><?xml version="1.0" encoding="utf-8"?>
+<p:notesMaster xmlns:a="http://schemas.openxmlformats.org/drawingml/2006/main" xmlns:r="http://schemas.openxmlformats.org/officeDocument/2006/relationships" xmlns:p="http://schemas.openxmlformats.org/presentationml/2006/main">
+  <p:cSld>
+    <p:bg>
+      <p:bgRef idx="1001">
+        <a:schemeClr val="bg1"/>
+      </p:bgRef>
+    </p:bg>
+    <p:spTree>
+      <p:nvGrpSpPr>
+        <p:cNvPr id="1" name=""/>
+        <p:cNvGrpSpPr/>
+        <p:nvPr/>
+      </p:nvGrpSpPr>
+      <p:grpSpPr>
+        <a:xfrm>
+          <a:off x="0" y="0"/>
+          <a:ext cx="0" cy="0"/>
+          <a:chOff x="0" y="0"/>
+          <a:chExt cx="0" cy="0"/>
+        </a:xfrm>
+      </p:grpSpPr>
+      <p:sp>
+        <p:nvSpPr>
+          <p:cNvPr id="2" name="Header Placeholder 1"/>
+          <p:cNvSpPr>
+            <a:spLocks noGrp="1"/>
+          </p:cNvSpPr>
+          <p:nvPr>
+            <p:ph type="hdr" sz="quarter"/>
+          </p:nvPr>
+        </p:nvSpPr>
+        <p:spPr>
+          <a:xfrm>
+            <a:off x="0" y="0"/>
+            <a:ext cx="2971800" cy="457200"/>
+          </a:xfrm>
+          <a:prstGeom prst="rect">
+            <a:avLst/>
+          </a:prstGeom>
+        </p:spPr>
+        <p:txBody>
+          <a:bodyPr vert="horz" lIns="91440" tIns="45720" rIns="91440" bIns="45720" rtlCol="0"/>
+          <a:lstStyle>
+            <a:lvl1pPr algn="l">
+              <a:defRPr sz="1200"/>
+            </a:lvl1pPr>
+          </a:lstStyle>
+          <a:p>
+            <a:endParaRPr lang="en-US"/>
+          </a:p>
+        </p:txBody>
+      </p:sp>
+      <p:sp>
+        <p:nvSpPr>
+          <p:cNvPr id="3" name="Date Placeholder 2"/>
+          <p:cNvSpPr>
+            <a:spLocks noGrp="1"/>
+          </p:cNvSpPr>
+          <p:nvPr>
+            <p:ph type="dt" idx="1"/>
+          </p:nvPr>
+        </p:nvSpPr>
+        <p:spPr>
+          <a:xfrm>
+            <a:off x="3884613" y="0"/>
+            <a:ext cx="2971800" cy="457200"/>
+          </a:xfrm>
+          <a:prstGeom prst="rect">
+            <a:avLst/>
+          </a:prstGeom>
+        </p:spPr>
+        <p:txBody>
+          <a:bodyPr vert="horz" lIns="91440" tIns="45720" rIns="91440" bIns="45720" rtlCol="0"/>
+          <a:lstStyle>
+            <a:lvl1pPr algn="r">
+              <a:defRPr sz="1200"/>
+            </a:lvl1pPr>
+          </a:lstStyle>
+          <a:p>
+            <a:fld id="{3A08C282-C438-5241-899F-91FC3C5A2660}" type="datetimeFigureOut">
+              <a:rPr lang="en-US" smtClean="0"/>
+              <a:t>5/16/15</a:t>
+            </a:fld>
+            <a:endParaRPr lang="en-US"/>
+          </a:p>
+        </p:txBody>
+      </p:sp>
+      <p:sp>
+        <p:nvSpPr>
+          <p:cNvPr id="4" name="Slide Image Placeholder 3"/>
+          <p:cNvSpPr>
+            <a:spLocks noGrp="1" noRot="1" noChangeAspect="1"/>
+          </p:cNvSpPr>
+          <p:nvPr>
+            <p:ph type="sldImg" idx="2"/>
+          </p:nvPr>
+        </p:nvSpPr>
+        <p:spPr>
+          <a:xfrm>
+            <a:off x="1143000" y="685800"/>
+            <a:ext cx="4572000" cy="3429000"/>
+          </a:xfrm>
+          <a:prstGeom prst="rect">
+            <a:avLst/>
+          </a:prstGeom>
+          <a:noFill/>
+          <a:ln w="12700">
+            <a:solidFill>
+              <a:prstClr val="black"/>
+            </a:solidFill>
+          </a:ln>
+        </p:spPr>
+        <p:txBody>
+          <a:bodyPr vert="horz" lIns="91440" tIns="45720" rIns="91440" bIns="45720" rtlCol="0" anchor="ctr"/>
+          <a:lstStyle/>
+          <a:p>
+            <a:endParaRPr lang="en-US"/>
+          </a:p>
+        </p:txBody>
+      </p:sp>
+      <p:sp>
+        <p:nvSpPr>
+          <p:cNvPr id="5" name="Notes Placeholder 4"/>
+          <p:cNvSpPr>
+            <a:spLocks noGrp="1"/>
+          </p:cNvSpPr>
+          <p:nvPr>
+            <p:ph type="body" sz="quarter" idx="3"/>
+          </p:nvPr>
+        </p:nvSpPr>
+        <p:spPr>
+          <a:xfrm>
+            <a:off x="685800" y="4343400"/>
+            <a:ext cx="5486400" cy="4114800"/>
+          </a:xfrm>
+          <a:prstGeom prst="rect">
+            <a:avLst/>
+          </a:prstGeom>
+        </p:spPr>
+        <p:txBody>
+          <a:bodyPr vert="horz" lIns="91440" tIns="45720" rIns="91440" bIns="45720" rtlCol="0"/>
+          <a:lstStyle/>
+          <a:p>
+            <a:pPr lvl="0"/>
+            <a:r>
+              <a:rPr lang="en-US" smtClean="0"/>
+              <a:t>Click to edit Master text styles</a:t>
+            </a:r>
+          </a:p>
+          <a:p>
+            <a:pPr lvl="1"/>
+            <a:r>
+              <a:rPr lang="en-US" smtClean="0"/>
+              <a:t>Second level</a:t>
+            </a:r>
+          </a:p>
+          <a:p>
+            <a:pPr lvl="2"/>
+            <a:r>
+              <a:rPr lang="en-US" smtClean="0"/>
+              <a:t>Third level</a:t>
+            </a:r>
+          </a:p>
+          <a:p>
+            <a:pPr lvl="3"/>
+            <a:r>
+              <a:rPr lang="en-US" smtClean="0"/>
+              <a:t>Fourth level</a:t>
+            </a:r>
+          </a:p>
+          <a:p>
+            <a:pPr lvl="4"/>
+            <a:r>
+              <a:rPr lang="en-US" smtClean="0"/>
+              <a:t>Fifth level</a:t>
+            </a:r>
+            <a:endParaRPr lang="en-US"/>
+          </a:p>
+        </p:txBody>
+      </p:sp>
+      <p:sp>
+        <p:nvSpPr>
+          <p:cNvPr id="6" name="Footer Placeholder 5"/>
+          <p:cNvSpPr>
+            <a:spLocks noGrp="1"/>
+          </p:cNvSpPr>
+          <p:nvPr>
+            <p:ph type="ftr" sz="quarter" idx="4"/>
+          </p:nvPr>
+        </p:nvSpPr>
+        <p:spPr>
+          <a:xfrm>
+            <a:off x="0" y="8685213"/>
+            <a:ext cx="2971800" cy="457200"/>
+          </a:xfrm>
+          <a:prstGeom prst="rect">
+            <a:avLst/>
+          </a:prstGeom>
+        </p:spPr>
+        <p:txBody>
+          <a:bodyPr vert="horz" lIns="91440" tIns="45720" rIns="91440" bIns="45720" rtlCol="0" anchor="b"/>
+          <a:lstStyle>
+            <a:lvl1pPr algn="l">
+              <a:defRPr sz="1200"/>
+            </a:lvl1pPr>
+          </a:lstStyle>
+          <a:p>
+            <a:endParaRPr lang="en-US"/>
+          </a:p>
+        </p:txBody>
+      </p:sp>
+      <p:sp>
+        <p:nvSpPr>
+          <p:cNvPr id="7" name="Slide Number Placeholder 6"/>
+          <p:cNvSpPr>
+            <a:spLocks noGrp="1"/>
+          </p:cNvSpPr>
+          <p:nvPr>
+            <p:ph type="sldNum" sz="quarter" idx="5"/>
+          </p:nvPr>
+        </p:nvSpPr>
+        <p:spPr>
+          <a:xfrm>
+            <a:off x="3884613" y="8685213"/>
+            <a:ext cx="2971800" cy="457200"/>
+          </a:xfrm>
+          <a:prstGeom prst="rect">
+            <a:avLst/>
+          </a:prstGeom>
+        </p:spPr>
+        <p:txBody>
+          <a:bodyPr vert="horz" lIns="91440" tIns="45720" rIns="91440" bIns="45720" rtlCol="0" anchor="b"/>
+          <a:lstStyle>
+            <a:lvl1pPr algn="r">
+              <a:defRPr sz="1200"/>
+            </a:lvl1pPr>
+          </a:lstStyle>
+          <a:p>
+            <a:fld id="{B9A4589A-2BC7-7841-B3E7-2F0483165B4C}" type="slidenum">
+              <a:rPr lang="en-US" smtClean="0"/>
+              <a:t>‹#›</a:t>
+            </a:fld>
+            <a:endParaRPr lang="en-US"/>
+          </a:p>
+        </p:txBody>
+      </p:sp>
+    </p:spTree>
+    <p:extLst>
+      <p:ext uri="{BB962C8B-B14F-4D97-AF65-F5344CB8AC3E}">
+        <p14:creationId xmlns:p14="http://schemas.microsoft.com/office/powerpoint/2010/main" val="321041050"/>
+      </p:ext>
+    </p:extLst>
+  </p:cSld>
+  <p:clrMap bg1="lt1" tx1="dk1" bg2="lt2" tx2="dk2" accent1="accent1" accent2="accent2" accent3="accent3" accent4="accent4" accent5="accent5" accent6="accent6" hlink="hlink" folHlink="folHlink"/>
+  <p:notesStyle>
+    <a:lvl1pPr marL="0" algn="l" defTabSz="457200" rtl="0" eaLnBrk="1" latinLnBrk="0" hangingPunct="1">
+      <a:defRPr sz="1200" kern="1200">
+        <a:solidFill>
+          <a:schemeClr val="tx1"/>
+        </a:solidFill>
+        <a:latin typeface="+mn-lt"/>
+        <a:ea typeface="+mn-ea"/>
+        <a:cs typeface="+mn-cs"/>
+      </a:defRPr>
+    </a:lvl1pPr>
+    <a:lvl2pPr marL="457200" algn="l" defTabSz="457200" rtl="0" eaLnBrk="1" latinLnBrk="0" hangingPunct="1">
+      <a:defRPr sz="1200" kern="1200">
+        <a:solidFill>
+          <a:schemeClr val="tx1"/>
+        </a:solidFill>
+        <a:latin typeface="+mn-lt"/>
+        <a:ea typeface="+mn-ea"/>
+        <a:cs typeface="+mn-cs"/>
+      </a:defRPr>
+    </a:lvl2pPr>
+    <a:lvl3pPr marL="914400" algn="l" defTabSz="457200" rtl="0" eaLnBrk="1" latinLnBrk="0" hangingPunct="1">
+      <a:defRPr sz="1200" kern="1200">
+        <a:solidFill>
+          <a:schemeClr val="tx1"/>
+        </a:solidFill>
+        <a:latin typeface="+mn-lt"/>
+        <a:ea typeface="+mn-ea"/>
+        <a:cs typeface="+mn-cs"/>
+      </a:defRPr>
+    </a:lvl3pPr>
+    <a:lvl4pPr marL="1371600" algn="l" defTabSz="457200" rtl="0" eaLnBrk="1" latinLnBrk="0" hangingPunct="1">
+      <a:defRPr sz="1200" kern="1200">
+        <a:solidFill>
+          <a:schemeClr val="tx1"/>
+        </a:solidFill>
+        <a:latin typeface="+mn-lt"/>
+        <a:ea typeface="+mn-ea"/>
+        <a:cs typeface="+mn-cs"/>
+      </a:defRPr>
+    </a:lvl4pPr>
+    <a:lvl5pPr marL="1828800" algn="l" defTabSz="457200" rtl="0" eaLnBrk="1" latinLnBrk="0" hangingPunct="1">
+      <a:defRPr sz="1200" kern="1200">
+        <a:solidFill>
+          <a:schemeClr val="tx1"/>
+        </a:solidFill>
+        <a:latin typeface="+mn-lt"/>
+        <a:ea typeface="+mn-ea"/>
+        <a:cs typeface="+mn-cs"/>
+      </a:defRPr>
+    </a:lvl5pPr>
+    <a:lvl6pPr marL="2286000" algn="l" defTabSz="457200" rtl="0" eaLnBrk="1" latinLnBrk="0" hangingPunct="1">
+      <a:defRPr sz="1200" kern="1200">
+        <a:solidFill>
+          <a:schemeClr val="tx1"/>
+        </a:solidFill>
+        <a:latin typeface="+mn-lt"/>
+        <a:ea typeface="+mn-ea"/>
+        <a:cs typeface="+mn-cs"/>
+      </a:defRPr>
+    </a:lvl6pPr>
+    <a:lvl7pPr marL="2743200" algn="l" defTabSz="457200" rtl="0" eaLnBrk="1" latinLnBrk="0" hangingPunct="1">
+      <a:defRPr sz="1200" kern="1200">
+        <a:solidFill>
+          <a:schemeClr val="tx1"/>
+        </a:solidFill>
+        <a:latin typeface="+mn-lt"/>
+        <a:ea typeface="+mn-ea"/>
+        <a:cs typeface="+mn-cs"/>
+      </a:defRPr>
+    </a:lvl7pPr>
+    <a:lvl8pPr marL="3200400" algn="l" defTabSz="457200" rtl="0" eaLnBrk="1" latinLnBrk="0" hangingPunct="1">
+      <a:defRPr sz="1200" kern="1200">
+        <a:solidFill>
+          <a:schemeClr val="tx1"/>
+        </a:solidFill>
+        <a:latin typeface="+mn-lt"/>
+        <a:ea typeface="+mn-ea"/>
+        <a:cs typeface="+mn-cs"/>
+      </a:defRPr>
+    </a:lvl8pPr>
+    <a:lvl9pPr marL="3657600" algn="l" defTabSz="457200" rtl="0" eaLnBrk="1" latinLnBrk="0" hangingPunct="1">
+      <a:defRPr sz="1200" kern="1200">
+        <a:solidFill>
+          <a:schemeClr val="tx1"/>
+        </a:solidFill>
+        <a:latin typeface="+mn-lt"/>
+        <a:ea typeface="+mn-ea"/>
+        <a:cs typeface="+mn-cs"/>
+      </a:defRPr>
+    </a:lvl9pPr>
+  </p:notesStyle>
+</p:notesMaster>
+</file>
+
+<file path=ppt/notesSlides/notesSlide1.xml><?xml version="1.0" encoding="utf-8"?>
+<p:notes xmlns:a="http://schemas.openxmlformats.org/drawingml/2006/main" xmlns:r="http://schemas.openxmlformats.org/officeDocument/2006/relationships" xmlns:p="http://schemas.openxmlformats.org/presentationml/2006/main">
+  <p:cSld>
+    <p:spTree>
+      <p:nvGrpSpPr>
+        <p:cNvPr id="1" name=""/>
+        <p:cNvGrpSpPr/>
+        <p:nvPr/>
+      </p:nvGrpSpPr>
+      <p:grpSpPr>
+        <a:xfrm>
+          <a:off x="0" y="0"/>
+          <a:ext cx="0" cy="0"/>
+          <a:chOff x="0" y="0"/>
+          <a:chExt cx="0" cy="0"/>
+        </a:xfrm>
+      </p:grpSpPr>
+      <p:sp>
+        <p:nvSpPr>
+          <p:cNvPr id="2" name="Slide Image Placeholder 1"/>
+          <p:cNvSpPr>
+            <a:spLocks noGrp="1" noRot="1" noChangeAspect="1"/>
+          </p:cNvSpPr>
+          <p:nvPr>
+            <p:ph type="sldImg"/>
+          </p:nvPr>
+        </p:nvSpPr>
+        <p:spPr/>
+      </p:sp>
+      <p:sp>
+        <p:nvSpPr>
+          <p:cNvPr id="3" name="Notes Placeholder 2"/>
+          <p:cNvSpPr>
+            <a:spLocks noGrp="1"/>
+          </p:cNvSpPr>
+          <p:nvPr>
+            <p:ph type="body" idx="1"/>
+          </p:nvPr>
+        </p:nvSpPr>
+        <p:spPr/>
+        <p:txBody>
+          <a:bodyPr/>
+          <a:lstStyle/>
+          <a:p>
+            <a:pPr algn="ctr"/>
+            <a:r>
+              <a:rPr lang="en-US" smtClean="0"/>
+              <a:t>DEMO</a:t>
+            </a:r>
+            <a:endParaRPr lang="en-US" dirty="0"/>
+          </a:p>
+        </p:txBody>
+      </p:sp>
+      <p:sp>
+        <p:nvSpPr>
+          <p:cNvPr id="4" name="Slide Number Placeholder 3"/>
+          <p:cNvSpPr>
+            <a:spLocks noGrp="1"/>
+          </p:cNvSpPr>
+          <p:nvPr>
+            <p:ph type="sldNum" sz="quarter" idx="10"/>
+          </p:nvPr>
+        </p:nvSpPr>
+        <p:spPr/>
+        <p:txBody>
+          <a:bodyPr/>
+          <a:lstStyle/>
+          <a:p>
+            <a:fld id="{434E0F4E-5600-114B-983A-EA2A1A7FDDBE}" type="slidenum">
+              <a:rPr lang="en-US" smtClean="0"/>
+              <a:t>32</a:t>
+            </a:fld>
+            <a:endParaRPr lang="en-US"/>
+          </a:p>
+        </p:txBody>
+      </p:sp>
+    </p:spTree>
+    <p:extLst>
+      <p:ext uri="{BB962C8B-B14F-4D97-AF65-F5344CB8AC3E}">
+        <p14:creationId xmlns:p14="http://schemas.microsoft.com/office/powerpoint/2010/main" val="770725753"/>
+      </p:ext>
+    </p:extLst>
+  </p:cSld>
+  <p:clrMapOvr>
+    <a:masterClrMapping/>
+  </p:clrMapOvr>
+</p:notes>
+</file>
+
 <file path=ppt/slideLayouts/slideLayout1.xml><?xml version="1.0" encoding="utf-8"?>
 <p:sldLayout xmlns:a="http://schemas.openxmlformats.org/drawingml/2006/main" xmlns:r="http://schemas.openxmlformats.org/officeDocument/2006/relationships" xmlns:p="http://schemas.openxmlformats.org/presentationml/2006/main" type="title" preserve="1">
   <p:cSld name="Title Slide">
@@ -13136,14 +13592,21 @@
             <p:ph type="title"/>
           </p:nvPr>
         </p:nvSpPr>
-        <p:spPr/>
+        <p:spPr>
+          <a:xfrm>
+            <a:off x="457200" y="274638"/>
+            <a:ext cx="8229600" cy="747310"/>
+          </a:xfrm>
+        </p:spPr>
         <p:txBody>
-          <a:bodyPr/>
+          <a:bodyPr>
+            <a:normAutofit fontScale="90000"/>
+          </a:bodyPr>
           <a:lstStyle/>
           <a:p>
             <a:r>
               <a:rPr lang="en-US" dirty="0" smtClean="0"/>
-              <a:t>Template Method</a:t>
+              <a:t>UML</a:t>
             </a:r>
             <a:endParaRPr lang="en-US" dirty="0"/>
           </a:p>
@@ -13164,379 +13627,25 @@
           <a:bodyPr/>
           <a:lstStyle/>
           <a:p>
+            <a:r>
+              <a:rPr lang="en-US" dirty="0" err="1" smtClean="0"/>
+              <a:t>Cấu</a:t>
+            </a:r>
+            <a:r>
+              <a:rPr lang="en-US" dirty="0" smtClean="0"/>
+              <a:t> </a:t>
+            </a:r>
+            <a:r>
+              <a:rPr lang="en-US" dirty="0" err="1" smtClean="0"/>
+              <a:t>trúc</a:t>
+            </a:r>
+            <a:endParaRPr lang="en-US" dirty="0" smtClean="0"/>
+          </a:p>
+          <a:p>
             <a:pPr marL="0" indent="0">
               <a:buNone/>
             </a:pPr>
-            <a:r>
-              <a:rPr lang="en-US" dirty="0" err="1" smtClean="0"/>
-              <a:t>Định</a:t>
-            </a:r>
-            <a:r>
-              <a:rPr lang="en-US" dirty="0" smtClean="0"/>
-              <a:t> </a:t>
-            </a:r>
-            <a:r>
-              <a:rPr lang="en-US" dirty="0" err="1"/>
-              <a:t>nghĩa</a:t>
-            </a:r>
-            <a:r>
-              <a:rPr lang="en-US" dirty="0"/>
-              <a:t> </a:t>
-            </a:r>
-            <a:r>
-              <a:rPr lang="en-US" dirty="0" err="1"/>
-              <a:t>một</a:t>
-            </a:r>
-            <a:r>
-              <a:rPr lang="en-US" dirty="0"/>
-              <a:t> </a:t>
-            </a:r>
-            <a:r>
-              <a:rPr lang="en-US" dirty="0" err="1"/>
-              <a:t>bộ</a:t>
-            </a:r>
-            <a:r>
-              <a:rPr lang="en-US" dirty="0"/>
-              <a:t> </a:t>
-            </a:r>
-            <a:r>
-              <a:rPr lang="en-US" dirty="0" err="1"/>
-              <a:t>khung</a:t>
-            </a:r>
-            <a:r>
-              <a:rPr lang="en-US" dirty="0"/>
-              <a:t> </a:t>
-            </a:r>
-            <a:r>
-              <a:rPr lang="en-US" dirty="0" err="1"/>
-              <a:t>của</a:t>
-            </a:r>
-            <a:r>
-              <a:rPr lang="en-US" dirty="0"/>
-              <a:t> </a:t>
-            </a:r>
-            <a:r>
-              <a:rPr lang="en-US" dirty="0" err="1"/>
-              <a:t>một</a:t>
-            </a:r>
-            <a:r>
-              <a:rPr lang="en-US" dirty="0"/>
-              <a:t> </a:t>
-            </a:r>
-            <a:r>
-              <a:rPr lang="en-US" dirty="0" err="1"/>
-              <a:t>thuật</a:t>
-            </a:r>
-            <a:r>
-              <a:rPr lang="en-US" dirty="0"/>
-              <a:t> </a:t>
-            </a:r>
-            <a:r>
-              <a:rPr lang="en-US" dirty="0" err="1"/>
-              <a:t>toán</a:t>
-            </a:r>
-            <a:r>
-              <a:rPr lang="en-US" dirty="0"/>
-              <a:t> </a:t>
-            </a:r>
-            <a:r>
-              <a:rPr lang="en-US" dirty="0" err="1"/>
-              <a:t>trong</a:t>
-            </a:r>
-            <a:r>
-              <a:rPr lang="en-US" dirty="0"/>
-              <a:t> </a:t>
-            </a:r>
-            <a:r>
-              <a:rPr lang="en-US" dirty="0" err="1"/>
-              <a:t>một</a:t>
-            </a:r>
-            <a:r>
-              <a:rPr lang="en-US" dirty="0"/>
-              <a:t> </a:t>
-            </a:r>
-            <a:r>
-              <a:rPr lang="en-US" dirty="0" err="1"/>
-              <a:t>chức</a:t>
-            </a:r>
-            <a:r>
-              <a:rPr lang="en-US" dirty="0"/>
-              <a:t> </a:t>
-            </a:r>
-            <a:r>
-              <a:rPr lang="en-US" dirty="0" err="1"/>
-              <a:t>năng</a:t>
-            </a:r>
-            <a:r>
-              <a:rPr lang="en-US" dirty="0"/>
-              <a:t>, </a:t>
-            </a:r>
-            <a:r>
-              <a:rPr lang="en-US" dirty="0" err="1"/>
-              <a:t>chuyển</a:t>
-            </a:r>
-            <a:r>
-              <a:rPr lang="en-US" dirty="0"/>
-              <a:t> </a:t>
-            </a:r>
-            <a:r>
-              <a:rPr lang="en-US" dirty="0" err="1"/>
-              <a:t>giao</a:t>
-            </a:r>
-            <a:r>
-              <a:rPr lang="en-US" dirty="0"/>
-              <a:t> </a:t>
-            </a:r>
-            <a:r>
-              <a:rPr lang="en-US" dirty="0" err="1"/>
-              <a:t>việc</a:t>
-            </a:r>
-            <a:r>
-              <a:rPr lang="en-US" dirty="0"/>
-              <a:t> </a:t>
-            </a:r>
-            <a:r>
-              <a:rPr lang="en-US" dirty="0" err="1"/>
-              <a:t>thực</a:t>
-            </a:r>
-            <a:r>
-              <a:rPr lang="en-US" dirty="0"/>
-              <a:t> </a:t>
-            </a:r>
-            <a:r>
-              <a:rPr lang="en-US" dirty="0" err="1"/>
-              <a:t>hiện</a:t>
-            </a:r>
-            <a:r>
-              <a:rPr lang="en-US" dirty="0"/>
-              <a:t> </a:t>
-            </a:r>
-            <a:r>
-              <a:rPr lang="en-US" dirty="0" err="1"/>
-              <a:t>nó</a:t>
-            </a:r>
-            <a:r>
-              <a:rPr lang="en-US" dirty="0"/>
-              <a:t> </a:t>
-            </a:r>
-            <a:r>
-              <a:rPr lang="en-US" dirty="0" err="1"/>
-              <a:t>cho</a:t>
-            </a:r>
-            <a:r>
-              <a:rPr lang="en-US" dirty="0"/>
-              <a:t> </a:t>
-            </a:r>
-            <a:r>
-              <a:rPr lang="en-US" dirty="0" err="1"/>
-              <a:t>các</a:t>
-            </a:r>
-            <a:r>
-              <a:rPr lang="en-US" dirty="0"/>
-              <a:t> </a:t>
-            </a:r>
-            <a:r>
-              <a:rPr lang="en-US" dirty="0" err="1"/>
-              <a:t>lớp</a:t>
-            </a:r>
-            <a:r>
-              <a:rPr lang="en-US" dirty="0"/>
-              <a:t> con. </a:t>
-            </a:r>
             <a:endParaRPr lang="en-US" dirty="0" smtClean="0"/>
-          </a:p>
-          <a:p>
-            <a:pPr marL="0" indent="0">
-              <a:buNone/>
-            </a:pPr>
-            <a:r>
-              <a:rPr lang="en-US" dirty="0" err="1" smtClean="0"/>
-              <a:t>Mẫu</a:t>
-            </a:r>
-            <a:r>
-              <a:rPr lang="en-US" dirty="0" smtClean="0"/>
-              <a:t> </a:t>
-            </a:r>
-            <a:r>
-              <a:rPr lang="en-US" dirty="0"/>
-              <a:t>Template Method </a:t>
-            </a:r>
-            <a:r>
-              <a:rPr lang="en-US" dirty="0" err="1"/>
-              <a:t>cho</a:t>
-            </a:r>
-            <a:r>
-              <a:rPr lang="en-US" dirty="0"/>
-              <a:t> </a:t>
-            </a:r>
-            <a:r>
-              <a:rPr lang="en-US" dirty="0" err="1"/>
-              <a:t>phép</a:t>
-            </a:r>
-            <a:r>
-              <a:rPr lang="en-US" dirty="0"/>
-              <a:t> </a:t>
-            </a:r>
-            <a:r>
-              <a:rPr lang="en-US" dirty="0" err="1"/>
-              <a:t>lớp</a:t>
-            </a:r>
-            <a:r>
-              <a:rPr lang="en-US" dirty="0"/>
-              <a:t> con </a:t>
-            </a:r>
-            <a:r>
-              <a:rPr lang="en-US" dirty="0" err="1"/>
-              <a:t>định</a:t>
-            </a:r>
-            <a:r>
-              <a:rPr lang="en-US" dirty="0"/>
-              <a:t> </a:t>
-            </a:r>
-            <a:r>
-              <a:rPr lang="en-US" dirty="0" err="1"/>
-              <a:t>nghĩa</a:t>
-            </a:r>
-            <a:r>
-              <a:rPr lang="en-US" dirty="0"/>
-              <a:t> </a:t>
-            </a:r>
-            <a:r>
-              <a:rPr lang="en-US" dirty="0" err="1"/>
-              <a:t>lại</a:t>
-            </a:r>
-            <a:r>
-              <a:rPr lang="en-US" dirty="0"/>
-              <a:t> </a:t>
-            </a:r>
-            <a:r>
-              <a:rPr lang="en-US" dirty="0" err="1"/>
-              <a:t>cách</a:t>
-            </a:r>
-            <a:r>
-              <a:rPr lang="en-US" dirty="0"/>
-              <a:t> </a:t>
-            </a:r>
-            <a:r>
-              <a:rPr lang="en-US" dirty="0" err="1"/>
-              <a:t>thực</a:t>
-            </a:r>
-            <a:r>
-              <a:rPr lang="en-US" dirty="0"/>
-              <a:t> </a:t>
-            </a:r>
-            <a:r>
-              <a:rPr lang="en-US" dirty="0" err="1"/>
-              <a:t>hiện</a:t>
-            </a:r>
-            <a:r>
-              <a:rPr lang="en-US" dirty="0"/>
-              <a:t> </a:t>
-            </a:r>
-            <a:r>
-              <a:rPr lang="en-US" dirty="0" err="1"/>
-              <a:t>của</a:t>
-            </a:r>
-            <a:r>
-              <a:rPr lang="en-US" dirty="0"/>
-              <a:t> </a:t>
-            </a:r>
-            <a:r>
-              <a:rPr lang="en-US" dirty="0" err="1"/>
-              <a:t>một</a:t>
-            </a:r>
-            <a:r>
-              <a:rPr lang="en-US" dirty="0"/>
-              <a:t> </a:t>
-            </a:r>
-            <a:r>
-              <a:rPr lang="en-US" dirty="0" err="1"/>
-              <a:t>thuật</a:t>
-            </a:r>
-            <a:r>
-              <a:rPr lang="en-US" dirty="0"/>
-              <a:t> </a:t>
-            </a:r>
-            <a:r>
-              <a:rPr lang="en-US" dirty="0" err="1"/>
-              <a:t>toán</a:t>
-            </a:r>
-            <a:r>
-              <a:rPr lang="en-US" dirty="0"/>
-              <a:t>, </a:t>
-            </a:r>
-            <a:r>
-              <a:rPr lang="en-US" dirty="0" err="1"/>
-              <a:t>mà</a:t>
-            </a:r>
-            <a:r>
-              <a:rPr lang="en-US" dirty="0"/>
-              <a:t> </a:t>
-            </a:r>
-            <a:r>
-              <a:rPr lang="en-US" dirty="0" err="1"/>
-              <a:t>không</a:t>
-            </a:r>
-            <a:r>
-              <a:rPr lang="en-US" dirty="0"/>
-              <a:t> </a:t>
-            </a:r>
-            <a:r>
-              <a:rPr lang="en-US" dirty="0" err="1"/>
-              <a:t>phải</a:t>
-            </a:r>
-            <a:r>
-              <a:rPr lang="en-US" dirty="0"/>
-              <a:t> </a:t>
-            </a:r>
-            <a:r>
-              <a:rPr lang="en-US" dirty="0" err="1"/>
-              <a:t>thay</a:t>
-            </a:r>
-            <a:r>
-              <a:rPr lang="en-US" dirty="0"/>
-              <a:t> </a:t>
-            </a:r>
-            <a:r>
-              <a:rPr lang="en-US" dirty="0" err="1"/>
-              <a:t>đổi</a:t>
-            </a:r>
-            <a:r>
-              <a:rPr lang="en-US" dirty="0"/>
-              <a:t> </a:t>
-            </a:r>
-            <a:r>
-              <a:rPr lang="en-US" dirty="0" err="1"/>
-              <a:t>cấu</a:t>
-            </a:r>
-            <a:r>
-              <a:rPr lang="en-US" dirty="0"/>
-              <a:t> </a:t>
-            </a:r>
-            <a:r>
-              <a:rPr lang="en-US" dirty="0" err="1"/>
-              <a:t>trúc</a:t>
-            </a:r>
-            <a:r>
-              <a:rPr lang="en-US" dirty="0"/>
-              <a:t> </a:t>
-            </a:r>
-            <a:r>
-              <a:rPr lang="en-US" dirty="0" err="1"/>
-              <a:t>thuật</a:t>
-            </a:r>
-            <a:r>
-              <a:rPr lang="en-US" dirty="0"/>
-              <a:t> </a:t>
-            </a:r>
-            <a:r>
-              <a:rPr lang="en-US" dirty="0" err="1"/>
-              <a:t>toán</a:t>
-            </a:r>
-            <a:r>
-              <a:rPr lang="en-US" dirty="0"/>
-              <a:t>.</a:t>
-            </a:r>
           </a:p>
           <a:p>
             <a:pPr marL="0" indent="0">
@@ -13546,10 +13655,40 @@
           </a:p>
         </p:txBody>
       </p:sp>
+      <p:pic>
+        <p:nvPicPr>
+          <p:cNvPr id="6" name="Picture 5" descr="Screen Shot 2015-05-16 at 1.05.50 AM.png"/>
+          <p:cNvPicPr>
+            <a:picLocks noChangeAspect="1"/>
+          </p:cNvPicPr>
+          <p:nvPr/>
+        </p:nvPicPr>
+        <p:blipFill>
+          <a:blip r:embed="rId2">
+            <a:extLst>
+              <a:ext uri="{28A0092B-C50C-407E-A947-70E740481C1C}">
+                <a14:useLocalDpi xmlns:a14="http://schemas.microsoft.com/office/drawing/2010/main" val="0"/>
+              </a:ext>
+            </a:extLst>
+          </a:blip>
+          <a:stretch>
+            <a:fillRect/>
+          </a:stretch>
+        </p:blipFill>
+        <p:spPr>
+          <a:xfrm>
+            <a:off x="457200" y="2325632"/>
+            <a:ext cx="7956886" cy="4305958"/>
+          </a:xfrm>
+          <a:prstGeom prst="rect">
+            <a:avLst/>
+          </a:prstGeom>
+        </p:spPr>
+      </p:pic>
     </p:spTree>
     <p:extLst>
       <p:ext uri="{BB962C8B-B14F-4D97-AF65-F5344CB8AC3E}">
-        <p14:creationId xmlns:p14="http://schemas.microsoft.com/office/powerpoint/2010/main" val="4268218685"/>
+        <p14:creationId xmlns:p14="http://schemas.microsoft.com/office/powerpoint/2010/main" val="1414071794"/>
       </p:ext>
     </p:extLst>
   </p:cSld>
@@ -13592,40 +13731,414 @@
           <a:lstStyle/>
           <a:p>
             <a:r>
-              <a:rPr lang="en-US" dirty="0"/>
+              <a:rPr lang="en-US" dirty="0" smtClean="0"/>
               <a:t>Template Method</a:t>
             </a:r>
+            <a:endParaRPr lang="en-US" dirty="0"/>
           </a:p>
         </p:txBody>
       </p:sp>
-      <p:pic>
-        <p:nvPicPr>
-          <p:cNvPr id="4" name="Content Placeholder 3"/>
-          <p:cNvPicPr>
-            <a:picLocks noGrp="1" noChangeAspect="1"/>
-          </p:cNvPicPr>
+      <p:sp>
+        <p:nvSpPr>
+          <p:cNvPr id="3" name="Content Placeholder 2"/>
+          <p:cNvSpPr>
+            <a:spLocks noGrp="1"/>
+          </p:cNvSpPr>
           <p:nvPr>
             <p:ph idx="1"/>
           </p:nvPr>
-        </p:nvPicPr>
-        <p:blipFill>
-          <a:blip r:embed="rId2"/>
-          <a:srcRect t="1726" b="1726"/>
-          <a:stretch>
-            <a:fillRect/>
-          </a:stretch>
-        </p:blipFill>
-        <p:spPr>
-          <a:xfrm>
-            <a:off x="1595821" y="2721568"/>
-            <a:ext cx="6015421" cy="3308250"/>
-          </a:xfrm>
-        </p:spPr>
-      </p:pic>
+        </p:nvSpPr>
+        <p:spPr/>
+        <p:txBody>
+          <a:bodyPr/>
+          <a:lstStyle/>
+          <a:p>
+            <a:pPr marL="0" indent="0">
+              <a:buNone/>
+            </a:pPr>
+            <a:r>
+              <a:rPr lang="en-US" dirty="0" err="1" smtClean="0"/>
+              <a:t>Định</a:t>
+            </a:r>
+            <a:r>
+              <a:rPr lang="en-US" dirty="0" smtClean="0"/>
+              <a:t> </a:t>
+            </a:r>
+            <a:r>
+              <a:rPr lang="en-US" dirty="0" err="1"/>
+              <a:t>nghĩa</a:t>
+            </a:r>
+            <a:r>
+              <a:rPr lang="en-US" dirty="0"/>
+              <a:t> </a:t>
+            </a:r>
+            <a:r>
+              <a:rPr lang="en-US" dirty="0" err="1"/>
+              <a:t>một</a:t>
+            </a:r>
+            <a:r>
+              <a:rPr lang="en-US" dirty="0"/>
+              <a:t> </a:t>
+            </a:r>
+            <a:r>
+              <a:rPr lang="en-US" dirty="0" err="1"/>
+              <a:t>bộ</a:t>
+            </a:r>
+            <a:r>
+              <a:rPr lang="en-US" dirty="0"/>
+              <a:t> </a:t>
+            </a:r>
+            <a:r>
+              <a:rPr lang="en-US" dirty="0" err="1"/>
+              <a:t>khung</a:t>
+            </a:r>
+            <a:r>
+              <a:rPr lang="en-US" dirty="0"/>
+              <a:t> </a:t>
+            </a:r>
+            <a:r>
+              <a:rPr lang="en-US" dirty="0" err="1"/>
+              <a:t>của</a:t>
+            </a:r>
+            <a:r>
+              <a:rPr lang="en-US" dirty="0"/>
+              <a:t> </a:t>
+            </a:r>
+            <a:r>
+              <a:rPr lang="en-US" dirty="0" err="1"/>
+              <a:t>một</a:t>
+            </a:r>
+            <a:r>
+              <a:rPr lang="en-US" dirty="0"/>
+              <a:t> </a:t>
+            </a:r>
+            <a:r>
+              <a:rPr lang="en-US" dirty="0" err="1"/>
+              <a:t>thuật</a:t>
+            </a:r>
+            <a:r>
+              <a:rPr lang="en-US" dirty="0"/>
+              <a:t> </a:t>
+            </a:r>
+            <a:r>
+              <a:rPr lang="en-US" dirty="0" err="1"/>
+              <a:t>toán</a:t>
+            </a:r>
+            <a:r>
+              <a:rPr lang="en-US" dirty="0"/>
+              <a:t> </a:t>
+            </a:r>
+            <a:r>
+              <a:rPr lang="en-US" dirty="0" err="1"/>
+              <a:t>trong</a:t>
+            </a:r>
+            <a:r>
+              <a:rPr lang="en-US" dirty="0"/>
+              <a:t> </a:t>
+            </a:r>
+            <a:r>
+              <a:rPr lang="en-US" dirty="0" err="1"/>
+              <a:t>một</a:t>
+            </a:r>
+            <a:r>
+              <a:rPr lang="en-US" dirty="0"/>
+              <a:t> </a:t>
+            </a:r>
+            <a:r>
+              <a:rPr lang="en-US" dirty="0" err="1"/>
+              <a:t>chức</a:t>
+            </a:r>
+            <a:r>
+              <a:rPr lang="en-US" dirty="0"/>
+              <a:t> </a:t>
+            </a:r>
+            <a:r>
+              <a:rPr lang="en-US" dirty="0" err="1"/>
+              <a:t>năng</a:t>
+            </a:r>
+            <a:r>
+              <a:rPr lang="en-US" dirty="0"/>
+              <a:t>, </a:t>
+            </a:r>
+            <a:r>
+              <a:rPr lang="en-US" dirty="0" err="1"/>
+              <a:t>chuyển</a:t>
+            </a:r>
+            <a:r>
+              <a:rPr lang="en-US" dirty="0"/>
+              <a:t> </a:t>
+            </a:r>
+            <a:r>
+              <a:rPr lang="en-US" dirty="0" err="1"/>
+              <a:t>giao</a:t>
+            </a:r>
+            <a:r>
+              <a:rPr lang="en-US" dirty="0"/>
+              <a:t> </a:t>
+            </a:r>
+            <a:r>
+              <a:rPr lang="en-US" dirty="0" err="1"/>
+              <a:t>việc</a:t>
+            </a:r>
+            <a:r>
+              <a:rPr lang="en-US" dirty="0"/>
+              <a:t> </a:t>
+            </a:r>
+            <a:r>
+              <a:rPr lang="en-US" dirty="0" err="1"/>
+              <a:t>thực</a:t>
+            </a:r>
+            <a:r>
+              <a:rPr lang="en-US" dirty="0"/>
+              <a:t> </a:t>
+            </a:r>
+            <a:r>
+              <a:rPr lang="en-US" dirty="0" err="1"/>
+              <a:t>hiện</a:t>
+            </a:r>
+            <a:r>
+              <a:rPr lang="en-US" dirty="0"/>
+              <a:t> </a:t>
+            </a:r>
+            <a:r>
+              <a:rPr lang="en-US" dirty="0" err="1"/>
+              <a:t>nó</a:t>
+            </a:r>
+            <a:r>
+              <a:rPr lang="en-US" dirty="0"/>
+              <a:t> </a:t>
+            </a:r>
+            <a:r>
+              <a:rPr lang="en-US" dirty="0" err="1"/>
+              <a:t>cho</a:t>
+            </a:r>
+            <a:r>
+              <a:rPr lang="en-US" dirty="0"/>
+              <a:t> </a:t>
+            </a:r>
+            <a:r>
+              <a:rPr lang="en-US" dirty="0" err="1"/>
+              <a:t>các</a:t>
+            </a:r>
+            <a:r>
+              <a:rPr lang="en-US" dirty="0"/>
+              <a:t> </a:t>
+            </a:r>
+            <a:r>
+              <a:rPr lang="en-US" dirty="0" err="1"/>
+              <a:t>lớp</a:t>
+            </a:r>
+            <a:r>
+              <a:rPr lang="en-US" dirty="0"/>
+              <a:t> con. </a:t>
+            </a:r>
+            <a:endParaRPr lang="en-US" dirty="0" smtClean="0"/>
+          </a:p>
+          <a:p>
+            <a:pPr marL="0" indent="0">
+              <a:buNone/>
+            </a:pPr>
+            <a:r>
+              <a:rPr lang="en-US" dirty="0" err="1" smtClean="0"/>
+              <a:t>Mẫu</a:t>
+            </a:r>
+            <a:r>
+              <a:rPr lang="en-US" dirty="0" smtClean="0"/>
+              <a:t> </a:t>
+            </a:r>
+            <a:r>
+              <a:rPr lang="en-US" dirty="0"/>
+              <a:t>Template Method </a:t>
+            </a:r>
+            <a:r>
+              <a:rPr lang="en-US" dirty="0" err="1"/>
+              <a:t>cho</a:t>
+            </a:r>
+            <a:r>
+              <a:rPr lang="en-US" dirty="0"/>
+              <a:t> </a:t>
+            </a:r>
+            <a:r>
+              <a:rPr lang="en-US" dirty="0" err="1"/>
+              <a:t>phép</a:t>
+            </a:r>
+            <a:r>
+              <a:rPr lang="en-US" dirty="0"/>
+              <a:t> </a:t>
+            </a:r>
+            <a:r>
+              <a:rPr lang="en-US" dirty="0" err="1"/>
+              <a:t>lớp</a:t>
+            </a:r>
+            <a:r>
+              <a:rPr lang="en-US" dirty="0"/>
+              <a:t> con </a:t>
+            </a:r>
+            <a:r>
+              <a:rPr lang="en-US" dirty="0" err="1"/>
+              <a:t>định</a:t>
+            </a:r>
+            <a:r>
+              <a:rPr lang="en-US" dirty="0"/>
+              <a:t> </a:t>
+            </a:r>
+            <a:r>
+              <a:rPr lang="en-US" dirty="0" err="1"/>
+              <a:t>nghĩa</a:t>
+            </a:r>
+            <a:r>
+              <a:rPr lang="en-US" dirty="0"/>
+              <a:t> </a:t>
+            </a:r>
+            <a:r>
+              <a:rPr lang="en-US" dirty="0" err="1"/>
+              <a:t>lại</a:t>
+            </a:r>
+            <a:r>
+              <a:rPr lang="en-US" dirty="0"/>
+              <a:t> </a:t>
+            </a:r>
+            <a:r>
+              <a:rPr lang="en-US" dirty="0" err="1"/>
+              <a:t>cách</a:t>
+            </a:r>
+            <a:r>
+              <a:rPr lang="en-US" dirty="0"/>
+              <a:t> </a:t>
+            </a:r>
+            <a:r>
+              <a:rPr lang="en-US" dirty="0" err="1"/>
+              <a:t>thực</a:t>
+            </a:r>
+            <a:r>
+              <a:rPr lang="en-US" dirty="0"/>
+              <a:t> </a:t>
+            </a:r>
+            <a:r>
+              <a:rPr lang="en-US" dirty="0" err="1"/>
+              <a:t>hiện</a:t>
+            </a:r>
+            <a:r>
+              <a:rPr lang="en-US" dirty="0"/>
+              <a:t> </a:t>
+            </a:r>
+            <a:r>
+              <a:rPr lang="en-US" dirty="0" err="1"/>
+              <a:t>của</a:t>
+            </a:r>
+            <a:r>
+              <a:rPr lang="en-US" dirty="0"/>
+              <a:t> </a:t>
+            </a:r>
+            <a:r>
+              <a:rPr lang="en-US" dirty="0" err="1"/>
+              <a:t>một</a:t>
+            </a:r>
+            <a:r>
+              <a:rPr lang="en-US" dirty="0"/>
+              <a:t> </a:t>
+            </a:r>
+            <a:r>
+              <a:rPr lang="en-US" dirty="0" err="1"/>
+              <a:t>thuật</a:t>
+            </a:r>
+            <a:r>
+              <a:rPr lang="en-US" dirty="0"/>
+              <a:t> </a:t>
+            </a:r>
+            <a:r>
+              <a:rPr lang="en-US" dirty="0" err="1"/>
+              <a:t>toán</a:t>
+            </a:r>
+            <a:r>
+              <a:rPr lang="en-US" dirty="0"/>
+              <a:t>, </a:t>
+            </a:r>
+            <a:r>
+              <a:rPr lang="en-US" dirty="0" err="1"/>
+              <a:t>mà</a:t>
+            </a:r>
+            <a:r>
+              <a:rPr lang="en-US" dirty="0"/>
+              <a:t> </a:t>
+            </a:r>
+            <a:r>
+              <a:rPr lang="en-US" dirty="0" err="1"/>
+              <a:t>không</a:t>
+            </a:r>
+            <a:r>
+              <a:rPr lang="en-US" dirty="0"/>
+              <a:t> </a:t>
+            </a:r>
+            <a:r>
+              <a:rPr lang="en-US" dirty="0" err="1"/>
+              <a:t>phải</a:t>
+            </a:r>
+            <a:r>
+              <a:rPr lang="en-US" dirty="0"/>
+              <a:t> </a:t>
+            </a:r>
+            <a:r>
+              <a:rPr lang="en-US" dirty="0" err="1"/>
+              <a:t>thay</a:t>
+            </a:r>
+            <a:r>
+              <a:rPr lang="en-US" dirty="0"/>
+              <a:t> </a:t>
+            </a:r>
+            <a:r>
+              <a:rPr lang="en-US" dirty="0" err="1"/>
+              <a:t>đổi</a:t>
+            </a:r>
+            <a:r>
+              <a:rPr lang="en-US" dirty="0"/>
+              <a:t> </a:t>
+            </a:r>
+            <a:r>
+              <a:rPr lang="en-US" dirty="0" err="1"/>
+              <a:t>cấu</a:t>
+            </a:r>
+            <a:r>
+              <a:rPr lang="en-US" dirty="0"/>
+              <a:t> </a:t>
+            </a:r>
+            <a:r>
+              <a:rPr lang="en-US" dirty="0" err="1"/>
+              <a:t>trúc</a:t>
+            </a:r>
+            <a:r>
+              <a:rPr lang="en-US" dirty="0"/>
+              <a:t> </a:t>
+            </a:r>
+            <a:r>
+              <a:rPr lang="en-US" dirty="0" err="1"/>
+              <a:t>thuật</a:t>
+            </a:r>
+            <a:r>
+              <a:rPr lang="en-US" dirty="0"/>
+              <a:t> </a:t>
+            </a:r>
+            <a:r>
+              <a:rPr lang="en-US" dirty="0" err="1"/>
+              <a:t>toán</a:t>
+            </a:r>
+            <a:r>
+              <a:rPr lang="en-US" dirty="0"/>
+              <a:t>.</a:t>
+            </a:r>
+          </a:p>
+          <a:p>
+            <a:pPr marL="0" indent="0">
+              <a:buNone/>
+            </a:pPr>
+            <a:endParaRPr lang="en-US" dirty="0"/>
+          </a:p>
+        </p:txBody>
+      </p:sp>
     </p:spTree>
     <p:extLst>
       <p:ext uri="{BB962C8B-B14F-4D97-AF65-F5344CB8AC3E}">
-        <p14:creationId xmlns:p14="http://schemas.microsoft.com/office/powerpoint/2010/main" val="3048018886"/>
+        <p14:creationId xmlns:p14="http://schemas.microsoft.com/office/powerpoint/2010/main" val="4268218685"/>
       </p:ext>
     </p:extLst>
   </p:cSld>
@@ -13674,6 +14187,82 @@
           </a:p>
         </p:txBody>
       </p:sp>
+      <p:pic>
+        <p:nvPicPr>
+          <p:cNvPr id="4" name="Content Placeholder 3"/>
+          <p:cNvPicPr>
+            <a:picLocks noGrp="1" noChangeAspect="1"/>
+          </p:cNvPicPr>
+          <p:nvPr>
+            <p:ph idx="1"/>
+          </p:nvPr>
+        </p:nvPicPr>
+        <p:blipFill>
+          <a:blip r:embed="rId2"/>
+          <a:srcRect t="1726" b="1726"/>
+          <a:stretch>
+            <a:fillRect/>
+          </a:stretch>
+        </p:blipFill>
+        <p:spPr>
+          <a:xfrm>
+            <a:off x="1595821" y="2721568"/>
+            <a:ext cx="6015421" cy="3308250"/>
+          </a:xfrm>
+        </p:spPr>
+      </p:pic>
+    </p:spTree>
+    <p:extLst>
+      <p:ext uri="{BB962C8B-B14F-4D97-AF65-F5344CB8AC3E}">
+        <p14:creationId xmlns:p14="http://schemas.microsoft.com/office/powerpoint/2010/main" val="3048018886"/>
+      </p:ext>
+    </p:extLst>
+  </p:cSld>
+  <p:clrMapOvr>
+    <a:masterClrMapping/>
+  </p:clrMapOvr>
+</p:sld>
+</file>
+
+<file path=ppt/slides/slide17.xml><?xml version="1.0" encoding="utf-8"?>
+<p:sld xmlns:a="http://schemas.openxmlformats.org/drawingml/2006/main" xmlns:r="http://schemas.openxmlformats.org/officeDocument/2006/relationships" xmlns:p="http://schemas.openxmlformats.org/presentationml/2006/main">
+  <p:cSld>
+    <p:spTree>
+      <p:nvGrpSpPr>
+        <p:cNvPr id="1" name=""/>
+        <p:cNvGrpSpPr/>
+        <p:nvPr/>
+      </p:nvGrpSpPr>
+      <p:grpSpPr>
+        <a:xfrm>
+          <a:off x="0" y="0"/>
+          <a:ext cx="0" cy="0"/>
+          <a:chOff x="0" y="0"/>
+          <a:chExt cx="0" cy="0"/>
+        </a:xfrm>
+      </p:grpSpPr>
+      <p:sp>
+        <p:nvSpPr>
+          <p:cNvPr id="2" name="Title 1"/>
+          <p:cNvSpPr>
+            <a:spLocks noGrp="1"/>
+          </p:cNvSpPr>
+          <p:nvPr>
+            <p:ph type="title"/>
+          </p:nvPr>
+        </p:nvSpPr>
+        <p:spPr/>
+        <p:txBody>
+          <a:bodyPr/>
+          <a:lstStyle/>
+          <a:p>
+            <a:r>
+              <a:rPr lang="en-US" dirty="0"/>
+              <a:t>Template Method</a:t>
+            </a:r>
+          </a:p>
+        </p:txBody>
+      </p:sp>
       <p:sp>
         <p:nvSpPr>
           <p:cNvPr id="3" name="Content Placeholder 2"/>
@@ -13921,7 +14510,7 @@
 </p:sld>
 </file>
 
-<file path=ppt/slides/slide17.xml><?xml version="1.0" encoding="utf-8"?>
+<file path=ppt/slides/slide18.xml><?xml version="1.0" encoding="utf-8"?>
 <p:sld xmlns:a="http://schemas.openxmlformats.org/drawingml/2006/main" xmlns:r="http://schemas.openxmlformats.org/officeDocument/2006/relationships" xmlns:p="http://schemas.openxmlformats.org/presentationml/2006/main">
   <p:cSld>
     <p:spTree>
@@ -14002,7 +14591,7 @@
 </p:sld>
 </file>
 
-<file path=ppt/slides/slide18.xml><?xml version="1.0" encoding="utf-8"?>
+<file path=ppt/slides/slide19.xml><?xml version="1.0" encoding="utf-8"?>
 <p:sld xmlns:a="http://schemas.openxmlformats.org/drawingml/2006/main" xmlns:r="http://schemas.openxmlformats.org/officeDocument/2006/relationships" xmlns:p="http://schemas.openxmlformats.org/presentationml/2006/main">
   <p:cSld>
     <p:spTree>
@@ -14278,6 +14867,4030 @@
 </p:sld>
 </file>
 
+<file path=ppt/slides/slide20.xml><?xml version="1.0" encoding="utf-8"?>
+<p:sld xmlns:a="http://schemas.openxmlformats.org/drawingml/2006/main" xmlns:r="http://schemas.openxmlformats.org/officeDocument/2006/relationships" xmlns:p="http://schemas.openxmlformats.org/presentationml/2006/main">
+  <p:cSld>
+    <p:spTree>
+      <p:nvGrpSpPr>
+        <p:cNvPr id="1" name=""/>
+        <p:cNvGrpSpPr/>
+        <p:nvPr/>
+      </p:nvGrpSpPr>
+      <p:grpSpPr>
+        <a:xfrm>
+          <a:off x="0" y="0"/>
+          <a:ext cx="0" cy="0"/>
+          <a:chOff x="0" y="0"/>
+          <a:chExt cx="0" cy="0"/>
+        </a:xfrm>
+      </p:grpSpPr>
+      <p:sp>
+        <p:nvSpPr>
+          <p:cNvPr id="14" name="Rectangle 2"/>
+          <p:cNvSpPr txBox="1">
+            <a:spLocks noChangeArrowheads="1"/>
+          </p:cNvSpPr>
+          <p:nvPr/>
+        </p:nvSpPr>
+        <p:spPr>
+          <a:xfrm>
+            <a:off x="1043608" y="980728"/>
+            <a:ext cx="7772400" cy="1143000"/>
+          </a:xfrm>
+          <a:prstGeom prst="rect">
+            <a:avLst/>
+          </a:prstGeom>
+        </p:spPr>
+        <p:txBody>
+          <a:bodyPr vert="horz" lIns="91440" tIns="45720" rIns="91440" bIns="45720" rtlCol="0" anchor="ctr">
+            <a:normAutofit/>
+          </a:bodyPr>
+          <a:lstStyle>
+            <a:lvl1pPr algn="ctr" defTabSz="457200" rtl="0" eaLnBrk="1" latinLnBrk="0" hangingPunct="1">
+              <a:spcBef>
+                <a:spcPct val="0"/>
+              </a:spcBef>
+              <a:buNone/>
+              <a:defRPr sz="4400" kern="1200">
+                <a:solidFill>
+                  <a:schemeClr val="tx1"/>
+                </a:solidFill>
+                <a:latin typeface="+mj-lt"/>
+                <a:ea typeface="+mj-ea"/>
+                <a:cs typeface="+mj-cs"/>
+              </a:defRPr>
+            </a:lvl1pPr>
+          </a:lstStyle>
+          <a:p>
+            <a:r>
+              <a:rPr lang="en-US" dirty="0" smtClean="0"/>
+              <a:t>Pattern: Iterator</a:t>
+            </a:r>
+            <a:endParaRPr lang="en-US" dirty="0"/>
+          </a:p>
+        </p:txBody>
+      </p:sp>
+      <p:pic>
+        <p:nvPicPr>
+          <p:cNvPr id="15" name="Picture 5"/>
+          <p:cNvPicPr>
+            <a:picLocks noChangeAspect="1" noChangeArrowheads="1"/>
+          </p:cNvPicPr>
+          <p:nvPr/>
+        </p:nvPicPr>
+        <p:blipFill>
+          <a:blip r:embed="rId2">
+            <a:extLst>
+              <a:ext uri="{28A0092B-C50C-407E-A947-70E740481C1C}">
+                <a14:useLocalDpi xmlns:a14="http://schemas.microsoft.com/office/drawing/2010/main" val="0"/>
+              </a:ext>
+            </a:extLst>
+          </a:blip>
+          <a:srcRect/>
+          <a:stretch>
+            <a:fillRect/>
+          </a:stretch>
+        </p:blipFill>
+        <p:spPr bwMode="auto">
+          <a:xfrm>
+            <a:off x="2262808" y="3647728"/>
+            <a:ext cx="4354513" cy="2147888"/>
+          </a:xfrm>
+          <a:prstGeom prst="rect">
+            <a:avLst/>
+          </a:prstGeom>
+          <a:noFill/>
+          <a:ln>
+            <a:noFill/>
+          </a:ln>
+          <a:effectLst/>
+          <a:extLst>
+            <a:ext uri="{909E8E84-426E-40dd-AFC4-6F175D3DCCD1}">
+              <a14:hiddenFill xmlns:a14="http://schemas.microsoft.com/office/drawing/2010/main">
+                <a:solidFill>
+                  <a:schemeClr val="accent1"/>
+                </a:solidFill>
+              </a14:hiddenFill>
+            </a:ext>
+            <a:ext uri="{91240B29-F687-4f45-9708-019B960494DF}">
+              <a14:hiddenLine xmlns:a14="http://schemas.microsoft.com/office/drawing/2010/main" w="9525">
+                <a:solidFill>
+                  <a:schemeClr val="tx1"/>
+                </a:solidFill>
+                <a:miter lim="800000"/>
+                <a:headEnd/>
+                <a:tailEnd/>
+              </a14:hiddenLine>
+            </a:ext>
+            <a:ext uri="{AF507438-7753-43e0-B8FC-AC1667EBCBE1}">
+              <a14:hiddenEffects xmlns:a14="http://schemas.microsoft.com/office/drawing/2010/main">
+                <a:effectLst>
+                  <a:outerShdw blurRad="63500" dist="38099" dir="2700000" algn="ctr" rotWithShape="0">
+                    <a:schemeClr val="bg2">
+                      <a:alpha val="74998"/>
+                    </a:schemeClr>
+                  </a:outerShdw>
+                </a:effectLst>
+              </a14:hiddenEffects>
+            </a:ext>
+          </a:extLst>
+        </p:spPr>
+      </p:pic>
+      <p:sp>
+        <p:nvSpPr>
+          <p:cNvPr id="16" name="Rectangle 9"/>
+          <p:cNvSpPr txBox="1">
+            <a:spLocks noChangeArrowheads="1"/>
+          </p:cNvSpPr>
+          <p:nvPr/>
+        </p:nvSpPr>
+        <p:spPr>
+          <a:xfrm>
+            <a:off x="1424608" y="2580928"/>
+            <a:ext cx="6553200" cy="2209800"/>
+          </a:xfrm>
+          <a:prstGeom prst="rect">
+            <a:avLst/>
+          </a:prstGeom>
+          <a:noFill/>
+          <a:ln/>
+        </p:spPr>
+        <p:txBody>
+          <a:bodyPr vert="horz" lIns="91440" tIns="45720" rIns="91440" bIns="45720" rtlCol="0">
+            <a:normAutofit/>
+          </a:bodyPr>
+          <a:lstStyle>
+            <a:lvl1pPr marL="342900" indent="-342900" algn="l" defTabSz="457200" rtl="0" eaLnBrk="1" latinLnBrk="0" hangingPunct="1">
+              <a:spcBef>
+                <a:spcPct val="20000"/>
+              </a:spcBef>
+              <a:buFont typeface="Arial"/>
+              <a:buChar char="•"/>
+              <a:defRPr sz="3200" kern="1200">
+                <a:solidFill>
+                  <a:schemeClr val="tx1"/>
+                </a:solidFill>
+                <a:latin typeface="+mn-lt"/>
+                <a:ea typeface="+mn-ea"/>
+                <a:cs typeface="+mn-cs"/>
+              </a:defRPr>
+            </a:lvl1pPr>
+            <a:lvl2pPr marL="742950" indent="-285750" algn="l" defTabSz="457200" rtl="0" eaLnBrk="1" latinLnBrk="0" hangingPunct="1">
+              <a:spcBef>
+                <a:spcPct val="20000"/>
+              </a:spcBef>
+              <a:buFont typeface="Arial"/>
+              <a:buChar char="–"/>
+              <a:defRPr sz="2800" kern="1200">
+                <a:solidFill>
+                  <a:schemeClr val="tx1"/>
+                </a:solidFill>
+                <a:latin typeface="+mn-lt"/>
+                <a:ea typeface="+mn-ea"/>
+                <a:cs typeface="+mn-cs"/>
+              </a:defRPr>
+            </a:lvl2pPr>
+            <a:lvl3pPr marL="1143000" indent="-228600" algn="l" defTabSz="457200" rtl="0" eaLnBrk="1" latinLnBrk="0" hangingPunct="1">
+              <a:spcBef>
+                <a:spcPct val="20000"/>
+              </a:spcBef>
+              <a:buFont typeface="Arial"/>
+              <a:buChar char="•"/>
+              <a:defRPr sz="2400" kern="1200">
+                <a:solidFill>
+                  <a:schemeClr val="tx1"/>
+                </a:solidFill>
+                <a:latin typeface="+mn-lt"/>
+                <a:ea typeface="+mn-ea"/>
+                <a:cs typeface="+mn-cs"/>
+              </a:defRPr>
+            </a:lvl3pPr>
+            <a:lvl4pPr marL="1600200" indent="-228600" algn="l" defTabSz="457200" rtl="0" eaLnBrk="1" latinLnBrk="0" hangingPunct="1">
+              <a:spcBef>
+                <a:spcPct val="20000"/>
+              </a:spcBef>
+              <a:buFont typeface="Arial"/>
+              <a:buChar char="–"/>
+              <a:defRPr sz="2000" kern="1200">
+                <a:solidFill>
+                  <a:schemeClr val="tx1"/>
+                </a:solidFill>
+                <a:latin typeface="+mn-lt"/>
+                <a:ea typeface="+mn-ea"/>
+                <a:cs typeface="+mn-cs"/>
+              </a:defRPr>
+            </a:lvl4pPr>
+            <a:lvl5pPr marL="2057400" indent="-228600" algn="l" defTabSz="457200" rtl="0" eaLnBrk="1" latinLnBrk="0" hangingPunct="1">
+              <a:spcBef>
+                <a:spcPct val="20000"/>
+              </a:spcBef>
+              <a:buFont typeface="Arial"/>
+              <a:buChar char="»"/>
+              <a:defRPr sz="2000" kern="1200">
+                <a:solidFill>
+                  <a:schemeClr val="tx1"/>
+                </a:solidFill>
+                <a:latin typeface="+mn-lt"/>
+                <a:ea typeface="+mn-ea"/>
+                <a:cs typeface="+mn-cs"/>
+              </a:defRPr>
+            </a:lvl5pPr>
+            <a:lvl6pPr marL="2514600" indent="-228600" algn="l" defTabSz="457200" rtl="0" eaLnBrk="1" latinLnBrk="0" hangingPunct="1">
+              <a:spcBef>
+                <a:spcPct val="20000"/>
+              </a:spcBef>
+              <a:buFont typeface="Arial"/>
+              <a:buChar char="•"/>
+              <a:defRPr sz="2000" kern="1200">
+                <a:solidFill>
+                  <a:schemeClr val="tx1"/>
+                </a:solidFill>
+                <a:latin typeface="+mn-lt"/>
+                <a:ea typeface="+mn-ea"/>
+                <a:cs typeface="+mn-cs"/>
+              </a:defRPr>
+            </a:lvl6pPr>
+            <a:lvl7pPr marL="2971800" indent="-228600" algn="l" defTabSz="457200" rtl="0" eaLnBrk="1" latinLnBrk="0" hangingPunct="1">
+              <a:spcBef>
+                <a:spcPct val="20000"/>
+              </a:spcBef>
+              <a:buFont typeface="Arial"/>
+              <a:buChar char="•"/>
+              <a:defRPr sz="2000" kern="1200">
+                <a:solidFill>
+                  <a:schemeClr val="tx1"/>
+                </a:solidFill>
+                <a:latin typeface="+mn-lt"/>
+                <a:ea typeface="+mn-ea"/>
+                <a:cs typeface="+mn-cs"/>
+              </a:defRPr>
+            </a:lvl7pPr>
+            <a:lvl8pPr marL="3429000" indent="-228600" algn="l" defTabSz="457200" rtl="0" eaLnBrk="1" latinLnBrk="0" hangingPunct="1">
+              <a:spcBef>
+                <a:spcPct val="20000"/>
+              </a:spcBef>
+              <a:buFont typeface="Arial"/>
+              <a:buChar char="•"/>
+              <a:defRPr sz="2000" kern="1200">
+                <a:solidFill>
+                  <a:schemeClr val="tx1"/>
+                </a:solidFill>
+                <a:latin typeface="+mn-lt"/>
+                <a:ea typeface="+mn-ea"/>
+                <a:cs typeface="+mn-cs"/>
+              </a:defRPr>
+            </a:lvl8pPr>
+            <a:lvl9pPr marL="3886200" indent="-228600" algn="l" defTabSz="457200" rtl="0" eaLnBrk="1" latinLnBrk="0" hangingPunct="1">
+              <a:spcBef>
+                <a:spcPct val="20000"/>
+              </a:spcBef>
+              <a:buFont typeface="Arial"/>
+              <a:buChar char="•"/>
+              <a:defRPr sz="2000" kern="1200">
+                <a:solidFill>
+                  <a:schemeClr val="tx1"/>
+                </a:solidFill>
+                <a:latin typeface="+mn-lt"/>
+                <a:ea typeface="+mn-ea"/>
+                <a:cs typeface="+mn-cs"/>
+              </a:defRPr>
+            </a:lvl9pPr>
+          </a:lstStyle>
+          <a:p>
+            <a:pPr>
+              <a:lnSpc>
+                <a:spcPct val="90000"/>
+              </a:lnSpc>
+            </a:pPr>
+            <a:r>
+              <a:rPr lang="en-US" i="1" dirty="0" smtClean="0"/>
+              <a:t>objects that traverse collections</a:t>
+            </a:r>
+            <a:endParaRPr lang="en-US" i="1" dirty="0"/>
+          </a:p>
+        </p:txBody>
+      </p:sp>
+    </p:spTree>
+    <p:extLst>
+      <p:ext uri="{BB962C8B-B14F-4D97-AF65-F5344CB8AC3E}">
+        <p14:creationId xmlns:p14="http://schemas.microsoft.com/office/powerpoint/2010/main" val="2158832301"/>
+      </p:ext>
+    </p:extLst>
+  </p:cSld>
+  <p:clrMapOvr>
+    <a:masterClrMapping/>
+  </p:clrMapOvr>
+</p:sld>
+</file>
+
+<file path=ppt/slides/slide21.xml><?xml version="1.0" encoding="utf-8"?>
+<p:sld xmlns:a="http://schemas.openxmlformats.org/drawingml/2006/main" xmlns:r="http://schemas.openxmlformats.org/officeDocument/2006/relationships" xmlns:p="http://schemas.openxmlformats.org/presentationml/2006/main">
+  <p:cSld>
+    <p:spTree>
+      <p:nvGrpSpPr>
+        <p:cNvPr id="1" name=""/>
+        <p:cNvGrpSpPr/>
+        <p:nvPr/>
+      </p:nvGrpSpPr>
+      <p:grpSpPr>
+        <a:xfrm>
+          <a:off x="0" y="0"/>
+          <a:ext cx="0" cy="0"/>
+          <a:chOff x="0" y="0"/>
+          <a:chExt cx="0" cy="0"/>
+        </a:xfrm>
+      </p:grpSpPr>
+      <p:sp>
+        <p:nvSpPr>
+          <p:cNvPr id="2" name="Title 1"/>
+          <p:cNvSpPr>
+            <a:spLocks noGrp="1"/>
+          </p:cNvSpPr>
+          <p:nvPr>
+            <p:ph type="title"/>
+          </p:nvPr>
+        </p:nvSpPr>
+        <p:spPr/>
+        <p:txBody>
+          <a:bodyPr>
+            <a:normAutofit/>
+          </a:bodyPr>
+          <a:lstStyle/>
+          <a:p>
+            <a:r>
+              <a:rPr lang="en-US" dirty="0" err="1" smtClean="0"/>
+              <a:t>Vấn</a:t>
+            </a:r>
+            <a:r>
+              <a:rPr lang="en-US" dirty="0" smtClean="0"/>
+              <a:t> </a:t>
+            </a:r>
+            <a:r>
+              <a:rPr lang="en-US" dirty="0" err="1" smtClean="0"/>
+              <a:t>đề</a:t>
+            </a:r>
+            <a:endParaRPr lang="en-US" dirty="0"/>
+          </a:p>
+        </p:txBody>
+      </p:sp>
+      <p:sp>
+        <p:nvSpPr>
+          <p:cNvPr id="3" name="Content Placeholder 2"/>
+          <p:cNvSpPr>
+            <a:spLocks noGrp="1"/>
+          </p:cNvSpPr>
+          <p:nvPr>
+            <p:ph idx="1"/>
+          </p:nvPr>
+        </p:nvSpPr>
+        <p:spPr/>
+        <p:txBody>
+          <a:bodyPr>
+            <a:normAutofit lnSpcReduction="10000"/>
+          </a:bodyPr>
+          <a:lstStyle/>
+          <a:p>
+            <a:r>
+              <a:rPr lang="en-US" dirty="0" err="1"/>
+              <a:t>Một</a:t>
+            </a:r>
+            <a:r>
+              <a:rPr lang="en-US" dirty="0"/>
+              <a:t> </a:t>
+            </a:r>
+            <a:r>
+              <a:rPr lang="en-US" dirty="0" smtClean="0"/>
+              <a:t>Object </a:t>
+            </a:r>
+            <a:r>
+              <a:rPr lang="en-US" dirty="0" err="1" smtClean="0"/>
+              <a:t>được</a:t>
+            </a:r>
+            <a:r>
+              <a:rPr lang="en-US" dirty="0" smtClean="0"/>
+              <a:t> set</a:t>
+            </a:r>
+            <a:r>
+              <a:rPr lang="en-US" dirty="0" smtClean="0"/>
+              <a:t> </a:t>
+            </a:r>
+            <a:r>
+              <a:rPr lang="en-US" dirty="0" err="1"/>
+              <a:t>như</a:t>
+            </a:r>
+            <a:r>
+              <a:rPr lang="en-US" dirty="0"/>
+              <a:t> </a:t>
+            </a:r>
+            <a:r>
+              <a:rPr lang="en-US" dirty="0" err="1"/>
+              <a:t>là</a:t>
+            </a:r>
+            <a:r>
+              <a:rPr lang="en-US" dirty="0"/>
+              <a:t> </a:t>
+            </a:r>
+            <a:r>
+              <a:rPr lang="en-US" dirty="0" err="1"/>
+              <a:t>một</a:t>
+            </a:r>
+            <a:r>
+              <a:rPr lang="en-US" dirty="0"/>
+              <a:t> </a:t>
+            </a:r>
+            <a:r>
+              <a:rPr lang="en-US" dirty="0" smtClean="0"/>
+              <a:t>list</a:t>
+            </a:r>
+            <a:r>
+              <a:rPr lang="en-US" dirty="0" smtClean="0"/>
+              <a:t> </a:t>
+            </a:r>
+            <a:r>
+              <a:rPr lang="en-US" dirty="0" err="1" smtClean="0"/>
+              <a:t>cung</a:t>
+            </a:r>
+            <a:r>
+              <a:rPr lang="en-US" dirty="0" smtClean="0"/>
+              <a:t> </a:t>
+            </a:r>
+            <a:r>
+              <a:rPr lang="en-US" dirty="0" err="1"/>
+              <a:t>cấp</a:t>
+            </a:r>
+            <a:r>
+              <a:rPr lang="en-US" dirty="0"/>
+              <a:t> </a:t>
+            </a:r>
+            <a:r>
+              <a:rPr lang="en-US" dirty="0" err="1"/>
+              <a:t>cho</a:t>
+            </a:r>
+            <a:r>
+              <a:rPr lang="en-US" dirty="0"/>
+              <a:t> </a:t>
+            </a:r>
+            <a:r>
+              <a:rPr lang="en-US" dirty="0" err="1"/>
+              <a:t>chúng</a:t>
+            </a:r>
+            <a:r>
+              <a:rPr lang="en-US" dirty="0"/>
+              <a:t> ta </a:t>
+            </a:r>
+            <a:r>
+              <a:rPr lang="en-US" dirty="0" err="1"/>
+              <a:t>những</a:t>
+            </a:r>
+            <a:r>
+              <a:rPr lang="en-US" dirty="0"/>
+              <a:t> </a:t>
+            </a:r>
+            <a:r>
+              <a:rPr lang="en-US" dirty="0" smtClean="0"/>
+              <a:t>method </a:t>
+            </a:r>
+            <a:r>
+              <a:rPr lang="en-US" dirty="0" err="1" smtClean="0"/>
+              <a:t>truy</a:t>
+            </a:r>
+            <a:r>
+              <a:rPr lang="en-US" dirty="0" smtClean="0"/>
+              <a:t> </a:t>
+            </a:r>
+            <a:r>
+              <a:rPr lang="en-US" dirty="0" err="1" smtClean="0"/>
+              <a:t>cập</a:t>
+            </a:r>
+            <a:r>
+              <a:rPr lang="en-US" dirty="0" smtClean="0"/>
+              <a:t> </a:t>
+            </a:r>
+            <a:r>
+              <a:rPr lang="en-US" dirty="0" err="1" smtClean="0"/>
+              <a:t>các</a:t>
+            </a:r>
+            <a:r>
+              <a:rPr lang="en-US" dirty="0" smtClean="0"/>
+              <a:t> </a:t>
+            </a:r>
+            <a:r>
+              <a:rPr lang="en-US" dirty="0" err="1"/>
+              <a:t>thành</a:t>
+            </a:r>
+            <a:r>
+              <a:rPr lang="en-US" dirty="0"/>
+              <a:t> </a:t>
+            </a:r>
+            <a:r>
+              <a:rPr lang="en-US" dirty="0" err="1"/>
+              <a:t>phần</a:t>
+            </a:r>
+            <a:r>
+              <a:rPr lang="en-US" dirty="0"/>
+              <a:t> </a:t>
+            </a:r>
+            <a:r>
+              <a:rPr lang="en-US" dirty="0" err="1"/>
+              <a:t>của</a:t>
+            </a:r>
+            <a:r>
+              <a:rPr lang="en-US" dirty="0"/>
+              <a:t> </a:t>
+            </a:r>
+            <a:r>
+              <a:rPr lang="en-US" dirty="0" err="1"/>
+              <a:t>nó</a:t>
+            </a:r>
+            <a:r>
+              <a:rPr lang="en-US" dirty="0"/>
+              <a:t>.</a:t>
+            </a:r>
+          </a:p>
+          <a:p>
+            <a:r>
+              <a:rPr lang="en-US" dirty="0" err="1"/>
+              <a:t>Nếu</a:t>
+            </a:r>
+            <a:r>
+              <a:rPr lang="en-US" dirty="0"/>
+              <a:t> </a:t>
+            </a:r>
+            <a:r>
+              <a:rPr lang="en-US" dirty="0" err="1" smtClean="0"/>
+              <a:t>muốn</a:t>
+            </a:r>
+            <a:r>
+              <a:rPr lang="en-US" dirty="0" smtClean="0"/>
+              <a:t> </a:t>
+            </a:r>
+            <a:r>
+              <a:rPr lang="en-US" dirty="0" err="1"/>
+              <a:t>truy</a:t>
+            </a:r>
+            <a:r>
+              <a:rPr lang="en-US" dirty="0"/>
+              <a:t> </a:t>
+            </a:r>
+            <a:r>
+              <a:rPr lang="en-US" dirty="0" err="1"/>
+              <a:t>cập</a:t>
+            </a:r>
+            <a:r>
+              <a:rPr lang="en-US" dirty="0"/>
+              <a:t> </a:t>
+            </a:r>
+            <a:r>
+              <a:rPr lang="en-US" dirty="0" err="1"/>
+              <a:t>vào</a:t>
+            </a:r>
+            <a:r>
+              <a:rPr lang="en-US" dirty="0"/>
+              <a:t> </a:t>
+            </a:r>
+            <a:r>
+              <a:rPr lang="en-US" dirty="0" err="1"/>
+              <a:t>dữ</a:t>
+            </a:r>
+            <a:r>
+              <a:rPr lang="en-US" dirty="0"/>
+              <a:t> </a:t>
+            </a:r>
+            <a:r>
+              <a:rPr lang="en-US" dirty="0" err="1"/>
+              <a:t>liệu</a:t>
+            </a:r>
+            <a:r>
+              <a:rPr lang="en-US" dirty="0"/>
+              <a:t> </a:t>
+            </a:r>
+            <a:r>
+              <a:rPr lang="en-US" dirty="0" err="1"/>
+              <a:t>của</a:t>
+            </a:r>
+            <a:r>
+              <a:rPr lang="en-US" dirty="0"/>
+              <a:t> </a:t>
+            </a:r>
+            <a:r>
+              <a:rPr lang="en-US" dirty="0" err="1"/>
+              <a:t>các</a:t>
+            </a:r>
+            <a:r>
+              <a:rPr lang="en-US" dirty="0"/>
+              <a:t> </a:t>
+            </a:r>
+            <a:r>
+              <a:rPr lang="en-US" dirty="0" err="1"/>
+              <a:t>đối</a:t>
+            </a:r>
+            <a:r>
+              <a:rPr lang="en-US" dirty="0"/>
+              <a:t> </a:t>
+            </a:r>
+            <a:r>
+              <a:rPr lang="en-US" dirty="0" err="1"/>
+              <a:t>tượng</a:t>
+            </a:r>
+            <a:r>
+              <a:rPr lang="en-US" dirty="0"/>
+              <a:t> </a:t>
+            </a:r>
+            <a:r>
+              <a:rPr lang="en-US" dirty="0" err="1" smtClean="0"/>
+              <a:t>này</a:t>
+            </a:r>
+            <a:r>
+              <a:rPr lang="en-US" dirty="0"/>
+              <a:t> </a:t>
+            </a:r>
+            <a:r>
+              <a:rPr lang="en-US" dirty="0" err="1" smtClean="0"/>
+              <a:t>th</a:t>
+            </a:r>
+            <a:r>
+              <a:rPr lang="en-US" dirty="0" err="1" smtClean="0"/>
+              <a:t>ì</a:t>
+            </a:r>
+            <a:r>
+              <a:rPr lang="en-US" dirty="0" smtClean="0"/>
+              <a:t> </a:t>
+            </a:r>
+            <a:r>
+              <a:rPr lang="en-US" dirty="0" err="1" smtClean="0"/>
+              <a:t>phải</a:t>
+            </a:r>
+            <a:r>
+              <a:rPr lang="en-US" dirty="0" smtClean="0"/>
+              <a:t> </a:t>
+            </a:r>
+            <a:r>
+              <a:rPr lang="en-US" dirty="0" err="1"/>
+              <a:t>tìm</a:t>
+            </a:r>
+            <a:r>
+              <a:rPr lang="en-US" dirty="0"/>
+              <a:t> </a:t>
+            </a:r>
+            <a:r>
+              <a:rPr lang="en-US" dirty="0" err="1"/>
+              <a:t>hiểu</a:t>
+            </a:r>
+            <a:r>
+              <a:rPr lang="en-US" dirty="0"/>
+              <a:t> </a:t>
+            </a:r>
+            <a:r>
+              <a:rPr lang="en-US" dirty="0" err="1"/>
+              <a:t>các</a:t>
+            </a:r>
+            <a:r>
+              <a:rPr lang="en-US" dirty="0"/>
+              <a:t> </a:t>
+            </a:r>
+            <a:r>
+              <a:rPr lang="en-US" dirty="0" err="1"/>
+              <a:t>kỹ</a:t>
+            </a:r>
+            <a:r>
+              <a:rPr lang="en-US" dirty="0"/>
+              <a:t> </a:t>
+            </a:r>
+            <a:r>
+              <a:rPr lang="en-US" dirty="0" err="1"/>
+              <a:t>thuật</a:t>
+            </a:r>
+            <a:r>
+              <a:rPr lang="en-US" dirty="0"/>
+              <a:t> </a:t>
+            </a:r>
+            <a:r>
+              <a:rPr lang="en-US" dirty="0" err="1"/>
+              <a:t>khác</a:t>
+            </a:r>
+            <a:r>
+              <a:rPr lang="en-US" dirty="0"/>
+              <a:t> </a:t>
+            </a:r>
+            <a:r>
+              <a:rPr lang="en-US" dirty="0" err="1"/>
+              <a:t>nhau</a:t>
+            </a:r>
+            <a:r>
+              <a:rPr lang="en-US" dirty="0"/>
+              <a:t> </a:t>
+            </a:r>
+            <a:r>
+              <a:rPr lang="en-US" dirty="0" err="1"/>
+              <a:t>cho</a:t>
+            </a:r>
+            <a:r>
+              <a:rPr lang="en-US" dirty="0"/>
+              <a:t> </a:t>
+            </a:r>
+            <a:r>
+              <a:rPr lang="en-US" dirty="0" err="1" smtClean="0"/>
+              <a:t>từn</a:t>
+            </a:r>
+            <a:r>
+              <a:rPr lang="en-US" dirty="0" err="1" smtClean="0"/>
+              <a:t>g</a:t>
+            </a:r>
+            <a:r>
+              <a:rPr lang="en-US" dirty="0" smtClean="0"/>
+              <a:t> </a:t>
+            </a:r>
+            <a:r>
+              <a:rPr lang="en-US" dirty="0" err="1" smtClean="0"/>
+              <a:t>thể</a:t>
+            </a:r>
+            <a:r>
+              <a:rPr lang="en-US" dirty="0" smtClean="0"/>
+              <a:t> </a:t>
+            </a:r>
+            <a:r>
+              <a:rPr lang="en-US" dirty="0" err="1" smtClean="0"/>
+              <a:t>loại</a:t>
+            </a:r>
+            <a:r>
+              <a:rPr lang="en-US" dirty="0" smtClean="0"/>
+              <a:t> </a:t>
+            </a:r>
+            <a:r>
+              <a:rPr lang="en-US" dirty="0" err="1" smtClean="0"/>
+              <a:t>được</a:t>
+            </a:r>
+            <a:r>
+              <a:rPr lang="en-US" dirty="0" smtClean="0"/>
+              <a:t> set</a:t>
+            </a:r>
+            <a:endParaRPr lang="en-US" dirty="0"/>
+          </a:p>
+          <a:p>
+            <a:r>
+              <a:rPr lang="en-US" dirty="0" err="1"/>
+              <a:t>Nhưng</a:t>
+            </a:r>
+            <a:r>
+              <a:rPr lang="en-US" dirty="0"/>
+              <a:t> </a:t>
+            </a:r>
+            <a:r>
+              <a:rPr lang="en-US" dirty="0" err="1"/>
+              <a:t>đôi</a:t>
+            </a:r>
+            <a:r>
+              <a:rPr lang="en-US" dirty="0"/>
+              <a:t> </a:t>
+            </a:r>
+            <a:r>
+              <a:rPr lang="en-US" dirty="0" err="1"/>
+              <a:t>khi</a:t>
+            </a:r>
+            <a:r>
+              <a:rPr lang="en-US" dirty="0"/>
+              <a:t> </a:t>
+            </a:r>
+            <a:r>
+              <a:rPr lang="en-US" dirty="0" err="1"/>
+              <a:t>chúng</a:t>
+            </a:r>
+            <a:r>
+              <a:rPr lang="en-US" dirty="0"/>
+              <a:t> ta </a:t>
+            </a:r>
+            <a:r>
+              <a:rPr lang="en-US" dirty="0" err="1"/>
+              <a:t>cần</a:t>
+            </a:r>
+            <a:r>
+              <a:rPr lang="en-US" dirty="0"/>
+              <a:t> </a:t>
+            </a:r>
+            <a:r>
+              <a:rPr lang="en-US" dirty="0" err="1"/>
+              <a:t>phải</a:t>
+            </a:r>
+            <a:r>
+              <a:rPr lang="en-US" dirty="0"/>
+              <a:t> </a:t>
+            </a:r>
+            <a:r>
+              <a:rPr lang="en-US" dirty="0" err="1"/>
+              <a:t>để</a:t>
+            </a:r>
+            <a:r>
+              <a:rPr lang="en-US" dirty="0"/>
+              <a:t> </a:t>
+            </a:r>
+            <a:r>
+              <a:rPr lang="en-US" dirty="0" err="1"/>
+              <a:t>duyệt</a:t>
+            </a:r>
+            <a:r>
+              <a:rPr lang="en-US" dirty="0"/>
+              <a:t> </a:t>
+            </a:r>
+            <a:r>
+              <a:rPr lang="en-US" dirty="0" err="1"/>
+              <a:t>các</a:t>
+            </a:r>
+            <a:r>
+              <a:rPr lang="en-US" dirty="0"/>
+              <a:t> </a:t>
+            </a:r>
+            <a:r>
+              <a:rPr lang="en-US" dirty="0" err="1"/>
+              <a:t>thành</a:t>
+            </a:r>
+            <a:r>
+              <a:rPr lang="en-US" dirty="0"/>
+              <a:t> </a:t>
+            </a:r>
+            <a:r>
+              <a:rPr lang="en-US" dirty="0" err="1"/>
+              <a:t>phần</a:t>
+            </a:r>
+            <a:r>
+              <a:rPr lang="en-US" dirty="0"/>
+              <a:t> </a:t>
+            </a:r>
+            <a:r>
+              <a:rPr lang="en-US" dirty="0" err="1"/>
+              <a:t>của</a:t>
+            </a:r>
+            <a:r>
+              <a:rPr lang="en-US" dirty="0"/>
+              <a:t> </a:t>
+            </a:r>
+            <a:r>
+              <a:rPr lang="en-US" dirty="0" smtClean="0"/>
+              <a:t>list </a:t>
+            </a:r>
+            <a:r>
+              <a:rPr lang="en-US" dirty="0" err="1" smtClean="0"/>
+              <a:t>các</a:t>
+            </a:r>
+            <a:r>
+              <a:rPr lang="en-US" dirty="0" smtClean="0"/>
+              <a:t> </a:t>
+            </a:r>
+            <a:r>
+              <a:rPr lang="en-US" dirty="0" err="1"/>
+              <a:t>cách</a:t>
+            </a:r>
+            <a:r>
+              <a:rPr lang="en-US" dirty="0"/>
+              <a:t> </a:t>
+            </a:r>
+            <a:r>
+              <a:rPr lang="en-US" dirty="0" err="1"/>
+              <a:t>thức</a:t>
+            </a:r>
+            <a:r>
+              <a:rPr lang="en-US" dirty="0"/>
+              <a:t> </a:t>
+            </a:r>
+            <a:r>
+              <a:rPr lang="en-US" dirty="0" err="1"/>
+              <a:t>và</a:t>
+            </a:r>
+            <a:r>
+              <a:rPr lang="en-US" dirty="0"/>
+              <a:t> </a:t>
+            </a:r>
+            <a:r>
+              <a:rPr lang="en-US" dirty="0" err="1"/>
+              <a:t>tiêu</a:t>
+            </a:r>
+            <a:r>
+              <a:rPr lang="en-US" dirty="0"/>
+              <a:t> </a:t>
+            </a:r>
+            <a:r>
+              <a:rPr lang="en-US" dirty="0" err="1"/>
+              <a:t>chí</a:t>
+            </a:r>
+            <a:r>
+              <a:rPr lang="en-US" dirty="0"/>
+              <a:t> </a:t>
+            </a:r>
+            <a:r>
+              <a:rPr lang="en-US" dirty="0" err="1"/>
+              <a:t>khác</a:t>
+            </a:r>
+            <a:r>
+              <a:rPr lang="en-US" dirty="0"/>
+              <a:t> </a:t>
+            </a:r>
+            <a:r>
+              <a:rPr lang="en-US" dirty="0" err="1"/>
+              <a:t>nhau</a:t>
+            </a:r>
+            <a:r>
+              <a:rPr lang="en-US" dirty="0"/>
+              <a:t>.</a:t>
+            </a:r>
+          </a:p>
+        </p:txBody>
+      </p:sp>
+    </p:spTree>
+    <p:extLst>
+      <p:ext uri="{BB962C8B-B14F-4D97-AF65-F5344CB8AC3E}">
+        <p14:creationId xmlns:p14="http://schemas.microsoft.com/office/powerpoint/2010/main" val="1193684948"/>
+      </p:ext>
+    </p:extLst>
+  </p:cSld>
+  <p:clrMapOvr>
+    <a:masterClrMapping/>
+  </p:clrMapOvr>
+</p:sld>
+</file>
+
+<file path=ppt/slides/slide22.xml><?xml version="1.0" encoding="utf-8"?>
+<p:sld xmlns:a="http://schemas.openxmlformats.org/drawingml/2006/main" xmlns:r="http://schemas.openxmlformats.org/officeDocument/2006/relationships" xmlns:p="http://schemas.openxmlformats.org/presentationml/2006/main">
+  <p:cSld>
+    <p:spTree>
+      <p:nvGrpSpPr>
+        <p:cNvPr id="1" name=""/>
+        <p:cNvGrpSpPr/>
+        <p:nvPr/>
+      </p:nvGrpSpPr>
+      <p:grpSpPr>
+        <a:xfrm>
+          <a:off x="0" y="0"/>
+          <a:ext cx="0" cy="0"/>
+          <a:chOff x="0" y="0"/>
+          <a:chExt cx="0" cy="0"/>
+        </a:xfrm>
+      </p:grpSpPr>
+      <p:sp>
+        <p:nvSpPr>
+          <p:cNvPr id="2" name="Title 1"/>
+          <p:cNvSpPr>
+            <a:spLocks noGrp="1"/>
+          </p:cNvSpPr>
+          <p:nvPr>
+            <p:ph type="title"/>
+          </p:nvPr>
+        </p:nvSpPr>
+        <p:spPr/>
+        <p:txBody>
+          <a:bodyPr/>
+          <a:lstStyle/>
+          <a:p>
+            <a:r>
+              <a:rPr lang="en-US" dirty="0" err="1" smtClean="0"/>
+              <a:t>Giải</a:t>
+            </a:r>
+            <a:r>
+              <a:rPr lang="en-US" dirty="0" smtClean="0"/>
+              <a:t> </a:t>
+            </a:r>
+            <a:r>
+              <a:rPr lang="en-US" dirty="0" err="1" smtClean="0"/>
+              <a:t>pháp</a:t>
+            </a:r>
+            <a:endParaRPr lang="en-US" dirty="0"/>
+          </a:p>
+        </p:txBody>
+      </p:sp>
+      <p:sp>
+        <p:nvSpPr>
+          <p:cNvPr id="3" name="Content Placeholder 2"/>
+          <p:cNvSpPr>
+            <a:spLocks noGrp="1"/>
+          </p:cNvSpPr>
+          <p:nvPr>
+            <p:ph idx="1"/>
+          </p:nvPr>
+        </p:nvSpPr>
+        <p:spPr/>
+        <p:txBody>
+          <a:bodyPr/>
+          <a:lstStyle/>
+          <a:p>
+            <a:r>
+              <a:rPr lang="en-US" dirty="0" err="1"/>
+              <a:t>Sử</a:t>
+            </a:r>
+            <a:r>
+              <a:rPr lang="en-US" dirty="0"/>
+              <a:t> </a:t>
+            </a:r>
+            <a:r>
+              <a:rPr lang="en-US" dirty="0" err="1"/>
+              <a:t>dụng</a:t>
+            </a:r>
+            <a:r>
+              <a:rPr lang="en-US" dirty="0"/>
+              <a:t> </a:t>
+            </a:r>
+            <a:r>
+              <a:rPr lang="en-US" dirty="0" err="1"/>
+              <a:t>những</a:t>
+            </a:r>
+            <a:r>
+              <a:rPr lang="en-US" dirty="0"/>
+              <a:t> </a:t>
+            </a:r>
+            <a:r>
+              <a:rPr lang="en-US" dirty="0" err="1"/>
+              <a:t>gì</a:t>
+            </a:r>
+            <a:r>
+              <a:rPr lang="en-US" dirty="0"/>
+              <a:t> </a:t>
+            </a:r>
+            <a:r>
+              <a:rPr lang="en-US" dirty="0" err="1"/>
+              <a:t>có</a:t>
+            </a:r>
+            <a:r>
+              <a:rPr lang="en-US" dirty="0"/>
+              <a:t> </a:t>
+            </a:r>
+            <a:r>
+              <a:rPr lang="en-US" dirty="0" err="1"/>
+              <a:t>sẵn</a:t>
+            </a:r>
+            <a:r>
+              <a:rPr lang="en-US" dirty="0"/>
+              <a:t> </a:t>
+            </a:r>
+            <a:r>
+              <a:rPr lang="en-US" dirty="0" err="1"/>
+              <a:t>mà</a:t>
+            </a:r>
+            <a:r>
+              <a:rPr lang="en-US" dirty="0"/>
+              <a:t> </a:t>
+            </a:r>
+            <a:r>
+              <a:rPr lang="en-US" dirty="0" err="1"/>
+              <a:t>không</a:t>
+            </a:r>
+            <a:r>
+              <a:rPr lang="en-US" dirty="0"/>
+              <a:t> </a:t>
+            </a:r>
+            <a:r>
+              <a:rPr lang="en-US" dirty="0" err="1"/>
+              <a:t>cần</a:t>
+            </a:r>
+            <a:r>
+              <a:rPr lang="en-US" dirty="0"/>
+              <a:t> </a:t>
+            </a:r>
+            <a:r>
+              <a:rPr lang="en-US" dirty="0" err="1"/>
+              <a:t>phải</a:t>
+            </a:r>
+            <a:r>
+              <a:rPr lang="en-US" dirty="0"/>
+              <a:t> </a:t>
+            </a:r>
+            <a:r>
+              <a:rPr lang="en-US" dirty="0" err="1"/>
+              <a:t>làm</a:t>
+            </a:r>
+            <a:r>
+              <a:rPr lang="en-US" dirty="0"/>
+              <a:t> </a:t>
+            </a:r>
+            <a:r>
+              <a:rPr lang="en-US" dirty="0" err="1"/>
+              <a:t>gì</a:t>
+            </a:r>
+            <a:r>
+              <a:rPr lang="en-US" dirty="0"/>
+              <a:t> </a:t>
+            </a:r>
+            <a:r>
+              <a:rPr lang="en-US" dirty="0" err="1"/>
+              <a:t>thêm</a:t>
+            </a:r>
+            <a:r>
+              <a:rPr lang="en-US" dirty="0"/>
+              <a:t>.</a:t>
+            </a:r>
+          </a:p>
+          <a:p>
+            <a:r>
+              <a:rPr lang="en-US" dirty="0" err="1"/>
+              <a:t>Ở</a:t>
+            </a:r>
+            <a:r>
+              <a:rPr lang="en-US" dirty="0"/>
+              <a:t> </a:t>
+            </a:r>
+            <a:r>
+              <a:rPr lang="en-US" dirty="0" err="1"/>
+              <a:t>mỗi</a:t>
+            </a:r>
+            <a:r>
+              <a:rPr lang="en-US" dirty="0"/>
+              <a:t> </a:t>
+            </a:r>
+            <a:r>
+              <a:rPr lang="en-US" dirty="0" err="1"/>
+              <a:t>lớp</a:t>
+            </a:r>
+            <a:r>
+              <a:rPr lang="en-US" dirty="0"/>
+              <a:t> </a:t>
+            </a:r>
+            <a:r>
+              <a:rPr lang="en-US" dirty="0" err="1"/>
+              <a:t>sẽ</a:t>
+            </a:r>
+            <a:r>
+              <a:rPr lang="en-US" dirty="0"/>
+              <a:t> </a:t>
+            </a:r>
+            <a:r>
+              <a:rPr lang="en-US" dirty="0" err="1"/>
+              <a:t>viết</a:t>
+            </a:r>
+            <a:r>
+              <a:rPr lang="en-US" dirty="0"/>
+              <a:t> </a:t>
+            </a:r>
+            <a:r>
+              <a:rPr lang="en-US" dirty="0" err="1"/>
+              <a:t>các</a:t>
+            </a:r>
+            <a:r>
+              <a:rPr lang="en-US" dirty="0"/>
+              <a:t> </a:t>
+            </a:r>
+            <a:r>
+              <a:rPr lang="en-US" dirty="0" err="1"/>
+              <a:t>phương</a:t>
+            </a:r>
+            <a:r>
+              <a:rPr lang="en-US" dirty="0"/>
+              <a:t> </a:t>
+            </a:r>
+            <a:r>
+              <a:rPr lang="en-US" dirty="0" err="1"/>
+              <a:t>pháp</a:t>
+            </a:r>
+            <a:r>
+              <a:rPr lang="en-US" dirty="0"/>
+              <a:t> </a:t>
+            </a:r>
+            <a:r>
+              <a:rPr lang="en-US" dirty="0" err="1"/>
+              <a:t>khác</a:t>
+            </a:r>
+            <a:r>
+              <a:rPr lang="en-US" dirty="0"/>
+              <a:t> </a:t>
+            </a:r>
+            <a:r>
+              <a:rPr lang="en-US" dirty="0" err="1"/>
+              <a:t>nhau</a:t>
+            </a:r>
+            <a:r>
+              <a:rPr lang="en-US" dirty="0"/>
+              <a:t> </a:t>
+            </a:r>
+            <a:r>
+              <a:rPr lang="en-US" dirty="0" err="1"/>
+              <a:t>truy</a:t>
+            </a:r>
+            <a:r>
+              <a:rPr lang="en-US" dirty="0"/>
+              <a:t> </a:t>
+            </a:r>
+            <a:r>
+              <a:rPr lang="en-US" dirty="0" err="1"/>
+              <a:t>cập</a:t>
+            </a:r>
+            <a:r>
+              <a:rPr lang="en-US" dirty="0"/>
+              <a:t> </a:t>
+            </a:r>
+            <a:r>
+              <a:rPr lang="en-US" dirty="0" err="1"/>
+              <a:t>vào</a:t>
+            </a:r>
+            <a:r>
+              <a:rPr lang="en-US" dirty="0"/>
+              <a:t> </a:t>
+            </a:r>
+            <a:r>
+              <a:rPr lang="en-US" dirty="0" err="1"/>
+              <a:t>từng</a:t>
+            </a:r>
+            <a:r>
+              <a:rPr lang="en-US" dirty="0"/>
+              <a:t> </a:t>
+            </a:r>
+            <a:r>
+              <a:rPr lang="en-US" dirty="0" err="1"/>
+              <a:t>phần</a:t>
+            </a:r>
+            <a:r>
+              <a:rPr lang="en-US" dirty="0"/>
+              <a:t> </a:t>
+            </a:r>
+            <a:r>
+              <a:rPr lang="en-US" dirty="0" err="1"/>
+              <a:t>tử</a:t>
+            </a:r>
+            <a:r>
+              <a:rPr lang="en-US" dirty="0"/>
+              <a:t> </a:t>
+            </a:r>
+            <a:r>
+              <a:rPr lang="en-US" dirty="0" err="1"/>
+              <a:t>trong</a:t>
+            </a:r>
+            <a:r>
+              <a:rPr lang="en-US" dirty="0"/>
+              <a:t> </a:t>
+            </a:r>
+            <a:r>
+              <a:rPr lang="en-US" dirty="0" err="1"/>
+              <a:t>danh</a:t>
+            </a:r>
+            <a:r>
+              <a:rPr lang="en-US" dirty="0"/>
+              <a:t> </a:t>
+            </a:r>
+            <a:r>
+              <a:rPr lang="en-US" dirty="0" err="1"/>
+              <a:t>sách</a:t>
+            </a:r>
+            <a:r>
+              <a:rPr lang="en-US" dirty="0"/>
+              <a:t>.</a:t>
+            </a:r>
+          </a:p>
+          <a:p>
+            <a:r>
+              <a:rPr lang="en-US" dirty="0" err="1"/>
+              <a:t>Cung</a:t>
+            </a:r>
+            <a:r>
+              <a:rPr lang="en-US" dirty="0"/>
+              <a:t> </a:t>
+            </a:r>
+            <a:r>
+              <a:rPr lang="en-US" dirty="0" err="1"/>
+              <a:t>cấp</a:t>
+            </a:r>
+            <a:r>
+              <a:rPr lang="en-US" dirty="0"/>
+              <a:t> </a:t>
+            </a:r>
+            <a:r>
+              <a:rPr lang="en-US" dirty="0" err="1"/>
+              <a:t>một</a:t>
+            </a:r>
+            <a:r>
+              <a:rPr lang="en-US" dirty="0"/>
+              <a:t> </a:t>
+            </a:r>
+            <a:r>
+              <a:rPr lang="en-US" dirty="0" err="1"/>
+              <a:t>phương</a:t>
+            </a:r>
+            <a:r>
+              <a:rPr lang="en-US" dirty="0"/>
+              <a:t> </a:t>
+            </a:r>
+            <a:r>
+              <a:rPr lang="en-US" dirty="0" err="1"/>
+              <a:t>pháp</a:t>
+            </a:r>
+            <a:r>
+              <a:rPr lang="en-US" dirty="0"/>
+              <a:t> </a:t>
+            </a:r>
+            <a:r>
+              <a:rPr lang="en-US" dirty="0" err="1"/>
+              <a:t>truy</a:t>
+            </a:r>
+            <a:r>
+              <a:rPr lang="en-US" dirty="0"/>
+              <a:t> </a:t>
+            </a:r>
+            <a:r>
+              <a:rPr lang="en-US" dirty="0" err="1"/>
+              <a:t>cập</a:t>
+            </a:r>
+            <a:r>
+              <a:rPr lang="en-US" dirty="0"/>
+              <a:t> </a:t>
+            </a:r>
+            <a:r>
+              <a:rPr lang="en-US" dirty="0" err="1"/>
+              <a:t>tuần</a:t>
+            </a:r>
+            <a:r>
+              <a:rPr lang="en-US" dirty="0"/>
+              <a:t> </a:t>
+            </a:r>
+            <a:r>
+              <a:rPr lang="en-US" dirty="0" err="1"/>
+              <a:t>tự</a:t>
+            </a:r>
+            <a:r>
+              <a:rPr lang="en-US" dirty="0"/>
+              <a:t> </a:t>
+            </a:r>
+            <a:r>
+              <a:rPr lang="en-US" dirty="0" err="1"/>
+              <a:t>với</a:t>
+            </a:r>
+            <a:r>
+              <a:rPr lang="en-US" dirty="0"/>
+              <a:t> </a:t>
+            </a:r>
+            <a:r>
+              <a:rPr lang="en-US" dirty="0" err="1"/>
+              <a:t>các</a:t>
+            </a:r>
+            <a:r>
+              <a:rPr lang="en-US" dirty="0"/>
+              <a:t> </a:t>
+            </a:r>
+            <a:r>
+              <a:rPr lang="en-US" dirty="0" err="1"/>
+              <a:t>yếu</a:t>
+            </a:r>
+            <a:r>
+              <a:rPr lang="en-US" dirty="0"/>
+              <a:t> </a:t>
+            </a:r>
+            <a:r>
+              <a:rPr lang="en-US" dirty="0" err="1"/>
+              <a:t>tố</a:t>
+            </a:r>
+            <a:r>
+              <a:rPr lang="en-US" dirty="0"/>
+              <a:t> </a:t>
+            </a:r>
+            <a:r>
+              <a:rPr lang="en-US" dirty="0" err="1"/>
+              <a:t>của</a:t>
+            </a:r>
+            <a:r>
+              <a:rPr lang="en-US" dirty="0"/>
+              <a:t> </a:t>
+            </a:r>
+            <a:r>
+              <a:rPr lang="en-US" dirty="0" err="1"/>
+              <a:t>một</a:t>
+            </a:r>
+            <a:r>
+              <a:rPr lang="en-US" dirty="0"/>
+              <a:t> </a:t>
+            </a:r>
+            <a:r>
+              <a:rPr lang="en-US" dirty="0" err="1"/>
+              <a:t>đối</a:t>
+            </a:r>
+            <a:r>
+              <a:rPr lang="en-US" dirty="0"/>
+              <a:t> </a:t>
+            </a:r>
+            <a:r>
+              <a:rPr lang="en-US" dirty="0" err="1"/>
+              <a:t>tượng</a:t>
+            </a:r>
+            <a:r>
+              <a:rPr lang="en-US" dirty="0"/>
+              <a:t> </a:t>
+            </a:r>
+            <a:r>
+              <a:rPr lang="en-US" dirty="0" err="1"/>
+              <a:t>tổng</a:t>
+            </a:r>
+            <a:r>
+              <a:rPr lang="en-US" dirty="0"/>
+              <a:t> </a:t>
+            </a:r>
+            <a:r>
+              <a:rPr lang="en-US" dirty="0" err="1"/>
+              <a:t>hợp</a:t>
+            </a:r>
+            <a:r>
+              <a:rPr lang="en-US" dirty="0"/>
+              <a:t>, </a:t>
+            </a:r>
+            <a:r>
+              <a:rPr lang="en-US" dirty="0" err="1"/>
+              <a:t>mà</a:t>
+            </a:r>
+            <a:r>
+              <a:rPr lang="en-US" dirty="0"/>
+              <a:t> </a:t>
+            </a:r>
+            <a:r>
+              <a:rPr lang="en-US" dirty="0" err="1"/>
+              <a:t>không</a:t>
+            </a:r>
+            <a:r>
+              <a:rPr lang="en-US" dirty="0"/>
+              <a:t> </a:t>
+            </a:r>
+            <a:r>
+              <a:rPr lang="en-US" dirty="0" err="1"/>
+              <a:t>cần</a:t>
+            </a:r>
+            <a:r>
+              <a:rPr lang="en-US" dirty="0"/>
+              <a:t> </a:t>
+            </a:r>
+            <a:r>
+              <a:rPr lang="en-US" dirty="0" err="1"/>
+              <a:t>phải</a:t>
+            </a:r>
+            <a:r>
+              <a:rPr lang="en-US" dirty="0"/>
+              <a:t> </a:t>
+            </a:r>
+            <a:r>
+              <a:rPr lang="en-US" dirty="0" err="1"/>
+              <a:t>tạo</a:t>
+            </a:r>
+            <a:r>
+              <a:rPr lang="en-US" dirty="0"/>
+              <a:t> </a:t>
+            </a:r>
+            <a:r>
+              <a:rPr lang="en-US" dirty="0" err="1"/>
+              <a:t>ra</a:t>
+            </a:r>
+            <a:r>
+              <a:rPr lang="en-US" dirty="0"/>
+              <a:t> </a:t>
+            </a:r>
+            <a:r>
+              <a:rPr lang="en-US" dirty="0" err="1"/>
+              <a:t>các</a:t>
+            </a:r>
+            <a:r>
+              <a:rPr lang="en-US" dirty="0"/>
+              <a:t> </a:t>
+            </a:r>
+            <a:r>
+              <a:rPr lang="en-US" dirty="0" err="1"/>
+              <a:t>phương</a:t>
+            </a:r>
+            <a:r>
+              <a:rPr lang="en-US" dirty="0"/>
+              <a:t> </a:t>
+            </a:r>
+            <a:r>
+              <a:rPr lang="en-US" dirty="0" err="1"/>
+              <a:t>pháp</a:t>
+            </a:r>
+            <a:r>
+              <a:rPr lang="en-US" dirty="0"/>
+              <a:t> </a:t>
+            </a:r>
+            <a:r>
+              <a:rPr lang="en-US" dirty="0" err="1"/>
+              <a:t>truy</a:t>
+            </a:r>
+            <a:r>
+              <a:rPr lang="en-US" dirty="0"/>
+              <a:t> </a:t>
+            </a:r>
+            <a:r>
+              <a:rPr lang="en-US" dirty="0" err="1"/>
+              <a:t>cập</a:t>
+            </a:r>
+            <a:r>
+              <a:rPr lang="en-US" dirty="0"/>
+              <a:t> </a:t>
+            </a:r>
+            <a:r>
+              <a:rPr lang="en-US" dirty="0" err="1"/>
+              <a:t>riêng</a:t>
+            </a:r>
+            <a:r>
+              <a:rPr lang="en-US" dirty="0"/>
+              <a:t> </a:t>
+            </a:r>
+            <a:r>
+              <a:rPr lang="en-US" dirty="0" err="1"/>
+              <a:t>cho</a:t>
+            </a:r>
+            <a:r>
+              <a:rPr lang="en-US" dirty="0"/>
+              <a:t> </a:t>
+            </a:r>
+            <a:r>
+              <a:rPr lang="en-US" dirty="0" err="1"/>
+              <a:t>đối</a:t>
+            </a:r>
+            <a:r>
+              <a:rPr lang="en-US" dirty="0"/>
+              <a:t> </a:t>
+            </a:r>
+            <a:r>
+              <a:rPr lang="en-US" dirty="0" err="1"/>
+              <a:t>tượng</a:t>
+            </a:r>
+            <a:r>
+              <a:rPr lang="en-US" dirty="0"/>
+              <a:t> </a:t>
+            </a:r>
+            <a:r>
+              <a:rPr lang="en-US" dirty="0" err="1"/>
+              <a:t>này</a:t>
+            </a:r>
+            <a:r>
+              <a:rPr lang="en-US" dirty="0"/>
+              <a:t> (Iterator).</a:t>
+            </a:r>
+          </a:p>
+        </p:txBody>
+      </p:sp>
+    </p:spTree>
+    <p:extLst>
+      <p:ext uri="{BB962C8B-B14F-4D97-AF65-F5344CB8AC3E}">
+        <p14:creationId xmlns:p14="http://schemas.microsoft.com/office/powerpoint/2010/main" val="755808815"/>
+      </p:ext>
+    </p:extLst>
+  </p:cSld>
+  <p:clrMapOvr>
+    <a:masterClrMapping/>
+  </p:clrMapOvr>
+</p:sld>
+</file>
+
+<file path=ppt/slides/slide23.xml><?xml version="1.0" encoding="utf-8"?>
+<p:sld xmlns:a="http://schemas.openxmlformats.org/drawingml/2006/main" xmlns:r="http://schemas.openxmlformats.org/officeDocument/2006/relationships" xmlns:p="http://schemas.openxmlformats.org/presentationml/2006/main">
+  <p:cSld>
+    <p:spTree>
+      <p:nvGrpSpPr>
+        <p:cNvPr id="1" name=""/>
+        <p:cNvGrpSpPr/>
+        <p:nvPr/>
+      </p:nvGrpSpPr>
+      <p:grpSpPr>
+        <a:xfrm>
+          <a:off x="0" y="0"/>
+          <a:ext cx="0" cy="0"/>
+          <a:chOff x="0" y="0"/>
+          <a:chExt cx="0" cy="0"/>
+        </a:xfrm>
+      </p:grpSpPr>
+      <p:sp>
+        <p:nvSpPr>
+          <p:cNvPr id="2" name="Title 1"/>
+          <p:cNvSpPr>
+            <a:spLocks noGrp="1"/>
+          </p:cNvSpPr>
+          <p:nvPr>
+            <p:ph type="title"/>
+          </p:nvPr>
+        </p:nvSpPr>
+        <p:spPr/>
+        <p:txBody>
+          <a:bodyPr/>
+          <a:lstStyle/>
+          <a:p>
+            <a:r>
+              <a:rPr lang="en-US" dirty="0" err="1" smtClean="0"/>
+              <a:t>Hành</a:t>
+            </a:r>
+            <a:r>
+              <a:rPr lang="en-US" dirty="0" smtClean="0"/>
+              <a:t> </a:t>
+            </a:r>
+            <a:r>
+              <a:rPr lang="en-US" dirty="0" err="1" smtClean="0"/>
+              <a:t>động</a:t>
+            </a:r>
+            <a:endParaRPr lang="en-US" dirty="0"/>
+          </a:p>
+        </p:txBody>
+      </p:sp>
+      <p:sp>
+        <p:nvSpPr>
+          <p:cNvPr id="3" name="Content Placeholder 2"/>
+          <p:cNvSpPr>
+            <a:spLocks noGrp="1"/>
+          </p:cNvSpPr>
+          <p:nvPr>
+            <p:ph idx="1"/>
+          </p:nvPr>
+        </p:nvSpPr>
+        <p:spPr/>
+        <p:txBody>
+          <a:bodyPr/>
+          <a:lstStyle/>
+          <a:p>
+            <a:r>
+              <a:rPr lang="en-US" dirty="0" err="1" smtClean="0"/>
+              <a:t>Giải</a:t>
+            </a:r>
+            <a:r>
+              <a:rPr lang="en-US" dirty="0" smtClean="0"/>
+              <a:t> </a:t>
+            </a:r>
+            <a:r>
+              <a:rPr lang="en-US" dirty="0" err="1" smtClean="0"/>
+              <a:t>pháp</a:t>
+            </a:r>
+            <a:r>
+              <a:rPr lang="en-US" dirty="0" smtClean="0"/>
+              <a:t> 1:</a:t>
+            </a:r>
+          </a:p>
+          <a:p>
+            <a:pPr>
+              <a:buFont typeface="Wingdings" charset="2"/>
+              <a:buChar char="ü"/>
+            </a:pPr>
+            <a:r>
+              <a:rPr lang="en-US" dirty="0" err="1" smtClean="0"/>
+              <a:t>Khi</a:t>
+            </a:r>
+            <a:r>
+              <a:rPr lang="en-US" dirty="0" smtClean="0"/>
+              <a:t> </a:t>
+            </a:r>
+            <a:r>
+              <a:rPr lang="en-US" dirty="0" err="1" smtClean="0"/>
+              <a:t>có</a:t>
+            </a:r>
+            <a:r>
+              <a:rPr lang="en-US" dirty="0" smtClean="0"/>
+              <a:t> </a:t>
+            </a:r>
+            <a:r>
+              <a:rPr lang="en-US" dirty="0" err="1" smtClean="0"/>
+              <a:t>nhiều</a:t>
+            </a:r>
+            <a:r>
+              <a:rPr lang="en-US" dirty="0" smtClean="0"/>
+              <a:t> </a:t>
+            </a:r>
+            <a:r>
+              <a:rPr lang="en-US" dirty="0" err="1" smtClean="0"/>
+              <a:t>sự</a:t>
+            </a:r>
+            <a:r>
+              <a:rPr lang="en-US" dirty="0" smtClean="0"/>
+              <a:t> </a:t>
+            </a:r>
+            <a:r>
+              <a:rPr lang="en-US" dirty="0" err="1" smtClean="0"/>
+              <a:t>thay</a:t>
+            </a:r>
+            <a:r>
+              <a:rPr lang="en-US" dirty="0" smtClean="0"/>
+              <a:t> </a:t>
+            </a:r>
+            <a:r>
+              <a:rPr lang="en-US" dirty="0" err="1" smtClean="0"/>
+              <a:t>đổi</a:t>
+            </a:r>
+            <a:r>
+              <a:rPr lang="en-US" dirty="0" smtClean="0"/>
+              <a:t> </a:t>
+            </a:r>
+            <a:r>
+              <a:rPr lang="en-US" dirty="0" err="1" smtClean="0"/>
+              <a:t>thì</a:t>
+            </a:r>
+            <a:r>
+              <a:rPr lang="en-US" dirty="0" smtClean="0"/>
+              <a:t> </a:t>
+            </a:r>
+            <a:r>
+              <a:rPr lang="en-US" dirty="0" err="1" smtClean="0"/>
+              <a:t>rất</a:t>
+            </a:r>
+            <a:r>
+              <a:rPr lang="en-US" dirty="0" smtClean="0"/>
+              <a:t> </a:t>
+            </a:r>
+            <a:r>
+              <a:rPr lang="en-US" dirty="0" err="1" smtClean="0"/>
+              <a:t>khó</a:t>
+            </a:r>
+            <a:r>
+              <a:rPr lang="en-US" dirty="0" smtClean="0"/>
+              <a:t> </a:t>
+            </a:r>
+            <a:r>
+              <a:rPr lang="en-US" dirty="0" err="1" smtClean="0"/>
+              <a:t>để</a:t>
+            </a:r>
+            <a:r>
+              <a:rPr lang="en-US" dirty="0" smtClean="0"/>
+              <a:t> maintain</a:t>
+            </a:r>
+          </a:p>
+          <a:p>
+            <a:r>
+              <a:rPr lang="en-US" dirty="0" err="1" smtClean="0"/>
+              <a:t>Giải</a:t>
+            </a:r>
+            <a:r>
+              <a:rPr lang="en-US" dirty="0"/>
+              <a:t> </a:t>
+            </a:r>
+            <a:r>
+              <a:rPr lang="en-US" dirty="0" err="1" smtClean="0"/>
+              <a:t>pháp</a:t>
+            </a:r>
+            <a:r>
+              <a:rPr lang="en-US" dirty="0" smtClean="0"/>
+              <a:t> 2:</a:t>
+            </a:r>
+          </a:p>
+          <a:p>
+            <a:pPr>
+              <a:buFont typeface="Wingdings" charset="2"/>
+              <a:buChar char="ü"/>
+            </a:pPr>
+            <a:r>
+              <a:rPr lang="en-US" dirty="0" err="1" smtClean="0"/>
+              <a:t>Sẽ</a:t>
+            </a:r>
+            <a:r>
+              <a:rPr lang="en-US" dirty="0" smtClean="0"/>
+              <a:t> </a:t>
+            </a:r>
+            <a:r>
+              <a:rPr lang="en-US" dirty="0" err="1" smtClean="0"/>
+              <a:t>sinh</a:t>
+            </a:r>
+            <a:r>
+              <a:rPr lang="en-US" dirty="0" smtClean="0"/>
+              <a:t> </a:t>
+            </a:r>
+            <a:r>
+              <a:rPr lang="en-US" dirty="0" err="1" smtClean="0"/>
+              <a:t>ra</a:t>
+            </a:r>
+            <a:r>
+              <a:rPr lang="en-US" dirty="0" smtClean="0"/>
+              <a:t> </a:t>
+            </a:r>
+            <a:r>
+              <a:rPr lang="en-US" dirty="0" err="1" smtClean="0"/>
+              <a:t>sự</a:t>
+            </a:r>
+            <a:r>
+              <a:rPr lang="en-US" dirty="0" smtClean="0"/>
+              <a:t> </a:t>
+            </a:r>
+            <a:r>
+              <a:rPr lang="en-US" dirty="0" err="1" smtClean="0"/>
+              <a:t>lặp</a:t>
+            </a:r>
+            <a:r>
+              <a:rPr lang="en-US" dirty="0" smtClean="0"/>
+              <a:t> </a:t>
+            </a:r>
+            <a:r>
+              <a:rPr lang="en-US" dirty="0" err="1" smtClean="0"/>
+              <a:t>lại</a:t>
+            </a:r>
+            <a:r>
+              <a:rPr lang="en-US" dirty="0" smtClean="0"/>
+              <a:t> </a:t>
+            </a:r>
+            <a:r>
+              <a:rPr lang="en-US" dirty="0" err="1" smtClean="0"/>
+              <a:t>các</a:t>
+            </a:r>
+            <a:r>
+              <a:rPr lang="en-US" dirty="0" smtClean="0"/>
+              <a:t> </a:t>
+            </a:r>
+            <a:r>
+              <a:rPr lang="en-US" dirty="0" err="1" smtClean="0"/>
+              <a:t>dòng</a:t>
+            </a:r>
+            <a:r>
+              <a:rPr lang="en-US" dirty="0" smtClean="0"/>
+              <a:t> code </a:t>
+            </a:r>
+            <a:r>
+              <a:rPr lang="en-US" dirty="0" err="1" smtClean="0"/>
+              <a:t>thừa</a:t>
+            </a:r>
+            <a:r>
+              <a:rPr lang="en-US" dirty="0" smtClean="0"/>
+              <a:t> </a:t>
+            </a:r>
+            <a:r>
+              <a:rPr lang="en-US" dirty="0" err="1" smtClean="0"/>
+              <a:t>và</a:t>
+            </a:r>
+            <a:r>
+              <a:rPr lang="en-US" dirty="0" smtClean="0"/>
+              <a:t> </a:t>
+            </a:r>
+            <a:r>
+              <a:rPr lang="en-US" dirty="0" err="1" smtClean="0"/>
+              <a:t>không</a:t>
+            </a:r>
+            <a:r>
+              <a:rPr lang="en-US" dirty="0" smtClean="0"/>
+              <a:t> </a:t>
+            </a:r>
+            <a:r>
+              <a:rPr lang="en-US" dirty="0" err="1" smtClean="0"/>
+              <a:t>tái</a:t>
+            </a:r>
+            <a:r>
+              <a:rPr lang="en-US" dirty="0" smtClean="0"/>
+              <a:t> </a:t>
+            </a:r>
+            <a:r>
+              <a:rPr lang="en-US" dirty="0" err="1" smtClean="0"/>
+              <a:t>sử</a:t>
+            </a:r>
+            <a:r>
+              <a:rPr lang="en-US" dirty="0" smtClean="0"/>
+              <a:t> </a:t>
+            </a:r>
+            <a:r>
+              <a:rPr lang="en-US" dirty="0" err="1" smtClean="0"/>
+              <a:t>dụng</a:t>
+            </a:r>
+            <a:r>
+              <a:rPr lang="en-US" dirty="0" smtClean="0"/>
+              <a:t> </a:t>
+            </a:r>
+            <a:r>
+              <a:rPr lang="en-US" dirty="0" err="1" smtClean="0"/>
+              <a:t>được</a:t>
+            </a:r>
+            <a:r>
+              <a:rPr lang="en-US" dirty="0" smtClean="0"/>
+              <a:t> code</a:t>
+            </a:r>
+          </a:p>
+          <a:p>
+            <a:r>
+              <a:rPr lang="en-US" dirty="0" err="1" smtClean="0"/>
+              <a:t>Giải</a:t>
+            </a:r>
+            <a:r>
+              <a:rPr lang="en-US" dirty="0" smtClean="0"/>
+              <a:t> </a:t>
+            </a:r>
+            <a:r>
+              <a:rPr lang="en-US" dirty="0" err="1" smtClean="0"/>
+              <a:t>pháp</a:t>
+            </a:r>
+            <a:r>
+              <a:rPr lang="en-US" dirty="0" smtClean="0"/>
+              <a:t> 3:</a:t>
+            </a:r>
+          </a:p>
+          <a:p>
+            <a:pPr>
+              <a:buFont typeface="Wingdings" charset="2"/>
+              <a:buChar char="ü"/>
+            </a:pPr>
+            <a:r>
+              <a:rPr lang="en-US" dirty="0" err="1" smtClean="0"/>
+              <a:t>Giải</a:t>
+            </a:r>
+            <a:r>
+              <a:rPr lang="en-US" dirty="0" smtClean="0"/>
+              <a:t> </a:t>
+            </a:r>
+            <a:r>
+              <a:rPr lang="en-US" dirty="0" err="1" smtClean="0"/>
+              <a:t>pháp</a:t>
+            </a:r>
+            <a:r>
+              <a:rPr lang="en-US" dirty="0" smtClean="0"/>
+              <a:t> </a:t>
+            </a:r>
+            <a:r>
+              <a:rPr lang="en-US" dirty="0" err="1" smtClean="0"/>
+              <a:t>tốt</a:t>
+            </a:r>
+            <a:r>
+              <a:rPr lang="en-US" dirty="0" smtClean="0"/>
+              <a:t> </a:t>
+            </a:r>
+            <a:r>
+              <a:rPr lang="en-US" dirty="0" err="1" smtClean="0"/>
+              <a:t>nhất</a:t>
+            </a:r>
+            <a:endParaRPr lang="en-US" dirty="0"/>
+          </a:p>
+        </p:txBody>
+      </p:sp>
+    </p:spTree>
+    <p:extLst>
+      <p:ext uri="{BB962C8B-B14F-4D97-AF65-F5344CB8AC3E}">
+        <p14:creationId xmlns:p14="http://schemas.microsoft.com/office/powerpoint/2010/main" val="2474589532"/>
+      </p:ext>
+    </p:extLst>
+  </p:cSld>
+  <p:clrMapOvr>
+    <a:masterClrMapping/>
+  </p:clrMapOvr>
+</p:sld>
+</file>
+
+<file path=ppt/slides/slide24.xml><?xml version="1.0" encoding="utf-8"?>
+<p:sld xmlns:a="http://schemas.openxmlformats.org/drawingml/2006/main" xmlns:r="http://schemas.openxmlformats.org/officeDocument/2006/relationships" xmlns:p="http://schemas.openxmlformats.org/presentationml/2006/main">
+  <p:cSld>
+    <p:spTree>
+      <p:nvGrpSpPr>
+        <p:cNvPr id="1" name=""/>
+        <p:cNvGrpSpPr/>
+        <p:nvPr/>
+      </p:nvGrpSpPr>
+      <p:grpSpPr>
+        <a:xfrm>
+          <a:off x="0" y="0"/>
+          <a:ext cx="0" cy="0"/>
+          <a:chOff x="0" y="0"/>
+          <a:chExt cx="0" cy="0"/>
+        </a:xfrm>
+      </p:grpSpPr>
+      <p:sp>
+        <p:nvSpPr>
+          <p:cNvPr id="2" name="Title 1"/>
+          <p:cNvSpPr>
+            <a:spLocks noGrp="1"/>
+          </p:cNvSpPr>
+          <p:nvPr>
+            <p:ph type="title"/>
+          </p:nvPr>
+        </p:nvSpPr>
+        <p:spPr/>
+        <p:txBody>
+          <a:bodyPr/>
+          <a:lstStyle/>
+          <a:p>
+            <a:r>
+              <a:rPr lang="en-US" dirty="0" smtClean="0"/>
+              <a:t>UML</a:t>
+            </a:r>
+            <a:endParaRPr lang="en-US" dirty="0"/>
+          </a:p>
+        </p:txBody>
+      </p:sp>
+      <p:sp>
+        <p:nvSpPr>
+          <p:cNvPr id="3" name="Content Placeholder 2"/>
+          <p:cNvSpPr>
+            <a:spLocks noGrp="1"/>
+          </p:cNvSpPr>
+          <p:nvPr>
+            <p:ph idx="1"/>
+          </p:nvPr>
+        </p:nvSpPr>
+        <p:spPr/>
+        <p:txBody>
+          <a:bodyPr/>
+          <a:lstStyle/>
+          <a:p>
+            <a:endParaRPr lang="en-US" dirty="0" smtClean="0"/>
+          </a:p>
+          <a:p>
+            <a:endParaRPr lang="en-US" dirty="0"/>
+          </a:p>
+        </p:txBody>
+      </p:sp>
+      <p:pic>
+        <p:nvPicPr>
+          <p:cNvPr id="4" name="Picture 3"/>
+          <p:cNvPicPr>
+            <a:picLocks noChangeAspect="1"/>
+          </p:cNvPicPr>
+          <p:nvPr/>
+        </p:nvPicPr>
+        <p:blipFill>
+          <a:blip r:embed="rId2"/>
+          <a:stretch>
+            <a:fillRect/>
+          </a:stretch>
+        </p:blipFill>
+        <p:spPr>
+          <a:xfrm>
+            <a:off x="457200" y="1600200"/>
+            <a:ext cx="8229600" cy="5128691"/>
+          </a:xfrm>
+          <a:prstGeom prst="rect">
+            <a:avLst/>
+          </a:prstGeom>
+        </p:spPr>
+      </p:pic>
+    </p:spTree>
+    <p:extLst>
+      <p:ext uri="{BB962C8B-B14F-4D97-AF65-F5344CB8AC3E}">
+        <p14:creationId xmlns:p14="http://schemas.microsoft.com/office/powerpoint/2010/main" val="3236372303"/>
+      </p:ext>
+    </p:extLst>
+  </p:cSld>
+  <p:clrMapOvr>
+    <a:masterClrMapping/>
+  </p:clrMapOvr>
+</p:sld>
+</file>
+
+<file path=ppt/slides/slide25.xml><?xml version="1.0" encoding="utf-8"?>
+<p:sld xmlns:a="http://schemas.openxmlformats.org/drawingml/2006/main" xmlns:r="http://schemas.openxmlformats.org/officeDocument/2006/relationships" xmlns:p="http://schemas.openxmlformats.org/presentationml/2006/main">
+  <p:cSld>
+    <p:spTree>
+      <p:nvGrpSpPr>
+        <p:cNvPr id="1" name=""/>
+        <p:cNvGrpSpPr/>
+        <p:nvPr/>
+      </p:nvGrpSpPr>
+      <p:grpSpPr>
+        <a:xfrm>
+          <a:off x="0" y="0"/>
+          <a:ext cx="0" cy="0"/>
+          <a:chOff x="0" y="0"/>
+          <a:chExt cx="0" cy="0"/>
+        </a:xfrm>
+      </p:grpSpPr>
+      <p:sp>
+        <p:nvSpPr>
+          <p:cNvPr id="2" name="Title 1"/>
+          <p:cNvSpPr>
+            <a:spLocks noGrp="1"/>
+          </p:cNvSpPr>
+          <p:nvPr>
+            <p:ph type="title"/>
+          </p:nvPr>
+        </p:nvSpPr>
+        <p:spPr/>
+        <p:txBody>
+          <a:bodyPr/>
+          <a:lstStyle/>
+          <a:p>
+            <a:r>
+              <a:rPr lang="en-US" dirty="0" err="1"/>
+              <a:t>UML_Description</a:t>
+            </a:r>
+            <a:endParaRPr lang="en-US" dirty="0"/>
+          </a:p>
+        </p:txBody>
+      </p:sp>
+      <p:sp>
+        <p:nvSpPr>
+          <p:cNvPr id="3" name="Content Placeholder 2"/>
+          <p:cNvSpPr>
+            <a:spLocks noGrp="1"/>
+          </p:cNvSpPr>
+          <p:nvPr>
+            <p:ph idx="1"/>
+          </p:nvPr>
+        </p:nvSpPr>
+        <p:spPr/>
+        <p:txBody>
+          <a:bodyPr>
+            <a:normAutofit lnSpcReduction="10000"/>
+          </a:bodyPr>
+          <a:lstStyle/>
+          <a:p>
+            <a:r>
+              <a:rPr lang="en-US" dirty="0"/>
+              <a:t>Iterator (</a:t>
+            </a:r>
+            <a:r>
+              <a:rPr lang="en-US" dirty="0" err="1"/>
+              <a:t>AbstractIterator</a:t>
+            </a:r>
+            <a:r>
+              <a:rPr lang="en-US" dirty="0" smtClean="0"/>
+              <a:t>): Define </a:t>
+            </a:r>
+            <a:r>
+              <a:rPr lang="en-US" dirty="0" err="1" smtClean="0"/>
+              <a:t>một</a:t>
+            </a:r>
+            <a:r>
+              <a:rPr lang="en-US" dirty="0" smtClean="0"/>
+              <a:t> interface </a:t>
+            </a:r>
+            <a:r>
+              <a:rPr lang="en-US" dirty="0" err="1"/>
+              <a:t>để</a:t>
+            </a:r>
+            <a:r>
+              <a:rPr lang="en-US" dirty="0"/>
+              <a:t> </a:t>
+            </a:r>
+            <a:r>
+              <a:rPr lang="en-US" dirty="0" err="1"/>
+              <a:t>truy</a:t>
+            </a:r>
+            <a:r>
+              <a:rPr lang="en-US" dirty="0"/>
+              <a:t> </a:t>
+            </a:r>
+            <a:r>
+              <a:rPr lang="en-US" dirty="0" err="1"/>
+              <a:t>cập</a:t>
+            </a:r>
+            <a:r>
+              <a:rPr lang="en-US" dirty="0"/>
+              <a:t> </a:t>
+            </a:r>
+            <a:r>
+              <a:rPr lang="en-US" dirty="0" err="1"/>
+              <a:t>và</a:t>
+            </a:r>
+            <a:r>
+              <a:rPr lang="en-US" dirty="0"/>
+              <a:t> </a:t>
+            </a:r>
+            <a:r>
+              <a:rPr lang="en-US" dirty="0" err="1"/>
+              <a:t>xem</a:t>
+            </a:r>
+            <a:r>
+              <a:rPr lang="en-US" dirty="0"/>
+              <a:t> </a:t>
+            </a:r>
+            <a:r>
+              <a:rPr lang="en-US" dirty="0" smtClean="0"/>
+              <a:t>elements.</a:t>
+            </a:r>
+            <a:endParaRPr lang="en-US" dirty="0"/>
+          </a:p>
+          <a:p>
+            <a:r>
+              <a:rPr lang="en-US" dirty="0" err="1"/>
+              <a:t>ConcreteIterator</a:t>
+            </a:r>
+            <a:r>
+              <a:rPr lang="en-US" dirty="0"/>
+              <a:t> (Iterator</a:t>
+            </a:r>
+            <a:r>
+              <a:rPr lang="en-US" dirty="0" smtClean="0"/>
+              <a:t>): implements Iterator interface.  </a:t>
+            </a:r>
+            <a:r>
+              <a:rPr lang="en-US" dirty="0" err="1" smtClean="0"/>
+              <a:t>Giữ</a:t>
+            </a:r>
+            <a:r>
+              <a:rPr lang="en-US" dirty="0" smtClean="0"/>
+              <a:t> </a:t>
+            </a:r>
+            <a:r>
+              <a:rPr lang="en-US" dirty="0" err="1"/>
+              <a:t>vị</a:t>
+            </a:r>
+            <a:r>
+              <a:rPr lang="en-US" dirty="0"/>
+              <a:t> </a:t>
+            </a:r>
+            <a:r>
+              <a:rPr lang="en-US" dirty="0" err="1"/>
+              <a:t>trí</a:t>
+            </a:r>
+            <a:r>
+              <a:rPr lang="en-US" dirty="0"/>
+              <a:t> </a:t>
+            </a:r>
+            <a:r>
+              <a:rPr lang="en-US" dirty="0" err="1"/>
+              <a:t>hiện</a:t>
+            </a:r>
+            <a:r>
+              <a:rPr lang="en-US" dirty="0"/>
+              <a:t> </a:t>
+            </a:r>
+            <a:r>
+              <a:rPr lang="en-US" dirty="0" err="1"/>
+              <a:t>tại</a:t>
+            </a:r>
+            <a:r>
+              <a:rPr lang="en-US" dirty="0"/>
+              <a:t> </a:t>
+            </a:r>
+            <a:r>
+              <a:rPr lang="en-US" dirty="0" err="1"/>
+              <a:t>trong</a:t>
+            </a:r>
+            <a:r>
+              <a:rPr lang="en-US" dirty="0"/>
+              <a:t> </a:t>
+            </a:r>
+            <a:r>
+              <a:rPr lang="en-US" dirty="0" smtClean="0"/>
+              <a:t>list</a:t>
+            </a:r>
+            <a:endParaRPr lang="en-US" dirty="0"/>
+          </a:p>
+          <a:p>
+            <a:r>
+              <a:rPr lang="en-US" dirty="0"/>
+              <a:t>Aggregate (</a:t>
+            </a:r>
+            <a:r>
+              <a:rPr lang="en-US" dirty="0" err="1"/>
+              <a:t>AbstractCollection</a:t>
+            </a:r>
+            <a:r>
+              <a:rPr lang="en-US" dirty="0" smtClean="0"/>
+              <a:t>): Define </a:t>
+            </a:r>
+            <a:r>
+              <a:rPr lang="en-US" dirty="0" err="1" smtClean="0"/>
+              <a:t>một</a:t>
+            </a:r>
+            <a:r>
+              <a:rPr lang="en-US" dirty="0" smtClean="0"/>
+              <a:t> interface </a:t>
+            </a:r>
+            <a:r>
+              <a:rPr lang="en-US" dirty="0" err="1"/>
+              <a:t>cho</a:t>
+            </a:r>
+            <a:r>
+              <a:rPr lang="en-US" dirty="0"/>
+              <a:t> </a:t>
+            </a:r>
+            <a:r>
+              <a:rPr lang="en-US" dirty="0" err="1"/>
+              <a:t>việc</a:t>
+            </a:r>
+            <a:r>
+              <a:rPr lang="en-US" dirty="0"/>
+              <a:t> </a:t>
+            </a:r>
+            <a:r>
+              <a:rPr lang="en-US" dirty="0" err="1"/>
+              <a:t>tạo</a:t>
+            </a:r>
+            <a:r>
+              <a:rPr lang="en-US" dirty="0"/>
+              <a:t> </a:t>
+            </a:r>
+            <a:r>
+              <a:rPr lang="en-US" dirty="0" err="1"/>
+              <a:t>ra</a:t>
+            </a:r>
+            <a:r>
+              <a:rPr lang="en-US" dirty="0"/>
+              <a:t> </a:t>
+            </a:r>
+            <a:r>
+              <a:rPr lang="en-US" dirty="0" err="1"/>
+              <a:t>một</a:t>
+            </a:r>
+            <a:r>
+              <a:rPr lang="en-US" dirty="0"/>
+              <a:t> </a:t>
+            </a:r>
+            <a:r>
+              <a:rPr lang="en-US" dirty="0" err="1"/>
+              <a:t>đối</a:t>
+            </a:r>
+            <a:r>
+              <a:rPr lang="en-US" dirty="0"/>
+              <a:t> </a:t>
+            </a:r>
+            <a:r>
+              <a:rPr lang="en-US" dirty="0" err="1" smtClean="0"/>
+              <a:t>tượng</a:t>
+            </a:r>
+            <a:endParaRPr lang="en-US" dirty="0"/>
+          </a:p>
+          <a:p>
+            <a:r>
+              <a:rPr lang="en-US" dirty="0"/>
+              <a:t>Iterator </a:t>
+            </a:r>
+            <a:r>
+              <a:rPr lang="en-US" dirty="0" err="1"/>
+              <a:t>ConcreteAggregate</a:t>
+            </a:r>
+            <a:r>
+              <a:rPr lang="en-US" dirty="0"/>
+              <a:t> (Collection</a:t>
+            </a:r>
+            <a:r>
+              <a:rPr lang="en-US" dirty="0" smtClean="0"/>
+              <a:t>): </a:t>
+            </a:r>
+            <a:r>
+              <a:rPr lang="en-US" dirty="0" err="1" smtClean="0"/>
+              <a:t>Cài</a:t>
+            </a:r>
+            <a:r>
+              <a:rPr lang="en-US" dirty="0" smtClean="0"/>
+              <a:t> </a:t>
+            </a:r>
+            <a:r>
+              <a:rPr lang="en-US" dirty="0" err="1"/>
+              <a:t>đặt</a:t>
+            </a:r>
+            <a:r>
+              <a:rPr lang="en-US" dirty="0"/>
+              <a:t> </a:t>
+            </a:r>
+            <a:r>
+              <a:rPr lang="en-US" dirty="0" smtClean="0"/>
+              <a:t>interface </a:t>
+            </a:r>
+            <a:r>
+              <a:rPr lang="en-US" dirty="0"/>
+              <a:t>Iterator </a:t>
+            </a:r>
+            <a:r>
+              <a:rPr lang="en-US" dirty="0" err="1"/>
+              <a:t>để</a:t>
+            </a:r>
+            <a:r>
+              <a:rPr lang="en-US" dirty="0"/>
+              <a:t> </a:t>
+            </a:r>
+            <a:r>
+              <a:rPr lang="en-US" dirty="0" err="1"/>
+              <a:t>trả</a:t>
+            </a:r>
+            <a:r>
+              <a:rPr lang="en-US" dirty="0"/>
+              <a:t> </a:t>
+            </a:r>
+            <a:r>
+              <a:rPr lang="en-US" dirty="0" err="1"/>
+              <a:t>về</a:t>
+            </a:r>
+            <a:r>
+              <a:rPr lang="en-US" dirty="0"/>
+              <a:t> </a:t>
+            </a:r>
+            <a:r>
+              <a:rPr lang="en-US" dirty="0" err="1"/>
+              <a:t>một</a:t>
+            </a:r>
+            <a:r>
+              <a:rPr lang="en-US" dirty="0"/>
+              <a:t> </a:t>
+            </a:r>
+            <a:r>
+              <a:rPr lang="en-US" dirty="0" smtClean="0"/>
+              <a:t>instance </a:t>
+            </a:r>
+            <a:r>
+              <a:rPr lang="en-US" dirty="0" err="1" smtClean="0"/>
+              <a:t>của</a:t>
+            </a:r>
+            <a:r>
+              <a:rPr lang="en-US" dirty="0" smtClean="0"/>
+              <a:t> </a:t>
+            </a:r>
+            <a:r>
+              <a:rPr lang="en-US" dirty="0" err="1"/>
+              <a:t>ConcreteIterator</a:t>
+            </a:r>
+            <a:r>
+              <a:rPr lang="en-US" dirty="0"/>
+              <a:t>.</a:t>
+            </a:r>
+          </a:p>
+        </p:txBody>
+      </p:sp>
+    </p:spTree>
+    <p:extLst>
+      <p:ext uri="{BB962C8B-B14F-4D97-AF65-F5344CB8AC3E}">
+        <p14:creationId xmlns:p14="http://schemas.microsoft.com/office/powerpoint/2010/main" val="501660615"/>
+      </p:ext>
+    </p:extLst>
+  </p:cSld>
+  <p:clrMapOvr>
+    <a:masterClrMapping/>
+  </p:clrMapOvr>
+</p:sld>
+</file>
+
+<file path=ppt/slides/slide26.xml><?xml version="1.0" encoding="utf-8"?>
+<p:sld xmlns:a="http://schemas.openxmlformats.org/drawingml/2006/main" xmlns:r="http://schemas.openxmlformats.org/officeDocument/2006/relationships" xmlns:p="http://schemas.openxmlformats.org/presentationml/2006/main">
+  <p:cSld>
+    <p:spTree>
+      <p:nvGrpSpPr>
+        <p:cNvPr id="1" name=""/>
+        <p:cNvGrpSpPr/>
+        <p:nvPr/>
+      </p:nvGrpSpPr>
+      <p:grpSpPr>
+        <a:xfrm>
+          <a:off x="0" y="0"/>
+          <a:ext cx="0" cy="0"/>
+          <a:chOff x="0" y="0"/>
+          <a:chExt cx="0" cy="0"/>
+        </a:xfrm>
+      </p:grpSpPr>
+      <p:sp>
+        <p:nvSpPr>
+          <p:cNvPr id="2" name="Title 1"/>
+          <p:cNvSpPr>
+            <a:spLocks noGrp="1"/>
+          </p:cNvSpPr>
+          <p:nvPr>
+            <p:ph type="title"/>
+          </p:nvPr>
+        </p:nvSpPr>
+        <p:spPr/>
+        <p:txBody>
+          <a:bodyPr/>
+          <a:lstStyle/>
+          <a:p>
+            <a:r>
+              <a:rPr lang="en-US" dirty="0" err="1" smtClean="0"/>
+              <a:t>Lợi</a:t>
+            </a:r>
+            <a:r>
+              <a:rPr lang="en-US" dirty="0" smtClean="0"/>
+              <a:t> </a:t>
+            </a:r>
+            <a:r>
+              <a:rPr lang="en-US" dirty="0" err="1" smtClean="0"/>
+              <a:t>thế</a:t>
+            </a:r>
+            <a:endParaRPr lang="en-US" dirty="0"/>
+          </a:p>
+        </p:txBody>
+      </p:sp>
+      <p:sp>
+        <p:nvSpPr>
+          <p:cNvPr id="3" name="Content Placeholder 2"/>
+          <p:cNvSpPr>
+            <a:spLocks noGrp="1"/>
+          </p:cNvSpPr>
+          <p:nvPr>
+            <p:ph idx="1"/>
+          </p:nvPr>
+        </p:nvSpPr>
+        <p:spPr/>
+        <p:txBody>
+          <a:bodyPr/>
+          <a:lstStyle/>
+          <a:p>
+            <a:r>
+              <a:rPr lang="en-US" dirty="0" err="1" smtClean="0"/>
+              <a:t>Truy</a:t>
+            </a:r>
+            <a:r>
+              <a:rPr lang="en-US" dirty="0" smtClean="0"/>
+              <a:t> </a:t>
+            </a:r>
+            <a:r>
+              <a:rPr lang="en-US" dirty="0" err="1" smtClean="0"/>
+              <a:t>c</a:t>
+            </a:r>
+            <a:r>
+              <a:rPr lang="en-US" dirty="0" err="1" smtClean="0"/>
+              <a:t>ập</a:t>
+            </a:r>
+            <a:r>
+              <a:rPr lang="en-US" dirty="0" smtClean="0"/>
+              <a:t> </a:t>
+            </a:r>
+            <a:r>
+              <a:rPr lang="en-US" dirty="0" err="1" smtClean="0"/>
+              <a:t>vào</a:t>
+            </a:r>
+            <a:r>
+              <a:rPr lang="en-US" dirty="0" smtClean="0"/>
+              <a:t> </a:t>
+            </a:r>
+            <a:r>
+              <a:rPr lang="en-US" dirty="0" err="1" smtClean="0"/>
+              <a:t>các</a:t>
+            </a:r>
+            <a:r>
+              <a:rPr lang="en-US" dirty="0" smtClean="0"/>
+              <a:t> elements </a:t>
+            </a:r>
+            <a:r>
+              <a:rPr lang="en-US" dirty="0" err="1" smtClean="0"/>
+              <a:t>được</a:t>
+            </a:r>
+            <a:r>
+              <a:rPr lang="en-US" dirty="0" smtClean="0"/>
+              <a:t> set </a:t>
+            </a:r>
+            <a:r>
+              <a:rPr lang="en-US" dirty="0" err="1" smtClean="0"/>
+              <a:t>mà</a:t>
+            </a:r>
+            <a:r>
+              <a:rPr lang="en-US" dirty="0" smtClean="0"/>
+              <a:t> </a:t>
+            </a:r>
+            <a:r>
+              <a:rPr lang="en-US" dirty="0" err="1" smtClean="0"/>
+              <a:t>không</a:t>
+            </a:r>
+            <a:r>
+              <a:rPr lang="en-US" dirty="0" smtClean="0"/>
+              <a:t> </a:t>
+            </a:r>
+            <a:r>
+              <a:rPr lang="en-US" dirty="0" err="1" smtClean="0"/>
+              <a:t>cần</a:t>
+            </a:r>
+            <a:r>
+              <a:rPr lang="en-US" dirty="0" smtClean="0"/>
+              <a:t> </a:t>
+            </a:r>
+            <a:r>
+              <a:rPr lang="en-US" dirty="0" err="1" smtClean="0"/>
+              <a:t>quan</a:t>
+            </a:r>
+            <a:r>
+              <a:rPr lang="en-US" dirty="0" smtClean="0"/>
+              <a:t> </a:t>
+            </a:r>
+            <a:r>
+              <a:rPr lang="en-US" dirty="0" err="1" smtClean="0"/>
+              <a:t>tâm</a:t>
+            </a:r>
+            <a:r>
+              <a:rPr lang="en-US" dirty="0" smtClean="0"/>
+              <a:t> </a:t>
+            </a:r>
+            <a:r>
+              <a:rPr lang="en-US" dirty="0" err="1" smtClean="0"/>
+              <a:t>đến</a:t>
+            </a:r>
+            <a:r>
+              <a:rPr lang="en-US" dirty="0" smtClean="0"/>
+              <a:t> </a:t>
+            </a:r>
+            <a:r>
+              <a:rPr lang="en-US" dirty="0" err="1" smtClean="0"/>
+              <a:t>các</a:t>
+            </a:r>
+            <a:r>
+              <a:rPr lang="en-US" dirty="0" smtClean="0"/>
+              <a:t> </a:t>
+            </a:r>
+            <a:r>
+              <a:rPr lang="en-US" dirty="0" err="1" smtClean="0"/>
+              <a:t>giá</a:t>
+            </a:r>
+            <a:r>
+              <a:rPr lang="en-US" dirty="0" smtClean="0"/>
+              <a:t> </a:t>
+            </a:r>
+            <a:r>
+              <a:rPr lang="en-US" dirty="0" err="1" smtClean="0"/>
+              <a:t>trị</a:t>
+            </a:r>
+            <a:r>
+              <a:rPr lang="en-US" dirty="0" smtClean="0"/>
+              <a:t> </a:t>
+            </a:r>
+            <a:r>
+              <a:rPr lang="en-US" dirty="0" err="1" smtClean="0"/>
+              <a:t>nội</a:t>
+            </a:r>
+            <a:endParaRPr lang="en-US" dirty="0" smtClean="0"/>
+          </a:p>
+          <a:p>
+            <a:r>
+              <a:rPr lang="en-US" dirty="0" err="1" smtClean="0"/>
+              <a:t>Cung</a:t>
+            </a:r>
+            <a:r>
+              <a:rPr lang="en-US" dirty="0" smtClean="0"/>
+              <a:t> </a:t>
+            </a:r>
+            <a:r>
+              <a:rPr lang="en-US" dirty="0" err="1" smtClean="0"/>
+              <a:t>cấp</a:t>
+            </a:r>
+            <a:r>
+              <a:rPr lang="en-US" dirty="0" smtClean="0"/>
+              <a:t> </a:t>
+            </a:r>
+            <a:r>
+              <a:rPr lang="en-US" dirty="0" err="1" smtClean="0"/>
+              <a:t>các</a:t>
+            </a:r>
+            <a:r>
+              <a:rPr lang="en-US" dirty="0" smtClean="0"/>
+              <a:t> interface </a:t>
+            </a:r>
+            <a:r>
+              <a:rPr lang="en-US" dirty="0" err="1" smtClean="0"/>
+              <a:t>chung</a:t>
+            </a:r>
+            <a:r>
+              <a:rPr lang="en-US" dirty="0" smtClean="0"/>
+              <a:t> </a:t>
+            </a:r>
+            <a:r>
+              <a:rPr lang="en-US" dirty="0" err="1" smtClean="0"/>
+              <a:t>cho</a:t>
+            </a:r>
+            <a:r>
+              <a:rPr lang="en-US" dirty="0" smtClean="0"/>
+              <a:t> </a:t>
+            </a:r>
+            <a:r>
+              <a:rPr lang="en-US" dirty="0" err="1" smtClean="0"/>
+              <a:t>việc</a:t>
+            </a:r>
+            <a:r>
+              <a:rPr lang="en-US" dirty="0" smtClean="0"/>
+              <a:t> </a:t>
+            </a:r>
+            <a:r>
+              <a:rPr lang="en-US" dirty="0" err="1" smtClean="0"/>
+              <a:t>duyệt</a:t>
+            </a:r>
+            <a:r>
+              <a:rPr lang="en-US" dirty="0" smtClean="0"/>
+              <a:t> </a:t>
+            </a:r>
+            <a:r>
+              <a:rPr lang="en-US" dirty="0" err="1" smtClean="0"/>
+              <a:t>cấu</a:t>
+            </a:r>
+            <a:r>
+              <a:rPr lang="en-US" dirty="0" smtClean="0"/>
+              <a:t> </a:t>
+            </a:r>
+            <a:r>
+              <a:rPr lang="en-US" dirty="0" err="1" smtClean="0"/>
+              <a:t>trúc</a:t>
+            </a:r>
+            <a:r>
+              <a:rPr lang="en-US" dirty="0" smtClean="0"/>
+              <a:t> </a:t>
+            </a:r>
+            <a:r>
+              <a:rPr lang="en-US" dirty="0" err="1" smtClean="0"/>
+              <a:t>của</a:t>
+            </a:r>
+            <a:r>
+              <a:rPr lang="en-US" dirty="0" smtClean="0"/>
+              <a:t> collection</a:t>
+            </a:r>
+          </a:p>
+          <a:p>
+            <a:r>
+              <a:rPr lang="en-US" dirty="0" smtClean="0"/>
+              <a:t>Interface collection </a:t>
+            </a:r>
+            <a:r>
+              <a:rPr lang="en-US" dirty="0" err="1" smtClean="0"/>
+              <a:t>đơn</a:t>
+            </a:r>
+            <a:r>
+              <a:rPr lang="en-US" dirty="0" smtClean="0"/>
+              <a:t> </a:t>
+            </a:r>
+            <a:r>
+              <a:rPr lang="en-US" dirty="0" err="1" smtClean="0"/>
+              <a:t>giản</a:t>
+            </a:r>
+            <a:endParaRPr lang="en-US" dirty="0"/>
+          </a:p>
+        </p:txBody>
+      </p:sp>
+    </p:spTree>
+    <p:extLst>
+      <p:ext uri="{BB962C8B-B14F-4D97-AF65-F5344CB8AC3E}">
+        <p14:creationId xmlns:p14="http://schemas.microsoft.com/office/powerpoint/2010/main" val="3066432206"/>
+      </p:ext>
+    </p:extLst>
+  </p:cSld>
+  <p:clrMapOvr>
+    <a:masterClrMapping/>
+  </p:clrMapOvr>
+</p:sld>
+</file>
+
+<file path=ppt/slides/slide27.xml><?xml version="1.0" encoding="utf-8"?>
+<p:sld xmlns:a="http://schemas.openxmlformats.org/drawingml/2006/main" xmlns:r="http://schemas.openxmlformats.org/officeDocument/2006/relationships" xmlns:p="http://schemas.openxmlformats.org/presentationml/2006/main">
+  <p:cSld>
+    <p:spTree>
+      <p:nvGrpSpPr>
+        <p:cNvPr id="1" name=""/>
+        <p:cNvGrpSpPr/>
+        <p:nvPr/>
+      </p:nvGrpSpPr>
+      <p:grpSpPr>
+        <a:xfrm>
+          <a:off x="0" y="0"/>
+          <a:ext cx="0" cy="0"/>
+          <a:chOff x="0" y="0"/>
+          <a:chExt cx="0" cy="0"/>
+        </a:xfrm>
+      </p:grpSpPr>
+      <p:sp>
+        <p:nvSpPr>
+          <p:cNvPr id="2" name="Title 1"/>
+          <p:cNvSpPr>
+            <a:spLocks noGrp="1"/>
+          </p:cNvSpPr>
+          <p:nvPr>
+            <p:ph type="title"/>
+          </p:nvPr>
+        </p:nvSpPr>
+        <p:spPr/>
+        <p:txBody>
+          <a:bodyPr/>
+          <a:lstStyle/>
+          <a:p>
+            <a:r>
+              <a:rPr lang="en-US" dirty="0" smtClean="0"/>
+              <a:t>Pattern: Command</a:t>
+            </a:r>
+            <a:endParaRPr lang="en-US" dirty="0"/>
+          </a:p>
+        </p:txBody>
+      </p:sp>
+      <p:sp>
+        <p:nvSpPr>
+          <p:cNvPr id="3" name="Content Placeholder 2"/>
+          <p:cNvSpPr>
+            <a:spLocks noGrp="1"/>
+          </p:cNvSpPr>
+          <p:nvPr>
+            <p:ph idx="1"/>
+          </p:nvPr>
+        </p:nvSpPr>
+        <p:spPr/>
+        <p:txBody>
+          <a:bodyPr/>
+          <a:lstStyle/>
+          <a:p>
+            <a:r>
+              <a:rPr lang="en-US" i="1" dirty="0" smtClean="0"/>
+              <a:t>objects that represent actions</a:t>
+            </a:r>
+          </a:p>
+          <a:p>
+            <a:endParaRPr lang="en-US" dirty="0"/>
+          </a:p>
+        </p:txBody>
+      </p:sp>
+      <p:pic>
+        <p:nvPicPr>
+          <p:cNvPr id="4" name="Picture 4"/>
+          <p:cNvPicPr>
+            <a:picLocks noChangeAspect="1" noChangeArrowheads="1"/>
+          </p:cNvPicPr>
+          <p:nvPr/>
+        </p:nvPicPr>
+        <p:blipFill>
+          <a:blip r:embed="rId2">
+            <a:extLst>
+              <a:ext uri="{28A0092B-C50C-407E-A947-70E740481C1C}">
+                <a14:useLocalDpi xmlns:a14="http://schemas.microsoft.com/office/drawing/2010/main" val="0"/>
+              </a:ext>
+            </a:extLst>
+          </a:blip>
+          <a:srcRect/>
+          <a:stretch>
+            <a:fillRect/>
+          </a:stretch>
+        </p:blipFill>
+        <p:spPr bwMode="auto">
+          <a:xfrm>
+            <a:off x="1131819" y="2371236"/>
+            <a:ext cx="7406265" cy="3468326"/>
+          </a:xfrm>
+          <a:prstGeom prst="rect">
+            <a:avLst/>
+          </a:prstGeom>
+          <a:noFill/>
+          <a:ln>
+            <a:noFill/>
+          </a:ln>
+          <a:effectLst/>
+          <a:extLst>
+            <a:ext uri="{909E8E84-426E-40dd-AFC4-6F175D3DCCD1}">
+              <a14:hiddenFill xmlns:a14="http://schemas.microsoft.com/office/drawing/2010/main">
+                <a:solidFill>
+                  <a:schemeClr val="accent1"/>
+                </a:solidFill>
+              </a14:hiddenFill>
+            </a:ext>
+            <a:ext uri="{91240B29-F687-4f45-9708-019B960494DF}">
+              <a14:hiddenLine xmlns:a14="http://schemas.microsoft.com/office/drawing/2010/main" w="9525">
+                <a:solidFill>
+                  <a:schemeClr val="tx1"/>
+                </a:solidFill>
+                <a:miter lim="800000"/>
+                <a:headEnd/>
+                <a:tailEnd/>
+              </a14:hiddenLine>
+            </a:ext>
+            <a:ext uri="{AF507438-7753-43e0-B8FC-AC1667EBCBE1}">
+              <a14:hiddenEffects xmlns:a14="http://schemas.microsoft.com/office/drawing/2010/main">
+                <a:effectLst>
+                  <a:outerShdw blurRad="63500" dist="38099" dir="2700000" algn="ctr" rotWithShape="0">
+                    <a:schemeClr val="bg2">
+                      <a:alpha val="74998"/>
+                    </a:schemeClr>
+                  </a:outerShdw>
+                </a:effectLst>
+              </a14:hiddenEffects>
+            </a:ext>
+          </a:extLst>
+        </p:spPr>
+      </p:pic>
+    </p:spTree>
+    <p:extLst>
+      <p:ext uri="{BB962C8B-B14F-4D97-AF65-F5344CB8AC3E}">
+        <p14:creationId xmlns:p14="http://schemas.microsoft.com/office/powerpoint/2010/main" val="2068495169"/>
+      </p:ext>
+    </p:extLst>
+  </p:cSld>
+  <p:clrMapOvr>
+    <a:masterClrMapping/>
+  </p:clrMapOvr>
+</p:sld>
+</file>
+
+<file path=ppt/slides/slide28.xml><?xml version="1.0" encoding="utf-8"?>
+<p:sld xmlns:a="http://schemas.openxmlformats.org/drawingml/2006/main" xmlns:r="http://schemas.openxmlformats.org/officeDocument/2006/relationships" xmlns:p="http://schemas.openxmlformats.org/presentationml/2006/main">
+  <p:cSld>
+    <p:spTree>
+      <p:nvGrpSpPr>
+        <p:cNvPr id="1" name=""/>
+        <p:cNvGrpSpPr/>
+        <p:nvPr/>
+      </p:nvGrpSpPr>
+      <p:grpSpPr>
+        <a:xfrm>
+          <a:off x="0" y="0"/>
+          <a:ext cx="0" cy="0"/>
+          <a:chOff x="0" y="0"/>
+          <a:chExt cx="0" cy="0"/>
+        </a:xfrm>
+      </p:grpSpPr>
+      <p:sp>
+        <p:nvSpPr>
+          <p:cNvPr id="2" name="Title 1"/>
+          <p:cNvSpPr>
+            <a:spLocks noGrp="1"/>
+          </p:cNvSpPr>
+          <p:nvPr>
+            <p:ph type="title"/>
+          </p:nvPr>
+        </p:nvSpPr>
+        <p:spPr/>
+        <p:txBody>
+          <a:bodyPr/>
+          <a:lstStyle/>
+          <a:p>
+            <a:r>
+              <a:rPr lang="en-US" dirty="0" err="1" smtClean="0"/>
+              <a:t>Vấn</a:t>
+            </a:r>
+            <a:r>
+              <a:rPr lang="en-US" dirty="0" smtClean="0"/>
+              <a:t> </a:t>
+            </a:r>
+            <a:r>
+              <a:rPr lang="en-US" dirty="0" err="1" smtClean="0"/>
+              <a:t>đề</a:t>
+            </a:r>
+            <a:endParaRPr lang="en-US" dirty="0"/>
+          </a:p>
+        </p:txBody>
+      </p:sp>
+      <p:sp>
+        <p:nvSpPr>
+          <p:cNvPr id="3" name="Content Placeholder 2"/>
+          <p:cNvSpPr>
+            <a:spLocks noGrp="1"/>
+          </p:cNvSpPr>
+          <p:nvPr>
+            <p:ph idx="1"/>
+          </p:nvPr>
+        </p:nvSpPr>
+        <p:spPr/>
+        <p:txBody>
+          <a:bodyPr>
+            <a:normAutofit fontScale="92500"/>
+          </a:bodyPr>
+          <a:lstStyle/>
+          <a:p>
+            <a:r>
+              <a:rPr lang="en-US" dirty="0" err="1"/>
+              <a:t>Đôi</a:t>
+            </a:r>
+            <a:r>
+              <a:rPr lang="en-US" dirty="0"/>
+              <a:t> </a:t>
+            </a:r>
+            <a:r>
+              <a:rPr lang="en-US" dirty="0" err="1"/>
+              <a:t>khi</a:t>
+            </a:r>
+            <a:r>
+              <a:rPr lang="en-US" dirty="0"/>
+              <a:t> </a:t>
+            </a:r>
+            <a:r>
+              <a:rPr lang="en-US" dirty="0" err="1"/>
+              <a:t>chúng</a:t>
+            </a:r>
+            <a:r>
+              <a:rPr lang="en-US" dirty="0"/>
+              <a:t> ta </a:t>
+            </a:r>
+            <a:r>
+              <a:rPr lang="en-US" dirty="0" err="1"/>
+              <a:t>gặp</a:t>
+            </a:r>
+            <a:r>
+              <a:rPr lang="en-US" dirty="0"/>
+              <a:t> </a:t>
+            </a:r>
+            <a:r>
+              <a:rPr lang="en-US" dirty="0" err="1"/>
+              <a:t>phải</a:t>
+            </a:r>
+            <a:r>
+              <a:rPr lang="en-US" dirty="0"/>
+              <a:t> </a:t>
+            </a:r>
+            <a:r>
+              <a:rPr lang="en-US" dirty="0" err="1"/>
+              <a:t>những</a:t>
+            </a:r>
+            <a:r>
+              <a:rPr lang="en-US" dirty="0"/>
+              <a:t> </a:t>
+            </a:r>
+            <a:r>
+              <a:rPr lang="en-US" dirty="0" err="1"/>
+              <a:t>tình</a:t>
+            </a:r>
+            <a:r>
+              <a:rPr lang="en-US" dirty="0"/>
+              <a:t> </a:t>
+            </a:r>
+            <a:r>
+              <a:rPr lang="en-US" dirty="0" err="1"/>
+              <a:t>huống</a:t>
+            </a:r>
+            <a:r>
+              <a:rPr lang="en-US" dirty="0"/>
+              <a:t> </a:t>
+            </a:r>
+            <a:r>
+              <a:rPr lang="en-US" dirty="0" err="1"/>
+              <a:t>trong</a:t>
+            </a:r>
+            <a:r>
+              <a:rPr lang="en-US" dirty="0"/>
+              <a:t> </a:t>
+            </a:r>
+            <a:r>
+              <a:rPr lang="en-US" dirty="0" err="1"/>
+              <a:t>đó</a:t>
+            </a:r>
+            <a:r>
+              <a:rPr lang="en-US" dirty="0"/>
+              <a:t> </a:t>
+            </a:r>
+            <a:r>
+              <a:rPr lang="en-US" dirty="0" err="1"/>
+              <a:t>cần</a:t>
+            </a:r>
+            <a:r>
+              <a:rPr lang="en-US" dirty="0"/>
+              <a:t> </a:t>
+            </a:r>
+            <a:r>
+              <a:rPr lang="en-US" dirty="0" err="1"/>
+              <a:t>phải</a:t>
+            </a:r>
+            <a:r>
+              <a:rPr lang="en-US" dirty="0"/>
+              <a:t> </a:t>
+            </a:r>
+            <a:r>
+              <a:rPr lang="en-US" dirty="0" err="1"/>
+              <a:t>gửi</a:t>
+            </a:r>
+            <a:r>
+              <a:rPr lang="en-US" dirty="0"/>
+              <a:t> </a:t>
+            </a:r>
+            <a:r>
+              <a:rPr lang="en-US" dirty="0" err="1"/>
+              <a:t>một</a:t>
+            </a:r>
+            <a:r>
+              <a:rPr lang="en-US" dirty="0"/>
+              <a:t> </a:t>
+            </a:r>
+            <a:r>
+              <a:rPr lang="en-US" dirty="0" err="1"/>
+              <a:t>yêu</a:t>
+            </a:r>
+            <a:r>
+              <a:rPr lang="en-US" dirty="0"/>
+              <a:t> </a:t>
+            </a:r>
+            <a:r>
+              <a:rPr lang="en-US" dirty="0" err="1"/>
+              <a:t>cầu</a:t>
+            </a:r>
+            <a:r>
+              <a:rPr lang="en-US" dirty="0"/>
+              <a:t> </a:t>
+            </a:r>
+            <a:r>
+              <a:rPr lang="en-US" dirty="0" err="1"/>
+              <a:t>tới</a:t>
+            </a:r>
+            <a:r>
+              <a:rPr lang="en-US" dirty="0"/>
+              <a:t> </a:t>
+            </a:r>
+            <a:r>
+              <a:rPr lang="en-US" dirty="0" err="1"/>
+              <a:t>một</a:t>
+            </a:r>
+            <a:r>
+              <a:rPr lang="en-US" dirty="0"/>
+              <a:t> </a:t>
+            </a:r>
+            <a:r>
+              <a:rPr lang="en-US" dirty="0" err="1"/>
+              <a:t>đối</a:t>
+            </a:r>
+            <a:r>
+              <a:rPr lang="en-US" dirty="0"/>
+              <a:t> </a:t>
+            </a:r>
+            <a:r>
+              <a:rPr lang="en-US" dirty="0" err="1"/>
+              <a:t>tượng</a:t>
+            </a:r>
+            <a:r>
+              <a:rPr lang="en-US" dirty="0"/>
+              <a:t> </a:t>
+            </a:r>
+            <a:r>
+              <a:rPr lang="en-US" dirty="0" err="1"/>
+              <a:t>mà</a:t>
+            </a:r>
+            <a:r>
+              <a:rPr lang="en-US" dirty="0"/>
+              <a:t> </a:t>
+            </a:r>
+            <a:r>
+              <a:rPr lang="en-US" dirty="0" err="1"/>
+              <a:t>không</a:t>
+            </a:r>
+            <a:r>
+              <a:rPr lang="en-US" dirty="0"/>
+              <a:t> </a:t>
+            </a:r>
+            <a:r>
+              <a:rPr lang="en-US" dirty="0" err="1"/>
+              <a:t>biết</a:t>
+            </a:r>
+            <a:r>
+              <a:rPr lang="en-US" dirty="0"/>
+              <a:t> </a:t>
+            </a:r>
+            <a:r>
+              <a:rPr lang="en-US" dirty="0" err="1"/>
+              <a:t>yêu</a:t>
+            </a:r>
+            <a:r>
+              <a:rPr lang="en-US" dirty="0"/>
+              <a:t> </a:t>
+            </a:r>
+            <a:r>
+              <a:rPr lang="en-US" dirty="0" err="1"/>
+              <a:t>cầu</a:t>
+            </a:r>
+            <a:r>
+              <a:rPr lang="en-US" dirty="0"/>
+              <a:t> </a:t>
+            </a:r>
+            <a:r>
+              <a:rPr lang="en-US" dirty="0" err="1"/>
+              <a:t>người</a:t>
+            </a:r>
+            <a:r>
+              <a:rPr lang="en-US" dirty="0"/>
+              <a:t> </a:t>
+            </a:r>
+            <a:r>
+              <a:rPr lang="en-US" dirty="0" err="1"/>
+              <a:t>nhận</a:t>
+            </a:r>
+            <a:r>
+              <a:rPr lang="en-US" dirty="0"/>
+              <a:t> </a:t>
+            </a:r>
+            <a:r>
+              <a:rPr lang="en-US" dirty="0" err="1"/>
+              <a:t>cụ</a:t>
+            </a:r>
+            <a:r>
+              <a:rPr lang="en-US" dirty="0"/>
+              <a:t> </a:t>
+            </a:r>
+            <a:r>
+              <a:rPr lang="en-US" dirty="0" err="1"/>
+              <a:t>thể</a:t>
+            </a:r>
+            <a:r>
+              <a:rPr lang="en-US" dirty="0"/>
+              <a:t> </a:t>
+            </a:r>
+            <a:r>
+              <a:rPr lang="en-US" dirty="0" err="1"/>
+              <a:t>cũng</a:t>
+            </a:r>
+            <a:r>
+              <a:rPr lang="en-US" dirty="0"/>
+              <a:t> </a:t>
+            </a:r>
+            <a:r>
+              <a:rPr lang="en-US" dirty="0" err="1"/>
+              <a:t>như</a:t>
+            </a:r>
+            <a:r>
+              <a:rPr lang="en-US" dirty="0"/>
+              <a:t> </a:t>
+            </a:r>
+            <a:r>
+              <a:rPr lang="en-US" dirty="0" err="1"/>
+              <a:t>các</a:t>
+            </a:r>
+            <a:r>
+              <a:rPr lang="en-US" dirty="0"/>
+              <a:t> </a:t>
+            </a:r>
+            <a:r>
+              <a:rPr lang="en-US" dirty="0" err="1"/>
+              <a:t>phương</a:t>
+            </a:r>
+            <a:r>
+              <a:rPr lang="en-US" dirty="0"/>
+              <a:t> </a:t>
+            </a:r>
+            <a:r>
+              <a:rPr lang="en-US" dirty="0" err="1"/>
+              <a:t>pháp</a:t>
+            </a:r>
+            <a:r>
+              <a:rPr lang="en-US" dirty="0"/>
+              <a:t> </a:t>
+            </a:r>
+            <a:r>
+              <a:rPr lang="en-US" dirty="0" err="1"/>
+              <a:t>xử</a:t>
+            </a:r>
+            <a:r>
+              <a:rPr lang="en-US" dirty="0"/>
+              <a:t> </a:t>
+            </a:r>
+            <a:r>
+              <a:rPr lang="en-US" dirty="0" err="1"/>
+              <a:t>lý</a:t>
+            </a:r>
+            <a:r>
+              <a:rPr lang="en-US" dirty="0"/>
+              <a:t> </a:t>
+            </a:r>
+            <a:r>
+              <a:rPr lang="en-US" dirty="0" err="1"/>
+              <a:t>các</a:t>
+            </a:r>
+            <a:r>
+              <a:rPr lang="en-US" dirty="0"/>
+              <a:t> </a:t>
+            </a:r>
+            <a:r>
+              <a:rPr lang="en-US" dirty="0" err="1"/>
+              <a:t>yêu</a:t>
+            </a:r>
+            <a:r>
+              <a:rPr lang="en-US" dirty="0"/>
+              <a:t> </a:t>
+            </a:r>
+            <a:r>
+              <a:rPr lang="en-US" dirty="0" err="1"/>
+              <a:t>cầu</a:t>
+            </a:r>
+            <a:r>
+              <a:rPr lang="en-US" dirty="0"/>
+              <a:t>.</a:t>
+            </a:r>
+          </a:p>
+          <a:p>
+            <a:r>
+              <a:rPr lang="en-US" dirty="0" err="1" smtClean="0"/>
+              <a:t>Bạn</a:t>
+            </a:r>
+            <a:r>
+              <a:rPr lang="en-US" dirty="0" smtClean="0"/>
+              <a:t> </a:t>
+            </a:r>
+            <a:r>
+              <a:rPr lang="en-US" dirty="0" err="1" smtClean="0"/>
+              <a:t>muốn</a:t>
+            </a:r>
+            <a:r>
+              <a:rPr lang="en-US" dirty="0" smtClean="0"/>
+              <a:t> </a:t>
+            </a:r>
+            <a:r>
+              <a:rPr lang="en-US" dirty="0" err="1" smtClean="0"/>
+              <a:t>điều</a:t>
+            </a:r>
+            <a:r>
+              <a:rPr lang="en-US" dirty="0" smtClean="0"/>
+              <a:t> </a:t>
+            </a:r>
+            <a:r>
+              <a:rPr lang="en-US" dirty="0" err="1" smtClean="0"/>
+              <a:t>khiển</a:t>
+            </a:r>
+            <a:r>
+              <a:rPr lang="en-US" dirty="0" smtClean="0"/>
+              <a:t> if </a:t>
+            </a:r>
+            <a:r>
+              <a:rPr lang="en-US" dirty="0" err="1" smtClean="0"/>
+              <a:t>và</a:t>
+            </a:r>
+            <a:r>
+              <a:rPr lang="en-US" dirty="0" smtClean="0"/>
+              <a:t> when</a:t>
+            </a:r>
+            <a:r>
+              <a:rPr lang="en-US" dirty="0" smtClean="0"/>
+              <a:t>, </a:t>
+            </a:r>
+            <a:r>
+              <a:rPr lang="en-US" dirty="0" err="1"/>
+              <a:t>và</a:t>
+            </a:r>
+            <a:r>
+              <a:rPr lang="en-US" dirty="0"/>
+              <a:t> </a:t>
+            </a:r>
+            <a:r>
+              <a:rPr lang="en-US" dirty="0" err="1"/>
+              <a:t>theo</a:t>
+            </a:r>
+            <a:r>
+              <a:rPr lang="en-US" dirty="0"/>
+              <a:t> </a:t>
+            </a:r>
+            <a:r>
+              <a:rPr lang="en-US" dirty="0" err="1"/>
+              <a:t>thứ</a:t>
+            </a:r>
+            <a:r>
+              <a:rPr lang="en-US" dirty="0"/>
+              <a:t> </a:t>
+            </a:r>
+            <a:r>
+              <a:rPr lang="en-US" dirty="0" err="1"/>
+              <a:t>tự</a:t>
+            </a:r>
+            <a:r>
+              <a:rPr lang="en-US" dirty="0"/>
+              <a:t> </a:t>
+            </a:r>
+            <a:r>
+              <a:rPr lang="en-US" dirty="0" err="1"/>
+              <a:t>các</a:t>
+            </a:r>
+            <a:r>
+              <a:rPr lang="en-US" dirty="0"/>
+              <a:t> </a:t>
+            </a:r>
+            <a:r>
+              <a:rPr lang="en-US" dirty="0" err="1"/>
+              <a:t>lệnh</a:t>
+            </a:r>
+            <a:r>
+              <a:rPr lang="en-US" dirty="0"/>
+              <a:t> </a:t>
+            </a:r>
+            <a:r>
+              <a:rPr lang="en-US" dirty="0" err="1"/>
+              <a:t>được</a:t>
+            </a:r>
+            <a:r>
+              <a:rPr lang="en-US" dirty="0"/>
+              <a:t> </a:t>
+            </a:r>
+            <a:r>
+              <a:rPr lang="en-US" dirty="0" err="1"/>
+              <a:t>thực</a:t>
+            </a:r>
+            <a:r>
+              <a:rPr lang="en-US" dirty="0"/>
+              <a:t> </a:t>
+            </a:r>
+            <a:r>
+              <a:rPr lang="en-US" dirty="0" err="1"/>
+              <a:t>hiện</a:t>
+            </a:r>
+            <a:r>
+              <a:rPr lang="en-US" dirty="0"/>
+              <a:t>.</a:t>
+            </a:r>
+          </a:p>
+          <a:p>
+            <a:r>
+              <a:rPr lang="en-US" dirty="0" err="1"/>
+              <a:t>Bạn</a:t>
+            </a:r>
+            <a:r>
+              <a:rPr lang="en-US" dirty="0"/>
+              <a:t> </a:t>
+            </a:r>
+            <a:r>
+              <a:rPr lang="en-US" dirty="0" err="1"/>
+              <a:t>muốn</a:t>
+            </a:r>
+            <a:r>
+              <a:rPr lang="en-US" dirty="0"/>
+              <a:t> </a:t>
+            </a:r>
+            <a:r>
+              <a:rPr lang="en-US" dirty="0" err="1"/>
+              <a:t>giữ</a:t>
+            </a:r>
+            <a:r>
+              <a:rPr lang="en-US" dirty="0"/>
+              <a:t> </a:t>
+            </a:r>
+            <a:r>
+              <a:rPr lang="en-US" dirty="0" err="1"/>
+              <a:t>một</a:t>
+            </a:r>
+            <a:r>
+              <a:rPr lang="en-US" dirty="0"/>
+              <a:t> </a:t>
+            </a:r>
+            <a:r>
+              <a:rPr lang="en-US" dirty="0" err="1"/>
+              <a:t>bản</a:t>
+            </a:r>
+            <a:r>
+              <a:rPr lang="en-US" dirty="0"/>
+              <a:t> </a:t>
+            </a:r>
+            <a:r>
+              <a:rPr lang="en-US" dirty="0" err="1"/>
+              <a:t>ghi</a:t>
+            </a:r>
+            <a:r>
+              <a:rPr lang="en-US" dirty="0"/>
+              <a:t> </a:t>
+            </a:r>
+            <a:r>
+              <a:rPr lang="en-US" dirty="0" err="1"/>
+              <a:t>của</a:t>
+            </a:r>
+            <a:r>
+              <a:rPr lang="en-US" dirty="0"/>
+              <a:t> </a:t>
+            </a:r>
+            <a:r>
+              <a:rPr lang="en-US" dirty="0" err="1"/>
+              <a:t>các</a:t>
+            </a:r>
+            <a:r>
+              <a:rPr lang="en-US" dirty="0"/>
+              <a:t> </a:t>
+            </a:r>
+            <a:r>
+              <a:rPr lang="en-US" dirty="0" err="1"/>
+              <a:t>lệnh</a:t>
+            </a:r>
+            <a:r>
+              <a:rPr lang="en-US" dirty="0"/>
+              <a:t> </a:t>
+            </a:r>
+            <a:r>
+              <a:rPr lang="en-US" dirty="0" err="1"/>
+              <a:t>thực</a:t>
+            </a:r>
+            <a:r>
+              <a:rPr lang="en-US" dirty="0"/>
+              <a:t> </a:t>
+            </a:r>
+            <a:r>
+              <a:rPr lang="en-US" dirty="0" err="1"/>
+              <a:t>thi</a:t>
+            </a:r>
+            <a:r>
+              <a:rPr lang="en-US" dirty="0"/>
+              <a:t>.</a:t>
+            </a:r>
+          </a:p>
+          <a:p>
+            <a:r>
+              <a:rPr lang="en-US" dirty="0" err="1"/>
+              <a:t>Lý</a:t>
+            </a:r>
+            <a:r>
+              <a:rPr lang="en-US" dirty="0"/>
+              <a:t> do </a:t>
+            </a:r>
+            <a:r>
+              <a:rPr lang="en-US" dirty="0" err="1"/>
+              <a:t>phổ</a:t>
+            </a:r>
+            <a:r>
+              <a:rPr lang="en-US" dirty="0"/>
+              <a:t> </a:t>
+            </a:r>
+            <a:r>
+              <a:rPr lang="en-US" dirty="0" err="1"/>
+              <a:t>biến</a:t>
+            </a:r>
+            <a:r>
+              <a:rPr lang="en-US" dirty="0"/>
+              <a:t>: </a:t>
+            </a:r>
+            <a:r>
+              <a:rPr lang="en-US" dirty="0" err="1"/>
+              <a:t>Bạn</a:t>
+            </a:r>
+            <a:r>
+              <a:rPr lang="en-US" dirty="0"/>
+              <a:t> </a:t>
+            </a:r>
+            <a:r>
+              <a:rPr lang="en-US" dirty="0" err="1"/>
+              <a:t>muốn</a:t>
+            </a:r>
+            <a:r>
+              <a:rPr lang="en-US" dirty="0"/>
+              <a:t> </a:t>
+            </a:r>
+            <a:r>
+              <a:rPr lang="en-US" dirty="0" err="1"/>
+              <a:t>quản</a:t>
+            </a:r>
+            <a:r>
+              <a:rPr lang="en-US" dirty="0"/>
+              <a:t> </a:t>
+            </a:r>
+            <a:r>
+              <a:rPr lang="en-US" dirty="0" err="1"/>
+              <a:t>lý</a:t>
+            </a:r>
+            <a:r>
+              <a:rPr lang="en-US" dirty="0"/>
+              <a:t> undo </a:t>
+            </a:r>
+            <a:r>
+              <a:rPr lang="en-US" dirty="0" err="1"/>
+              <a:t>và</a:t>
+            </a:r>
+            <a:r>
+              <a:rPr lang="en-US" dirty="0"/>
+              <a:t> redo </a:t>
+            </a:r>
+            <a:r>
+              <a:rPr lang="en-US" dirty="0" err="1"/>
+              <a:t>hoạt</a:t>
+            </a:r>
+            <a:r>
+              <a:rPr lang="en-US" dirty="0"/>
+              <a:t> </a:t>
+            </a:r>
+            <a:r>
+              <a:rPr lang="en-US" dirty="0" err="1"/>
+              <a:t>động</a:t>
+            </a:r>
+            <a:r>
+              <a:rPr lang="en-US" dirty="0"/>
+              <a:t>.</a:t>
+            </a:r>
+          </a:p>
+        </p:txBody>
+      </p:sp>
+    </p:spTree>
+    <p:extLst>
+      <p:ext uri="{BB962C8B-B14F-4D97-AF65-F5344CB8AC3E}">
+        <p14:creationId xmlns:p14="http://schemas.microsoft.com/office/powerpoint/2010/main" val="3269266259"/>
+      </p:ext>
+    </p:extLst>
+  </p:cSld>
+  <p:clrMapOvr>
+    <a:masterClrMapping/>
+  </p:clrMapOvr>
+</p:sld>
+</file>
+
+<file path=ppt/slides/slide29.xml><?xml version="1.0" encoding="utf-8"?>
+<p:sld xmlns:a="http://schemas.openxmlformats.org/drawingml/2006/main" xmlns:r="http://schemas.openxmlformats.org/officeDocument/2006/relationships" xmlns:p="http://schemas.openxmlformats.org/presentationml/2006/main">
+  <p:cSld>
+    <p:spTree>
+      <p:nvGrpSpPr>
+        <p:cNvPr id="1" name=""/>
+        <p:cNvGrpSpPr/>
+        <p:nvPr/>
+      </p:nvGrpSpPr>
+      <p:grpSpPr>
+        <a:xfrm>
+          <a:off x="0" y="0"/>
+          <a:ext cx="0" cy="0"/>
+          <a:chOff x="0" y="0"/>
+          <a:chExt cx="0" cy="0"/>
+        </a:xfrm>
+      </p:grpSpPr>
+      <p:sp>
+        <p:nvSpPr>
+          <p:cNvPr id="2" name="Title 1"/>
+          <p:cNvSpPr>
+            <a:spLocks noGrp="1"/>
+          </p:cNvSpPr>
+          <p:nvPr>
+            <p:ph type="title"/>
+          </p:nvPr>
+        </p:nvSpPr>
+        <p:spPr/>
+        <p:txBody>
+          <a:bodyPr/>
+          <a:lstStyle/>
+          <a:p>
+            <a:r>
+              <a:rPr lang="en-US" dirty="0" err="1" smtClean="0"/>
+              <a:t>Giải</a:t>
+            </a:r>
+            <a:r>
+              <a:rPr lang="en-US" dirty="0" smtClean="0"/>
+              <a:t> </a:t>
+            </a:r>
+            <a:r>
+              <a:rPr lang="en-US" dirty="0" err="1" smtClean="0"/>
+              <a:t>pháp</a:t>
+            </a:r>
+            <a:endParaRPr lang="en-US" dirty="0"/>
+          </a:p>
+        </p:txBody>
+      </p:sp>
+      <p:sp>
+        <p:nvSpPr>
+          <p:cNvPr id="3" name="Content Placeholder 2"/>
+          <p:cNvSpPr>
+            <a:spLocks noGrp="1"/>
+          </p:cNvSpPr>
+          <p:nvPr>
+            <p:ph idx="1"/>
+          </p:nvPr>
+        </p:nvSpPr>
+        <p:spPr/>
+        <p:txBody>
+          <a:bodyPr>
+            <a:normAutofit/>
+          </a:bodyPr>
+          <a:lstStyle/>
+          <a:p>
+            <a:pPr marL="0" indent="0">
+              <a:buNone/>
+            </a:pPr>
+            <a:r>
+              <a:rPr lang="en-US" dirty="0" err="1" smtClean="0"/>
+              <a:t>Thể</a:t>
+            </a:r>
+            <a:r>
+              <a:rPr lang="en-US" dirty="0" smtClean="0"/>
+              <a:t> </a:t>
+            </a:r>
+            <a:r>
+              <a:rPr lang="en-US" dirty="0" err="1"/>
+              <a:t>hiện</a:t>
+            </a:r>
+            <a:r>
+              <a:rPr lang="en-US" dirty="0"/>
+              <a:t> </a:t>
+            </a:r>
+            <a:r>
+              <a:rPr lang="en-US" dirty="0" err="1"/>
+              <a:t>các</a:t>
+            </a:r>
+            <a:r>
+              <a:rPr lang="en-US" dirty="0"/>
+              <a:t> </a:t>
+            </a:r>
+            <a:r>
+              <a:rPr lang="en-US" dirty="0" smtClean="0"/>
+              <a:t>unit </a:t>
+            </a:r>
+            <a:r>
+              <a:rPr lang="en-US" dirty="0" err="1"/>
+              <a:t>của</a:t>
+            </a:r>
+            <a:r>
+              <a:rPr lang="en-US" dirty="0"/>
+              <a:t> </a:t>
+            </a:r>
+            <a:r>
+              <a:rPr lang="en-US" dirty="0" err="1"/>
+              <a:t>công</a:t>
+            </a:r>
+            <a:r>
+              <a:rPr lang="en-US" dirty="0"/>
+              <a:t> </a:t>
+            </a:r>
+            <a:r>
+              <a:rPr lang="en-US" dirty="0" err="1"/>
+              <a:t>việc</a:t>
+            </a:r>
+            <a:r>
+              <a:rPr lang="en-US" dirty="0"/>
+              <a:t> </a:t>
+            </a:r>
+            <a:r>
+              <a:rPr lang="en-US" dirty="0" err="1"/>
+              <a:t>như</a:t>
+            </a:r>
+            <a:r>
+              <a:rPr lang="en-US" dirty="0"/>
+              <a:t> </a:t>
+            </a:r>
+            <a:r>
+              <a:rPr lang="en-US" dirty="0" err="1"/>
+              <a:t>các</a:t>
+            </a:r>
+            <a:r>
+              <a:rPr lang="en-US" dirty="0"/>
+              <a:t> </a:t>
+            </a:r>
+            <a:r>
+              <a:rPr lang="en-US" dirty="0" err="1"/>
+              <a:t>đối</a:t>
+            </a:r>
+            <a:r>
+              <a:rPr lang="en-US" dirty="0"/>
+              <a:t> </a:t>
+            </a:r>
+            <a:r>
+              <a:rPr lang="en-US" dirty="0" err="1"/>
+              <a:t>tượng</a:t>
+            </a:r>
+            <a:r>
+              <a:rPr lang="en-US" dirty="0"/>
+              <a:t> Command.</a:t>
+            </a:r>
+          </a:p>
+          <a:p>
+            <a:r>
+              <a:rPr lang="en-US" dirty="0" smtClean="0"/>
+              <a:t>Interface </a:t>
+            </a:r>
+            <a:r>
+              <a:rPr lang="en-US" dirty="0" err="1" smtClean="0"/>
+              <a:t>một</a:t>
+            </a:r>
+            <a:r>
+              <a:rPr lang="en-US" dirty="0" smtClean="0"/>
+              <a:t> </a:t>
+            </a:r>
+            <a:r>
+              <a:rPr lang="en-US" dirty="0" err="1"/>
+              <a:t>đối</a:t>
+            </a:r>
+            <a:r>
+              <a:rPr lang="en-US" dirty="0"/>
+              <a:t> </a:t>
+            </a:r>
+            <a:r>
+              <a:rPr lang="en-US" dirty="0" err="1"/>
+              <a:t>tượng</a:t>
+            </a:r>
+            <a:r>
+              <a:rPr lang="en-US" dirty="0"/>
+              <a:t> Command </a:t>
+            </a:r>
+            <a:r>
+              <a:rPr lang="en-US" dirty="0" err="1"/>
+              <a:t>có</a:t>
+            </a:r>
+            <a:r>
+              <a:rPr lang="en-US" dirty="0"/>
+              <a:t> </a:t>
+            </a:r>
+            <a:r>
+              <a:rPr lang="en-US" dirty="0" err="1"/>
+              <a:t>thể</a:t>
+            </a:r>
+            <a:r>
+              <a:rPr lang="en-US" dirty="0"/>
+              <a:t> </a:t>
+            </a:r>
+            <a:r>
+              <a:rPr lang="en-US" dirty="0" err="1"/>
+              <a:t>là</a:t>
+            </a:r>
+            <a:r>
+              <a:rPr lang="en-US" dirty="0"/>
+              <a:t> </a:t>
+            </a:r>
+            <a:r>
+              <a:rPr lang="en-US" dirty="0" err="1"/>
+              <a:t>một</a:t>
+            </a:r>
+            <a:r>
+              <a:rPr lang="en-US" dirty="0"/>
+              <a:t> </a:t>
+            </a:r>
+            <a:r>
+              <a:rPr lang="en-US" dirty="0" smtClean="0"/>
+              <a:t>method </a:t>
+            </a:r>
+            <a:r>
+              <a:rPr lang="en-US" dirty="0" err="1" smtClean="0"/>
+              <a:t>đơn</a:t>
+            </a:r>
+            <a:r>
+              <a:rPr lang="en-US" dirty="0" smtClean="0"/>
+              <a:t> </a:t>
+            </a:r>
+            <a:r>
+              <a:rPr lang="en-US" dirty="0" err="1"/>
+              <a:t>giản</a:t>
+            </a:r>
+            <a:r>
+              <a:rPr lang="en-US" dirty="0"/>
+              <a:t> </a:t>
+            </a:r>
+            <a:r>
+              <a:rPr lang="en-US" dirty="0" smtClean="0"/>
+              <a:t>:execute(</a:t>
+            </a:r>
+            <a:r>
+              <a:rPr lang="en-US" dirty="0"/>
+              <a:t>).</a:t>
+            </a:r>
+          </a:p>
+          <a:p>
+            <a:r>
+              <a:rPr lang="en-US" dirty="0" smtClean="0"/>
+              <a:t>Method </a:t>
+            </a:r>
+            <a:r>
+              <a:rPr lang="en-US" dirty="0" err="1" smtClean="0"/>
+              <a:t>m</a:t>
+            </a:r>
+            <a:r>
+              <a:rPr lang="en-US" dirty="0" err="1" smtClean="0"/>
+              <a:t>ở</a:t>
+            </a:r>
+            <a:r>
+              <a:rPr lang="en-US" dirty="0" smtClean="0"/>
+              <a:t> </a:t>
+            </a:r>
+            <a:r>
+              <a:rPr lang="en-US" dirty="0" err="1" smtClean="0"/>
+              <a:t>rộng</a:t>
+            </a:r>
+            <a:r>
+              <a:rPr lang="en-US" dirty="0" smtClean="0"/>
+              <a:t> </a:t>
+            </a:r>
+            <a:r>
+              <a:rPr lang="en-US" dirty="0" err="1" smtClean="0"/>
+              <a:t>có</a:t>
+            </a:r>
+            <a:r>
+              <a:rPr lang="en-US" dirty="0" smtClean="0"/>
+              <a:t> </a:t>
+            </a:r>
+            <a:r>
+              <a:rPr lang="en-US" dirty="0" err="1"/>
+              <a:t>thể</a:t>
+            </a:r>
+            <a:r>
+              <a:rPr lang="en-US" dirty="0"/>
+              <a:t> </a:t>
+            </a:r>
+            <a:r>
+              <a:rPr lang="en-US" dirty="0" err="1"/>
+              <a:t>hỗ</a:t>
+            </a:r>
+            <a:r>
+              <a:rPr lang="en-US" dirty="0"/>
+              <a:t> </a:t>
+            </a:r>
+            <a:r>
+              <a:rPr lang="en-US" dirty="0" err="1"/>
+              <a:t>trợ</a:t>
+            </a:r>
+            <a:r>
+              <a:rPr lang="en-US" dirty="0"/>
+              <a:t> Undo </a:t>
+            </a:r>
+            <a:r>
+              <a:rPr lang="en-US" dirty="0" err="1"/>
+              <a:t>và</a:t>
+            </a:r>
+            <a:r>
+              <a:rPr lang="en-US" dirty="0"/>
+              <a:t> Redo.</a:t>
+            </a:r>
+          </a:p>
+          <a:p>
+            <a:r>
+              <a:rPr lang="en-US" dirty="0" err="1"/>
+              <a:t>Lệnh</a:t>
+            </a:r>
+            <a:r>
+              <a:rPr lang="en-US" dirty="0"/>
+              <a:t> </a:t>
+            </a:r>
+            <a:r>
+              <a:rPr lang="en-US" dirty="0" err="1"/>
+              <a:t>này</a:t>
+            </a:r>
+            <a:r>
+              <a:rPr lang="en-US" dirty="0"/>
+              <a:t> </a:t>
+            </a:r>
+            <a:r>
+              <a:rPr lang="en-US" dirty="0" err="1"/>
+              <a:t>có</a:t>
+            </a:r>
+            <a:r>
+              <a:rPr lang="en-US" dirty="0"/>
+              <a:t> </a:t>
+            </a:r>
+            <a:r>
+              <a:rPr lang="en-US" dirty="0" err="1"/>
+              <a:t>thể</a:t>
+            </a:r>
+            <a:r>
+              <a:rPr lang="en-US" dirty="0"/>
+              <a:t> </a:t>
+            </a:r>
+            <a:r>
+              <a:rPr lang="en-US" dirty="0" err="1"/>
+              <a:t>được</a:t>
+            </a:r>
+            <a:r>
+              <a:rPr lang="en-US" dirty="0"/>
+              <a:t> </a:t>
+            </a:r>
+            <a:r>
+              <a:rPr lang="en-US" dirty="0" err="1"/>
+              <a:t>kéo</a:t>
+            </a:r>
+            <a:r>
+              <a:rPr lang="en-US" dirty="0"/>
+              <a:t> </a:t>
+            </a:r>
+            <a:r>
+              <a:rPr lang="en-US" dirty="0" err="1"/>
+              <a:t>dài</a:t>
+            </a:r>
+            <a:r>
+              <a:rPr lang="en-US" dirty="0"/>
+              <a:t> </a:t>
+            </a:r>
+            <a:r>
+              <a:rPr lang="en-US" dirty="0" err="1"/>
+              <a:t>và</a:t>
+            </a:r>
+            <a:r>
+              <a:rPr lang="en-US" dirty="0"/>
+              <a:t> </a:t>
+            </a:r>
+            <a:r>
+              <a:rPr lang="en-US" dirty="0" err="1"/>
+              <a:t>có</a:t>
+            </a:r>
+            <a:r>
+              <a:rPr lang="en-US" dirty="0"/>
+              <a:t> </a:t>
+            </a:r>
+            <a:r>
+              <a:rPr lang="en-US" dirty="0" err="1"/>
+              <a:t>thể</a:t>
+            </a:r>
+            <a:r>
+              <a:rPr lang="en-US" dirty="0"/>
+              <a:t> </a:t>
+            </a:r>
+            <a:r>
+              <a:rPr lang="en-US" dirty="0" err="1"/>
+              <a:t>truy</a:t>
+            </a:r>
+            <a:r>
+              <a:rPr lang="en-US" dirty="0"/>
+              <a:t> </a:t>
+            </a:r>
+            <a:r>
+              <a:rPr lang="en-US" dirty="0" err="1"/>
+              <a:t>cập</a:t>
+            </a:r>
+            <a:r>
+              <a:rPr lang="en-US" dirty="0"/>
+              <a:t> </a:t>
+            </a:r>
+            <a:r>
+              <a:rPr lang="en-US" dirty="0" smtClean="0"/>
+              <a:t>global</a:t>
+            </a:r>
+            <a:r>
+              <a:rPr lang="en-US" dirty="0" smtClean="0"/>
+              <a:t>, </a:t>
+            </a:r>
+            <a:r>
+              <a:rPr lang="en-US" dirty="0" err="1"/>
+              <a:t>giống</a:t>
+            </a:r>
+            <a:r>
+              <a:rPr lang="en-US" dirty="0"/>
+              <a:t> </a:t>
+            </a:r>
+            <a:r>
+              <a:rPr lang="en-US" dirty="0" err="1"/>
+              <a:t>như</a:t>
+            </a:r>
+            <a:r>
+              <a:rPr lang="en-US" dirty="0"/>
+              <a:t> </a:t>
+            </a:r>
+            <a:r>
+              <a:rPr lang="en-US" dirty="0" err="1"/>
+              <a:t>các</a:t>
+            </a:r>
+            <a:r>
+              <a:rPr lang="en-US" dirty="0"/>
+              <a:t> </a:t>
+            </a:r>
+            <a:r>
+              <a:rPr lang="en-US" dirty="0" err="1"/>
+              <a:t>đối</a:t>
+            </a:r>
+            <a:r>
+              <a:rPr lang="en-US" dirty="0"/>
+              <a:t> </a:t>
+            </a:r>
+            <a:r>
+              <a:rPr lang="en-US" dirty="0" err="1"/>
+              <a:t>tượng</a:t>
+            </a:r>
+            <a:r>
+              <a:rPr lang="en-US" dirty="0"/>
+              <a:t> </a:t>
+            </a:r>
+            <a:r>
+              <a:rPr lang="en-US" dirty="0" err="1"/>
+              <a:t>bình</a:t>
+            </a:r>
+            <a:r>
+              <a:rPr lang="en-US" dirty="0"/>
+              <a:t> </a:t>
+            </a:r>
+            <a:r>
+              <a:rPr lang="en-US" dirty="0" err="1"/>
+              <a:t>thường</a:t>
+            </a:r>
+            <a:r>
+              <a:rPr lang="en-US" dirty="0"/>
+              <a:t>.</a:t>
+            </a:r>
+          </a:p>
+        </p:txBody>
+      </p:sp>
+    </p:spTree>
+    <p:extLst>
+      <p:ext uri="{BB962C8B-B14F-4D97-AF65-F5344CB8AC3E}">
+        <p14:creationId xmlns:p14="http://schemas.microsoft.com/office/powerpoint/2010/main" val="1474148979"/>
+      </p:ext>
+    </p:extLst>
+  </p:cSld>
+  <p:clrMapOvr>
+    <a:masterClrMapping/>
+  </p:clrMapOvr>
+</p:sld>
+</file>
+
 <file path=ppt/slides/slide3.xml><?xml version="1.0" encoding="utf-8"?>
 <p:sld xmlns:a="http://schemas.openxmlformats.org/drawingml/2006/main" xmlns:r="http://schemas.openxmlformats.org/officeDocument/2006/relationships" xmlns:p="http://schemas.openxmlformats.org/presentationml/2006/main">
   <p:cSld>
@@ -14370,74 +18983,146 @@
               <a:buChar char="•"/>
             </a:pPr>
             <a:r>
-              <a:rPr lang="en-US" dirty="0" err="1" smtClean="0"/>
+              <a:rPr lang="en-US" dirty="0" err="1">
+                <a:solidFill>
+                  <a:schemeClr val="tx1"/>
+                </a:solidFill>
+              </a:rPr>
               <a:t>Là</a:t>
             </a:r>
             <a:r>
-              <a:rPr lang="en-US" dirty="0" smtClean="0"/>
-              <a:t> </a:t>
-            </a:r>
-            <a:r>
-              <a:rPr lang="en-US" dirty="0" err="1" smtClean="0"/>
+              <a:rPr lang="en-US" dirty="0">
+                <a:solidFill>
+                  <a:schemeClr val="tx1"/>
+                </a:solidFill>
+              </a:rPr>
+              <a:t> </a:t>
+            </a:r>
+            <a:r>
+              <a:rPr lang="en-US" dirty="0" err="1">
+                <a:solidFill>
+                  <a:schemeClr val="tx1"/>
+                </a:solidFill>
+              </a:rPr>
               <a:t>kĩ</a:t>
             </a:r>
             <a:r>
-              <a:rPr lang="en-US" dirty="0" smtClean="0"/>
-              <a:t> </a:t>
-            </a:r>
-            <a:r>
-              <a:rPr lang="en-US" dirty="0" err="1" smtClean="0"/>
+              <a:rPr lang="en-US" dirty="0">
+                <a:solidFill>
+                  <a:schemeClr val="tx1"/>
+                </a:solidFill>
+              </a:rPr>
+              <a:t> </a:t>
+            </a:r>
+            <a:r>
+              <a:rPr lang="en-US" dirty="0" err="1">
+                <a:solidFill>
+                  <a:schemeClr val="tx1"/>
+                </a:solidFill>
+              </a:rPr>
               <a:t>thuật</a:t>
             </a:r>
             <a:r>
-              <a:rPr lang="en-US" dirty="0" smtClean="0"/>
-              <a:t> </a:t>
-            </a:r>
-            <a:r>
-              <a:rPr lang="en-US" dirty="0" err="1" smtClean="0"/>
+              <a:rPr lang="en-US" dirty="0">
+                <a:solidFill>
+                  <a:schemeClr val="tx1"/>
+                </a:solidFill>
+              </a:rPr>
+              <a:t> </a:t>
+            </a:r>
+            <a:r>
+              <a:rPr lang="en-US" dirty="0" err="1">
+                <a:solidFill>
+                  <a:schemeClr val="tx1"/>
+                </a:solidFill>
+              </a:rPr>
               <a:t>trong</a:t>
             </a:r>
             <a:r>
-              <a:rPr lang="en-US" dirty="0" smtClean="0"/>
-              <a:t> </a:t>
-            </a:r>
-            <a:r>
-              <a:rPr lang="en-US" dirty="0" err="1" smtClean="0"/>
+              <a:rPr lang="en-US" dirty="0">
+                <a:solidFill>
+                  <a:schemeClr val="tx1"/>
+                </a:solidFill>
+              </a:rPr>
+              <a:t> </a:t>
+            </a:r>
+            <a:r>
+              <a:rPr lang="en-US" dirty="0" err="1">
+                <a:solidFill>
+                  <a:schemeClr val="tx1"/>
+                </a:solidFill>
+              </a:rPr>
               <a:t>lập</a:t>
             </a:r>
             <a:r>
-              <a:rPr lang="en-US" dirty="0" smtClean="0"/>
-              <a:t> </a:t>
-            </a:r>
-            <a:r>
-              <a:rPr lang="en-US" dirty="0" err="1" smtClean="0"/>
+              <a:rPr lang="en-US" dirty="0">
+                <a:solidFill>
+                  <a:schemeClr val="tx1"/>
+                </a:solidFill>
+              </a:rPr>
+              <a:t> </a:t>
+            </a:r>
+            <a:r>
+              <a:rPr lang="en-US" dirty="0" err="1">
+                <a:solidFill>
+                  <a:schemeClr val="tx1"/>
+                </a:solidFill>
+              </a:rPr>
               <a:t>trình</a:t>
             </a:r>
             <a:r>
-              <a:rPr lang="en-US" dirty="0" smtClean="0"/>
-              <a:t> </a:t>
-            </a:r>
-            <a:r>
-              <a:rPr lang="en-US" dirty="0" err="1" smtClean="0"/>
+              <a:rPr lang="en-US" dirty="0">
+                <a:solidFill>
+                  <a:schemeClr val="tx1"/>
+                </a:solidFill>
+              </a:rPr>
+              <a:t> </a:t>
+            </a:r>
+            <a:r>
+              <a:rPr lang="en-US" dirty="0" err="1">
+                <a:solidFill>
+                  <a:schemeClr val="tx1"/>
+                </a:solidFill>
+              </a:rPr>
               <a:t>hướng</a:t>
             </a:r>
             <a:r>
-              <a:rPr lang="en-US" dirty="0" smtClean="0"/>
-              <a:t> </a:t>
-            </a:r>
-            <a:r>
-              <a:rPr lang="en-US" dirty="0" err="1" smtClean="0"/>
+              <a:rPr lang="en-US" dirty="0">
+                <a:solidFill>
+                  <a:schemeClr val="tx1"/>
+                </a:solidFill>
+              </a:rPr>
+              <a:t> </a:t>
+            </a:r>
+            <a:r>
+              <a:rPr lang="en-US" dirty="0" err="1">
+                <a:solidFill>
+                  <a:schemeClr val="tx1"/>
+                </a:solidFill>
+              </a:rPr>
               <a:t>đối</a:t>
             </a:r>
             <a:r>
-              <a:rPr lang="en-US" dirty="0" smtClean="0"/>
-              <a:t> </a:t>
-            </a:r>
-            <a:r>
-              <a:rPr lang="en-US" dirty="0" err="1" smtClean="0"/>
+              <a:rPr lang="en-US" dirty="0">
+                <a:solidFill>
+                  <a:schemeClr val="tx1"/>
+                </a:solidFill>
+              </a:rPr>
+              <a:t> </a:t>
+            </a:r>
+            <a:r>
+              <a:rPr lang="en-US" dirty="0" err="1">
+                <a:solidFill>
+                  <a:schemeClr val="tx1"/>
+                </a:solidFill>
+              </a:rPr>
               <a:t>tượng</a:t>
             </a:r>
-            <a:endParaRPr lang="en-US" dirty="0" smtClean="0"/>
+            <a:endParaRPr lang="en-US" dirty="0">
+              <a:solidFill>
+                <a:schemeClr val="tx1"/>
+              </a:solidFill>
+            </a:endParaRPr>
           </a:p>
           <a:p>
             <a:pPr marL="457200" indent="-457200" algn="l">
@@ -14445,131 +19130,259 @@
               <a:buChar char="•"/>
             </a:pPr>
             <a:r>
-              <a:rPr lang="en-US" dirty="0" err="1" smtClean="0"/>
+              <a:rPr lang="en-US" dirty="0" err="1">
+                <a:solidFill>
+                  <a:schemeClr val="tx1"/>
+                </a:solidFill>
+              </a:rPr>
               <a:t>Cung</a:t>
             </a:r>
             <a:r>
-              <a:rPr lang="en-US" dirty="0" smtClean="0"/>
-              <a:t> </a:t>
-            </a:r>
-            <a:r>
-              <a:rPr lang="en-US" dirty="0" err="1" smtClean="0"/>
+              <a:rPr lang="en-US" dirty="0">
+                <a:solidFill>
+                  <a:schemeClr val="tx1"/>
+                </a:solidFill>
+              </a:rPr>
+              <a:t> </a:t>
+            </a:r>
+            <a:r>
+              <a:rPr lang="en-US" dirty="0" err="1">
+                <a:solidFill>
+                  <a:schemeClr val="tx1"/>
+                </a:solidFill>
+              </a:rPr>
               <a:t>cấp</a:t>
             </a:r>
             <a:r>
-              <a:rPr lang="en-US" dirty="0" smtClean="0"/>
-              <a:t> </a:t>
-            </a:r>
-            <a:r>
-              <a:rPr lang="en-US" dirty="0" err="1" smtClean="0"/>
+              <a:rPr lang="en-US" dirty="0">
+                <a:solidFill>
+                  <a:schemeClr val="tx1"/>
+                </a:solidFill>
+              </a:rPr>
+              <a:t> </a:t>
+            </a:r>
+            <a:r>
+              <a:rPr lang="en-US" dirty="0" err="1">
+                <a:solidFill>
+                  <a:schemeClr val="tx1"/>
+                </a:solidFill>
+              </a:rPr>
               <a:t>các</a:t>
             </a:r>
             <a:r>
-              <a:rPr lang="en-US" dirty="0"/>
-              <a:t> </a:t>
-            </a:r>
-            <a:r>
-              <a:rPr lang="en-US" dirty="0" err="1" smtClean="0"/>
+              <a:rPr lang="en-US" dirty="0">
+                <a:solidFill>
+                  <a:schemeClr val="tx1"/>
+                </a:solidFill>
+              </a:rPr>
+              <a:t> </a:t>
+            </a:r>
+            <a:r>
+              <a:rPr lang="en-US" dirty="0" err="1">
+                <a:solidFill>
+                  <a:schemeClr val="tx1"/>
+                </a:solidFill>
+              </a:rPr>
               <a:t>giải</a:t>
             </a:r>
             <a:r>
-              <a:rPr lang="en-US" dirty="0" smtClean="0"/>
-              <a:t> </a:t>
-            </a:r>
-            <a:r>
-              <a:rPr lang="en-US" dirty="0" err="1" smtClean="0"/>
+              <a:rPr lang="en-US" dirty="0">
+                <a:solidFill>
+                  <a:schemeClr val="tx1"/>
+                </a:solidFill>
+              </a:rPr>
+              <a:t> </a:t>
+            </a:r>
+            <a:r>
+              <a:rPr lang="en-US" dirty="0" err="1">
+                <a:solidFill>
+                  <a:schemeClr val="tx1"/>
+                </a:solidFill>
+              </a:rPr>
               <a:t>pháp</a:t>
             </a:r>
             <a:r>
-              <a:rPr lang="en-US" dirty="0" smtClean="0"/>
-              <a:t> </a:t>
-            </a:r>
-            <a:r>
-              <a:rPr lang="en-US" dirty="0" err="1" smtClean="0"/>
+              <a:rPr lang="en-US" dirty="0">
+                <a:solidFill>
+                  <a:schemeClr val="tx1"/>
+                </a:solidFill>
+              </a:rPr>
+              <a:t> </a:t>
+            </a:r>
+            <a:r>
+              <a:rPr lang="en-US" dirty="0" err="1">
+                <a:solidFill>
+                  <a:schemeClr val="tx1"/>
+                </a:solidFill>
+              </a:rPr>
               <a:t>giải</a:t>
             </a:r>
             <a:r>
-              <a:rPr lang="en-US" dirty="0" smtClean="0"/>
-              <a:t> </a:t>
-            </a:r>
-            <a:r>
-              <a:rPr lang="en-US" dirty="0" err="1" smtClean="0"/>
+              <a:rPr lang="en-US" dirty="0">
+                <a:solidFill>
+                  <a:schemeClr val="tx1"/>
+                </a:solidFill>
+              </a:rPr>
+              <a:t> </a:t>
+            </a:r>
+            <a:r>
+              <a:rPr lang="en-US" dirty="0" err="1">
+                <a:solidFill>
+                  <a:schemeClr val="tx1"/>
+                </a:solidFill>
+              </a:rPr>
               <a:t>quyết</a:t>
             </a:r>
             <a:r>
-              <a:rPr lang="en-US" dirty="0" smtClean="0"/>
-              <a:t> </a:t>
-            </a:r>
-            <a:r>
-              <a:rPr lang="en-US" dirty="0" err="1" smtClean="0"/>
+              <a:rPr lang="en-US" dirty="0">
+                <a:solidFill>
+                  <a:schemeClr val="tx1"/>
+                </a:solidFill>
+              </a:rPr>
+              <a:t> </a:t>
+            </a:r>
+            <a:r>
+              <a:rPr lang="en-US" dirty="0" err="1">
+                <a:solidFill>
+                  <a:schemeClr val="tx1"/>
+                </a:solidFill>
+              </a:rPr>
               <a:t>các</a:t>
             </a:r>
             <a:r>
-              <a:rPr lang="en-US" dirty="0" smtClean="0"/>
-              <a:t> </a:t>
-            </a:r>
-            <a:r>
-              <a:rPr lang="en-US" dirty="0" err="1" smtClean="0"/>
+              <a:rPr lang="en-US" dirty="0">
+                <a:solidFill>
+                  <a:schemeClr val="tx1"/>
+                </a:solidFill>
+              </a:rPr>
+              <a:t> </a:t>
+            </a:r>
+            <a:r>
+              <a:rPr lang="en-US" dirty="0" err="1">
+                <a:solidFill>
+                  <a:schemeClr val="tx1"/>
+                </a:solidFill>
+              </a:rPr>
               <a:t>vấn</a:t>
             </a:r>
             <a:r>
-              <a:rPr lang="en-US" dirty="0" smtClean="0"/>
-              <a:t> </a:t>
-            </a:r>
-            <a:r>
-              <a:rPr lang="en-US" dirty="0" err="1" smtClean="0"/>
+              <a:rPr lang="en-US" dirty="0">
+                <a:solidFill>
+                  <a:schemeClr val="tx1"/>
+                </a:solidFill>
+              </a:rPr>
+              <a:t> </a:t>
+            </a:r>
+            <a:r>
+              <a:rPr lang="en-US" dirty="0" err="1">
+                <a:solidFill>
+                  <a:schemeClr val="tx1"/>
+                </a:solidFill>
+              </a:rPr>
               <a:t>đề</a:t>
             </a:r>
             <a:r>
-              <a:rPr lang="en-US" dirty="0" smtClean="0"/>
-              <a:t> </a:t>
-            </a:r>
-            <a:r>
-              <a:rPr lang="en-US" dirty="0" err="1" smtClean="0"/>
+              <a:rPr lang="en-US" dirty="0">
+                <a:solidFill>
+                  <a:schemeClr val="tx1"/>
+                </a:solidFill>
+              </a:rPr>
+              <a:t> </a:t>
+            </a:r>
+            <a:r>
+              <a:rPr lang="en-US" dirty="0" err="1">
+                <a:solidFill>
+                  <a:schemeClr val="tx1"/>
+                </a:solidFill>
+              </a:rPr>
               <a:t>chung</a:t>
             </a:r>
             <a:r>
-              <a:rPr lang="en-US" dirty="0" smtClean="0"/>
-              <a:t> </a:t>
-            </a:r>
-            <a:r>
-              <a:rPr lang="en-US" dirty="0" err="1" smtClean="0"/>
+              <a:rPr lang="en-US" dirty="0">
+                <a:solidFill>
+                  <a:schemeClr val="tx1"/>
+                </a:solidFill>
+              </a:rPr>
+              <a:t> </a:t>
+            </a:r>
+            <a:r>
+              <a:rPr lang="en-US" dirty="0" err="1">
+                <a:solidFill>
+                  <a:schemeClr val="tx1"/>
+                </a:solidFill>
+              </a:rPr>
               <a:t>thường</a:t>
             </a:r>
             <a:r>
-              <a:rPr lang="en-US" dirty="0" smtClean="0"/>
-              <a:t> </a:t>
-            </a:r>
-            <a:r>
-              <a:rPr lang="en-US" dirty="0" err="1" smtClean="0"/>
+              <a:rPr lang="en-US" dirty="0">
+                <a:solidFill>
+                  <a:schemeClr val="tx1"/>
+                </a:solidFill>
+              </a:rPr>
+              <a:t> </a:t>
+            </a:r>
+            <a:r>
+              <a:rPr lang="en-US" sz="3600" dirty="0" err="1">
+                <a:solidFill>
+                  <a:schemeClr val="tx1"/>
+                </a:solidFill>
+              </a:rPr>
               <a:t>gặp</a:t>
             </a:r>
             <a:r>
-              <a:rPr lang="en-US" dirty="0" smtClean="0"/>
-              <a:t> </a:t>
-            </a:r>
-            <a:r>
-              <a:rPr lang="en-US" dirty="0" err="1" smtClean="0"/>
+              <a:rPr lang="en-US" dirty="0">
+                <a:solidFill>
+                  <a:schemeClr val="tx1"/>
+                </a:solidFill>
+              </a:rPr>
+              <a:t> </a:t>
+            </a:r>
+            <a:r>
+              <a:rPr lang="en-US" dirty="0" err="1">
+                <a:solidFill>
+                  <a:schemeClr val="tx1"/>
+                </a:solidFill>
+              </a:rPr>
               <a:t>tối</a:t>
             </a:r>
             <a:r>
-              <a:rPr lang="en-US" dirty="0" smtClean="0"/>
-              <a:t> </a:t>
-            </a:r>
-            <a:r>
-              <a:rPr lang="en-US" dirty="0" err="1" smtClean="0"/>
+              <a:rPr lang="en-US" dirty="0">
+                <a:solidFill>
+                  <a:schemeClr val="tx1"/>
+                </a:solidFill>
+              </a:rPr>
+              <a:t> </a:t>
+            </a:r>
+            <a:r>
+              <a:rPr lang="en-US" dirty="0" err="1">
+                <a:solidFill>
+                  <a:schemeClr val="tx1"/>
+                </a:solidFill>
+              </a:rPr>
               <a:t>ưu</a:t>
             </a:r>
             <a:r>
-              <a:rPr lang="en-US" dirty="0" smtClean="0"/>
-              <a:t> </a:t>
-            </a:r>
-            <a:r>
-              <a:rPr lang="en-US" dirty="0" err="1" smtClean="0"/>
+              <a:rPr lang="en-US" dirty="0">
+                <a:solidFill>
+                  <a:schemeClr val="tx1"/>
+                </a:solidFill>
+              </a:rPr>
+              <a:t> </a:t>
+            </a:r>
+            <a:r>
+              <a:rPr lang="en-US" dirty="0" err="1">
+                <a:solidFill>
+                  <a:schemeClr val="tx1"/>
+                </a:solidFill>
+              </a:rPr>
               <a:t>nhất</a:t>
             </a:r>
             <a:r>
-              <a:rPr lang="en-US" dirty="0" smtClean="0"/>
+              <a:rPr lang="en-US" dirty="0">
+                <a:solidFill>
+                  <a:schemeClr val="tx1"/>
+                </a:solidFill>
+              </a:rPr>
               <a:t>.</a:t>
             </a:r>
           </a:p>
@@ -14579,34 +19392,53 @@
               <a:buChar char="•"/>
             </a:pPr>
             <a:r>
-              <a:rPr lang="en-US" dirty="0" err="1" smtClean="0"/>
+              <a:rPr lang="en-US" dirty="0" err="1">
+                <a:solidFill>
+                  <a:schemeClr val="tx1"/>
+                </a:solidFill>
+              </a:rPr>
               <a:t>Bao</a:t>
             </a:r>
             <a:r>
-              <a:rPr lang="en-US" dirty="0" smtClean="0"/>
-              <a:t> </a:t>
-            </a:r>
-            <a:r>
-              <a:rPr lang="en-US" dirty="0" err="1"/>
+              <a:rPr lang="en-US" dirty="0">
+                <a:solidFill>
+                  <a:schemeClr val="tx1"/>
+                </a:solidFill>
+              </a:rPr>
+              <a:t> </a:t>
+            </a:r>
+            <a:r>
+              <a:rPr lang="en-US" dirty="0" err="1">
+                <a:solidFill>
+                  <a:schemeClr val="tx1"/>
+                </a:solidFill>
+              </a:rPr>
               <a:t>gồm</a:t>
             </a:r>
             <a:r>
-              <a:rPr lang="en-US" dirty="0"/>
+              <a:rPr lang="en-US" dirty="0">
+                <a:solidFill>
+                  <a:schemeClr val="tx1"/>
+                </a:solidFill>
+              </a:rPr>
               <a:t> 3 </a:t>
             </a:r>
             <a:r>
-              <a:rPr lang="en-US" dirty="0" err="1"/>
+              <a:rPr lang="en-US" dirty="0" err="1">
+                <a:solidFill>
+                  <a:schemeClr val="tx1"/>
+                </a:solidFill>
+              </a:rPr>
               <a:t>nhóm</a:t>
             </a:r>
             <a:r>
-              <a:rPr lang="en-US" dirty="0"/>
-              <a:t>: creational pattern, structural pattern, behavioral </a:t>
-            </a:r>
-            <a:r>
-              <a:rPr lang="en-US" dirty="0" smtClean="0"/>
-              <a:t>pattern</a:t>
-            </a:r>
-            <a:endParaRPr lang="en-US" dirty="0"/>
+              <a:rPr lang="en-US" dirty="0">
+                <a:solidFill>
+                  <a:schemeClr val="tx1"/>
+                </a:solidFill>
+              </a:rPr>
+              <a:t>: creational pattern, structural pattern, behavioral pattern</a:t>
+            </a:r>
           </a:p>
         </p:txBody>
       </p:sp>
@@ -14653,6 +19485,1429 @@
       </p:par>
     </p:tnLst>
   </p:timing>
+</p:sld>
+</file>
+
+<file path=ppt/slides/slide30.xml><?xml version="1.0" encoding="utf-8"?>
+<p:sld xmlns:a="http://schemas.openxmlformats.org/drawingml/2006/main" xmlns:r="http://schemas.openxmlformats.org/officeDocument/2006/relationships" xmlns:p="http://schemas.openxmlformats.org/presentationml/2006/main">
+  <p:cSld>
+    <p:spTree>
+      <p:nvGrpSpPr>
+        <p:cNvPr id="1" name=""/>
+        <p:cNvGrpSpPr/>
+        <p:nvPr/>
+      </p:nvGrpSpPr>
+      <p:grpSpPr>
+        <a:xfrm>
+          <a:off x="0" y="0"/>
+          <a:ext cx="0" cy="0"/>
+          <a:chOff x="0" y="0"/>
+          <a:chExt cx="0" cy="0"/>
+        </a:xfrm>
+      </p:grpSpPr>
+      <p:sp>
+        <p:nvSpPr>
+          <p:cNvPr id="2" name="Title 1"/>
+          <p:cNvSpPr>
+            <a:spLocks noGrp="1"/>
+          </p:cNvSpPr>
+          <p:nvPr>
+            <p:ph type="title"/>
+          </p:nvPr>
+        </p:nvSpPr>
+        <p:spPr/>
+        <p:txBody>
+          <a:bodyPr/>
+          <a:lstStyle/>
+          <a:p>
+            <a:r>
+              <a:rPr lang="en-US" dirty="0" err="1" smtClean="0"/>
+              <a:t>Hệ</a:t>
+            </a:r>
+            <a:r>
+              <a:rPr lang="en-US" dirty="0" smtClean="0"/>
+              <a:t> </a:t>
+            </a:r>
+            <a:r>
+              <a:rPr lang="en-US" dirty="0" err="1" smtClean="0"/>
+              <a:t>quả</a:t>
+            </a:r>
+            <a:endParaRPr lang="en-US" dirty="0"/>
+          </a:p>
+        </p:txBody>
+      </p:sp>
+      <p:sp>
+        <p:nvSpPr>
+          <p:cNvPr id="3" name="Content Placeholder 2"/>
+          <p:cNvSpPr>
+            <a:spLocks noGrp="1"/>
+          </p:cNvSpPr>
+          <p:nvPr>
+            <p:ph idx="1"/>
+          </p:nvPr>
+        </p:nvSpPr>
+        <p:spPr/>
+        <p:txBody>
+          <a:bodyPr>
+            <a:normAutofit fontScale="85000" lnSpcReduction="10000"/>
+          </a:bodyPr>
+          <a:lstStyle/>
+          <a:p>
+            <a:r>
+              <a:rPr lang="en-US" dirty="0" err="1" smtClean="0"/>
+              <a:t>C</a:t>
+            </a:r>
+            <a:r>
+              <a:rPr lang="en-US" dirty="0" err="1" smtClean="0"/>
+              <a:t>ó</a:t>
+            </a:r>
+            <a:r>
+              <a:rPr lang="en-US" dirty="0" smtClean="0"/>
+              <a:t> </a:t>
+            </a:r>
+            <a:r>
+              <a:rPr lang="en-US" dirty="0" err="1" smtClean="0"/>
+              <a:t>thể</a:t>
+            </a:r>
+            <a:r>
+              <a:rPr lang="en-US" dirty="0" smtClean="0"/>
+              <a:t> </a:t>
+            </a:r>
+            <a:r>
+              <a:rPr lang="en-US" dirty="0"/>
+              <a:t>undo / redo </a:t>
+            </a:r>
+            <a:r>
+              <a:rPr lang="en-US" dirty="0" err="1"/>
+              <a:t>bất</a:t>
+            </a:r>
+            <a:r>
+              <a:rPr lang="en-US" dirty="0"/>
+              <a:t> </a:t>
+            </a:r>
+            <a:r>
+              <a:rPr lang="en-US" dirty="0" err="1"/>
+              <a:t>kỳ</a:t>
+            </a:r>
+            <a:r>
+              <a:rPr lang="en-US" dirty="0"/>
+              <a:t> </a:t>
+            </a:r>
+            <a:r>
+              <a:rPr lang="en-US" dirty="0" smtClean="0"/>
+              <a:t>Command</a:t>
+            </a:r>
+          </a:p>
+          <a:p>
+            <a:pPr>
+              <a:buFont typeface="Wingdings" charset="2"/>
+              <a:buChar char="ü"/>
+            </a:pPr>
+            <a:r>
+              <a:rPr lang="en-US" dirty="0" err="1" smtClean="0"/>
+              <a:t>Mỗi</a:t>
+            </a:r>
+            <a:r>
+              <a:rPr lang="en-US" dirty="0" smtClean="0"/>
+              <a:t> </a:t>
+            </a:r>
+            <a:r>
+              <a:rPr lang="en-US" dirty="0"/>
+              <a:t>Command stores </a:t>
+            </a:r>
+            <a:r>
+              <a:rPr lang="en-US" dirty="0" err="1" smtClean="0"/>
+              <a:t>cần</a:t>
+            </a:r>
+            <a:r>
+              <a:rPr lang="en-US" dirty="0" smtClean="0"/>
+              <a:t> </a:t>
+            </a:r>
+            <a:r>
+              <a:rPr lang="en-US" dirty="0" err="1"/>
+              <a:t>để</a:t>
+            </a:r>
+            <a:r>
+              <a:rPr lang="en-US" dirty="0"/>
+              <a:t> </a:t>
+            </a:r>
+            <a:r>
+              <a:rPr lang="en-US" dirty="0" err="1"/>
+              <a:t>khôi</a:t>
+            </a:r>
+            <a:r>
+              <a:rPr lang="en-US" dirty="0"/>
+              <a:t> </a:t>
+            </a:r>
+            <a:r>
+              <a:rPr lang="en-US" dirty="0" err="1"/>
+              <a:t>phục</a:t>
+            </a:r>
+            <a:r>
+              <a:rPr lang="en-US" dirty="0"/>
+              <a:t> </a:t>
+            </a:r>
+            <a:r>
+              <a:rPr lang="en-US" dirty="0" err="1"/>
+              <a:t>lại</a:t>
+            </a:r>
+            <a:r>
+              <a:rPr lang="en-US" dirty="0"/>
+              <a:t> </a:t>
+            </a:r>
+            <a:r>
+              <a:rPr lang="en-US" dirty="0" err="1"/>
+              <a:t>trạng</a:t>
+            </a:r>
+            <a:r>
+              <a:rPr lang="en-US" dirty="0"/>
+              <a:t> </a:t>
+            </a:r>
+            <a:r>
+              <a:rPr lang="en-US" dirty="0" err="1"/>
+              <a:t>thái</a:t>
+            </a:r>
+            <a:endParaRPr lang="en-US" dirty="0"/>
+          </a:p>
+          <a:p>
+            <a:r>
+              <a:rPr lang="en-US" dirty="0" err="1" smtClean="0"/>
+              <a:t>C</a:t>
+            </a:r>
+            <a:r>
+              <a:rPr lang="en-US" dirty="0" err="1" smtClean="0"/>
+              <a:t>ó</a:t>
+            </a:r>
+            <a:r>
+              <a:rPr lang="en-US" dirty="0" smtClean="0"/>
+              <a:t> </a:t>
+            </a:r>
+            <a:r>
+              <a:rPr lang="en-US" dirty="0" err="1"/>
+              <a:t>thể</a:t>
+            </a:r>
+            <a:r>
+              <a:rPr lang="en-US" dirty="0"/>
+              <a:t> </a:t>
+            </a:r>
+            <a:r>
+              <a:rPr lang="en-US" dirty="0" err="1"/>
+              <a:t>lưu</a:t>
+            </a:r>
+            <a:r>
+              <a:rPr lang="en-US" dirty="0"/>
+              <a:t> </a:t>
+            </a:r>
+            <a:r>
+              <a:rPr lang="en-US" dirty="0" err="1"/>
+              <a:t>trữ</a:t>
+            </a:r>
+            <a:r>
+              <a:rPr lang="en-US" dirty="0"/>
+              <a:t> </a:t>
+            </a:r>
+            <a:r>
+              <a:rPr lang="en-US" dirty="0" err="1"/>
+              <a:t>các</a:t>
+            </a:r>
+            <a:r>
+              <a:rPr lang="en-US" dirty="0"/>
+              <a:t> </a:t>
+            </a:r>
+            <a:r>
+              <a:rPr lang="en-US" dirty="0" smtClean="0"/>
+              <a:t>Command </a:t>
+            </a:r>
+            <a:r>
+              <a:rPr lang="en-US" dirty="0" err="1" smtClean="0"/>
+              <a:t>trong</a:t>
+            </a:r>
+            <a:r>
+              <a:rPr lang="en-US" dirty="0" smtClean="0"/>
+              <a:t> </a:t>
+            </a:r>
+            <a:r>
+              <a:rPr lang="en-US" dirty="0" err="1"/>
+              <a:t>một</a:t>
+            </a:r>
+            <a:r>
+              <a:rPr lang="en-US" dirty="0"/>
+              <a:t> stack </a:t>
+            </a:r>
+            <a:r>
+              <a:rPr lang="en-US" dirty="0" err="1"/>
+              <a:t>hoặc</a:t>
+            </a:r>
+            <a:r>
+              <a:rPr lang="en-US" dirty="0"/>
+              <a:t> queue</a:t>
+            </a:r>
+          </a:p>
+          <a:p>
+            <a:pPr>
+              <a:buFont typeface="Wingdings" charset="2"/>
+              <a:buChar char="ü"/>
+            </a:pPr>
+            <a:r>
+              <a:rPr lang="en-US" dirty="0"/>
+              <a:t>Command processor pattern maintains</a:t>
+            </a:r>
+            <a:r>
+              <a:rPr lang="en-US" dirty="0" smtClean="0"/>
+              <a:t> </a:t>
+            </a:r>
+            <a:r>
+              <a:rPr lang="en-US" dirty="0" err="1"/>
+              <a:t>một</a:t>
+            </a:r>
+            <a:r>
+              <a:rPr lang="en-US" dirty="0"/>
+              <a:t> </a:t>
+            </a:r>
+            <a:r>
+              <a:rPr lang="en-US" dirty="0" err="1"/>
+              <a:t>lịch</a:t>
+            </a:r>
+            <a:r>
+              <a:rPr lang="en-US" dirty="0"/>
+              <a:t> </a:t>
+            </a:r>
+            <a:r>
+              <a:rPr lang="en-US" dirty="0" err="1"/>
+              <a:t>sử</a:t>
+            </a:r>
+            <a:endParaRPr lang="en-US" dirty="0"/>
+          </a:p>
+          <a:p>
+            <a:r>
+              <a:rPr lang="en-US" dirty="0" err="1" smtClean="0"/>
+              <a:t>Dễ</a:t>
+            </a:r>
+            <a:r>
+              <a:rPr lang="en-US" dirty="0" smtClean="0"/>
+              <a:t> </a:t>
+            </a:r>
+            <a:r>
+              <a:rPr lang="en-US" dirty="0" err="1" smtClean="0"/>
+              <a:t>dàng</a:t>
+            </a:r>
+            <a:r>
+              <a:rPr lang="en-US" dirty="0" smtClean="0"/>
+              <a:t> </a:t>
+            </a:r>
+            <a:r>
+              <a:rPr lang="en-US" dirty="0" err="1"/>
+              <a:t>để</a:t>
+            </a:r>
+            <a:r>
+              <a:rPr lang="en-US" dirty="0"/>
+              <a:t> </a:t>
+            </a:r>
+            <a:r>
+              <a:rPr lang="en-US" dirty="0" err="1"/>
+              <a:t>thêm</a:t>
+            </a:r>
+            <a:r>
+              <a:rPr lang="en-US" dirty="0"/>
+              <a:t> </a:t>
+            </a:r>
+            <a:r>
+              <a:rPr lang="en-US" dirty="0" err="1"/>
+              <a:t>các</a:t>
+            </a:r>
+            <a:r>
+              <a:rPr lang="en-US" dirty="0"/>
+              <a:t> </a:t>
+            </a:r>
+            <a:r>
+              <a:rPr lang="en-US" dirty="0" smtClean="0"/>
+              <a:t>Command </a:t>
+            </a:r>
+            <a:r>
+              <a:rPr lang="en-US" dirty="0" err="1" smtClean="0"/>
+              <a:t>mới</a:t>
+            </a:r>
+            <a:r>
+              <a:rPr lang="en-US" dirty="0" smtClean="0"/>
+              <a:t>, </a:t>
+            </a:r>
+            <a:r>
+              <a:rPr lang="en-US" dirty="0" err="1"/>
+              <a:t>bởi</a:t>
+            </a:r>
+            <a:r>
+              <a:rPr lang="en-US" dirty="0"/>
+              <a:t> </a:t>
+            </a:r>
+            <a:r>
+              <a:rPr lang="en-US" dirty="0" err="1"/>
+              <a:t>vì</a:t>
+            </a:r>
+            <a:r>
+              <a:rPr lang="en-US" dirty="0"/>
+              <a:t> </a:t>
+            </a:r>
+            <a:r>
+              <a:rPr lang="en-US" dirty="0" err="1" smtClean="0"/>
+              <a:t>không</a:t>
+            </a:r>
+            <a:r>
+              <a:rPr lang="en-US" dirty="0" smtClean="0"/>
+              <a:t> </a:t>
+            </a:r>
+            <a:r>
+              <a:rPr lang="en-US" dirty="0" err="1"/>
+              <a:t>cần</a:t>
+            </a:r>
+            <a:r>
+              <a:rPr lang="en-US" dirty="0"/>
+              <a:t> </a:t>
+            </a:r>
+            <a:r>
+              <a:rPr lang="en-US" dirty="0" err="1"/>
+              <a:t>phải</a:t>
+            </a:r>
+            <a:r>
+              <a:rPr lang="en-US" dirty="0"/>
+              <a:t> </a:t>
+            </a:r>
+            <a:r>
+              <a:rPr lang="en-US" dirty="0" err="1"/>
+              <a:t>thay</a:t>
+            </a:r>
+            <a:r>
+              <a:rPr lang="en-US" dirty="0"/>
+              <a:t> </a:t>
+            </a:r>
+            <a:r>
+              <a:rPr lang="en-US" dirty="0" err="1"/>
+              <a:t>đổi</a:t>
+            </a:r>
+            <a:r>
+              <a:rPr lang="en-US" dirty="0"/>
+              <a:t> </a:t>
+            </a:r>
+            <a:r>
+              <a:rPr lang="en-US" dirty="0" err="1"/>
+              <a:t>các</a:t>
+            </a:r>
+            <a:r>
+              <a:rPr lang="en-US" dirty="0"/>
+              <a:t> </a:t>
+            </a:r>
+            <a:r>
+              <a:rPr lang="en-US" dirty="0" smtClean="0"/>
+              <a:t>class </a:t>
+            </a:r>
+            <a:r>
+              <a:rPr lang="en-US" dirty="0" err="1" smtClean="0"/>
+              <a:t>hiện</a:t>
+            </a:r>
+            <a:r>
+              <a:rPr lang="en-US" dirty="0" smtClean="0"/>
+              <a:t> </a:t>
+            </a:r>
+            <a:r>
+              <a:rPr lang="en-US" dirty="0" err="1"/>
+              <a:t>có</a:t>
+            </a:r>
+            <a:endParaRPr lang="en-US" dirty="0"/>
+          </a:p>
+          <a:p>
+            <a:pPr>
+              <a:buFont typeface="Wingdings" charset="2"/>
+              <a:buChar char="ü"/>
+            </a:pPr>
+            <a:r>
+              <a:rPr lang="en-US" dirty="0"/>
+              <a:t>Command </a:t>
+            </a:r>
+            <a:r>
+              <a:rPr lang="en-US" dirty="0" err="1"/>
+              <a:t>là</a:t>
+            </a:r>
+            <a:r>
+              <a:rPr lang="en-US" dirty="0"/>
+              <a:t> </a:t>
+            </a:r>
+            <a:r>
+              <a:rPr lang="en-US" dirty="0" err="1"/>
+              <a:t>một</a:t>
+            </a:r>
+            <a:r>
+              <a:rPr lang="en-US" dirty="0"/>
+              <a:t> </a:t>
+            </a:r>
+            <a:r>
+              <a:rPr lang="en-US" dirty="0" smtClean="0"/>
+              <a:t>abstract class</a:t>
+            </a:r>
+            <a:r>
+              <a:rPr lang="en-US" dirty="0" smtClean="0"/>
+              <a:t>, </a:t>
+            </a:r>
+            <a:r>
+              <a:rPr lang="en-US" dirty="0" err="1"/>
+              <a:t>từ</a:t>
+            </a:r>
+            <a:r>
+              <a:rPr lang="en-US" dirty="0"/>
+              <a:t> </a:t>
+            </a:r>
+            <a:r>
+              <a:rPr lang="en-US" dirty="0" err="1"/>
+              <a:t>đó</a:t>
+            </a:r>
+            <a:r>
+              <a:rPr lang="en-US" dirty="0"/>
+              <a:t> </a:t>
+            </a:r>
+            <a:r>
+              <a:rPr lang="en-US" dirty="0" err="1" smtClean="0"/>
+              <a:t>có</a:t>
+            </a:r>
+            <a:r>
+              <a:rPr lang="en-US" dirty="0" smtClean="0"/>
+              <a:t> </a:t>
+            </a:r>
+            <a:r>
+              <a:rPr lang="en-US" dirty="0" err="1" smtClean="0"/>
+              <a:t>thể</a:t>
+            </a:r>
+            <a:r>
+              <a:rPr lang="en-US" dirty="0" smtClean="0"/>
+              <a:t> </a:t>
+            </a:r>
+            <a:r>
+              <a:rPr lang="en-US" dirty="0" smtClean="0"/>
+              <a:t> </a:t>
+            </a:r>
+            <a:r>
+              <a:rPr lang="en-US" dirty="0" err="1"/>
+              <a:t>lấy</a:t>
+            </a:r>
+            <a:r>
+              <a:rPr lang="en-US" dirty="0"/>
+              <a:t> </a:t>
+            </a:r>
+            <a:r>
+              <a:rPr lang="en-US" dirty="0" err="1"/>
+              <a:t>các</a:t>
+            </a:r>
+            <a:r>
+              <a:rPr lang="en-US" dirty="0"/>
+              <a:t> </a:t>
+            </a:r>
+            <a:r>
+              <a:rPr lang="en-US" dirty="0" smtClean="0"/>
+              <a:t>class </a:t>
+            </a:r>
+            <a:r>
+              <a:rPr lang="en-US" dirty="0" err="1" smtClean="0"/>
+              <a:t>mới</a:t>
+            </a:r>
+            <a:endParaRPr lang="en-US" dirty="0"/>
+          </a:p>
+          <a:p>
+            <a:pPr>
+              <a:buFont typeface="Wingdings" charset="2"/>
+              <a:buChar char="ü"/>
+            </a:pPr>
+            <a:r>
+              <a:rPr lang="en-US" dirty="0"/>
+              <a:t>execute(), undo() and redo() </a:t>
+            </a:r>
+            <a:r>
+              <a:rPr lang="en-US" dirty="0" err="1" smtClean="0"/>
+              <a:t>là</a:t>
+            </a:r>
+            <a:r>
+              <a:rPr lang="en-US" dirty="0" smtClean="0"/>
+              <a:t> </a:t>
+            </a:r>
+            <a:r>
+              <a:rPr lang="en-US" dirty="0" err="1"/>
+              <a:t>các</a:t>
+            </a:r>
+            <a:r>
+              <a:rPr lang="en-US" dirty="0"/>
+              <a:t> </a:t>
+            </a:r>
+            <a:r>
+              <a:rPr lang="en-US" dirty="0" smtClean="0"/>
+              <a:t>functions </a:t>
+            </a:r>
+            <a:r>
+              <a:rPr lang="en-US" dirty="0" err="1" smtClean="0"/>
+              <a:t>đa</a:t>
+            </a:r>
+            <a:r>
+              <a:rPr lang="en-US" dirty="0" smtClean="0"/>
+              <a:t> </a:t>
+            </a:r>
+            <a:r>
+              <a:rPr lang="en-US" dirty="0" err="1"/>
+              <a:t>hình</a:t>
+            </a:r>
+            <a:r>
+              <a:rPr lang="en-US" dirty="0"/>
+              <a:t>.</a:t>
+            </a:r>
+          </a:p>
+        </p:txBody>
+      </p:sp>
+    </p:spTree>
+    <p:extLst>
+      <p:ext uri="{BB962C8B-B14F-4D97-AF65-F5344CB8AC3E}">
+        <p14:creationId xmlns:p14="http://schemas.microsoft.com/office/powerpoint/2010/main" val="3853460817"/>
+      </p:ext>
+    </p:extLst>
+  </p:cSld>
+  <p:clrMapOvr>
+    <a:masterClrMapping/>
+  </p:clrMapOvr>
+</p:sld>
+</file>
+
+<file path=ppt/slides/slide31.xml><?xml version="1.0" encoding="utf-8"?>
+<p:sld xmlns:a="http://schemas.openxmlformats.org/drawingml/2006/main" xmlns:r="http://schemas.openxmlformats.org/officeDocument/2006/relationships" xmlns:p="http://schemas.openxmlformats.org/presentationml/2006/main">
+  <p:cSld>
+    <p:spTree>
+      <p:nvGrpSpPr>
+        <p:cNvPr id="1" name=""/>
+        <p:cNvGrpSpPr/>
+        <p:nvPr/>
+      </p:nvGrpSpPr>
+      <p:grpSpPr>
+        <a:xfrm>
+          <a:off x="0" y="0"/>
+          <a:ext cx="0" cy="0"/>
+          <a:chOff x="0" y="0"/>
+          <a:chExt cx="0" cy="0"/>
+        </a:xfrm>
+      </p:grpSpPr>
+      <p:sp>
+        <p:nvSpPr>
+          <p:cNvPr id="2" name="Title 1"/>
+          <p:cNvSpPr>
+            <a:spLocks noGrp="1"/>
+          </p:cNvSpPr>
+          <p:nvPr>
+            <p:ph type="title"/>
+          </p:nvPr>
+        </p:nvSpPr>
+        <p:spPr/>
+        <p:txBody>
+          <a:bodyPr/>
+          <a:lstStyle/>
+          <a:p>
+            <a:r>
+              <a:rPr lang="en-US" dirty="0" smtClean="0"/>
+              <a:t>UML</a:t>
+            </a:r>
+            <a:endParaRPr lang="en-US" dirty="0"/>
+          </a:p>
+        </p:txBody>
+      </p:sp>
+      <p:pic>
+        <p:nvPicPr>
+          <p:cNvPr id="6" name="Picture 5"/>
+          <p:cNvPicPr>
+            <a:picLocks noChangeAspect="1"/>
+          </p:cNvPicPr>
+          <p:nvPr/>
+        </p:nvPicPr>
+        <p:blipFill>
+          <a:blip r:embed="rId2"/>
+          <a:stretch>
+            <a:fillRect/>
+          </a:stretch>
+        </p:blipFill>
+        <p:spPr>
+          <a:xfrm>
+            <a:off x="550124" y="1563285"/>
+            <a:ext cx="7773613" cy="4858508"/>
+          </a:xfrm>
+          <a:prstGeom prst="rect">
+            <a:avLst/>
+          </a:prstGeom>
+        </p:spPr>
+      </p:pic>
+    </p:spTree>
+    <p:extLst>
+      <p:ext uri="{BB962C8B-B14F-4D97-AF65-F5344CB8AC3E}">
+        <p14:creationId xmlns:p14="http://schemas.microsoft.com/office/powerpoint/2010/main" val="2917531551"/>
+      </p:ext>
+    </p:extLst>
+  </p:cSld>
+  <p:clrMapOvr>
+    <a:masterClrMapping/>
+  </p:clrMapOvr>
+  <p:timing>
+    <p:tnLst>
+      <p:par>
+        <p:cTn xmlns:p14="http://schemas.microsoft.com/office/powerpoint/2010/main" id="1" dur="indefinite" restart="never" nodeType="tmRoot"/>
+      </p:par>
+    </p:tnLst>
+  </p:timing>
+</p:sld>
+</file>
+
+<file path=ppt/slides/slide32.xml><?xml version="1.0" encoding="utf-8"?>
+<p:sld xmlns:a="http://schemas.openxmlformats.org/drawingml/2006/main" xmlns:r="http://schemas.openxmlformats.org/officeDocument/2006/relationships" xmlns:p="http://schemas.openxmlformats.org/presentationml/2006/main">
+  <p:cSld>
+    <p:spTree>
+      <p:nvGrpSpPr>
+        <p:cNvPr id="1" name=""/>
+        <p:cNvGrpSpPr/>
+        <p:nvPr/>
+      </p:nvGrpSpPr>
+      <p:grpSpPr>
+        <a:xfrm>
+          <a:off x="0" y="0"/>
+          <a:ext cx="0" cy="0"/>
+          <a:chOff x="0" y="0"/>
+          <a:chExt cx="0" cy="0"/>
+        </a:xfrm>
+      </p:grpSpPr>
+      <p:sp>
+        <p:nvSpPr>
+          <p:cNvPr id="2" name="Title 1"/>
+          <p:cNvSpPr>
+            <a:spLocks noGrp="1"/>
+          </p:cNvSpPr>
+          <p:nvPr>
+            <p:ph type="title"/>
+          </p:nvPr>
+        </p:nvSpPr>
+        <p:spPr/>
+        <p:txBody>
+          <a:bodyPr/>
+          <a:lstStyle/>
+          <a:p>
+            <a:r>
+              <a:rPr lang="en-US" dirty="0" err="1" smtClean="0"/>
+              <a:t>Gi</a:t>
+            </a:r>
+            <a:r>
+              <a:rPr lang="en-US" dirty="0" err="1" smtClean="0"/>
+              <a:t>ải</a:t>
+            </a:r>
+            <a:r>
+              <a:rPr lang="en-US" dirty="0" smtClean="0"/>
+              <a:t> </a:t>
+            </a:r>
+            <a:r>
+              <a:rPr lang="en-US" dirty="0" err="1" smtClean="0"/>
+              <a:t>thích</a:t>
+            </a:r>
+            <a:r>
+              <a:rPr lang="en-US" dirty="0" smtClean="0"/>
+              <a:t> UML</a:t>
+            </a:r>
+            <a:endParaRPr lang="en-US" dirty="0"/>
+          </a:p>
+        </p:txBody>
+      </p:sp>
+      <p:sp>
+        <p:nvSpPr>
+          <p:cNvPr id="3" name="Content Placeholder 2"/>
+          <p:cNvSpPr>
+            <a:spLocks noGrp="1"/>
+          </p:cNvSpPr>
+          <p:nvPr>
+            <p:ph idx="1"/>
+          </p:nvPr>
+        </p:nvSpPr>
+        <p:spPr/>
+        <p:txBody>
+          <a:bodyPr>
+            <a:normAutofit fontScale="77500" lnSpcReduction="20000"/>
+          </a:bodyPr>
+          <a:lstStyle/>
+          <a:p>
+            <a:r>
+              <a:rPr lang="en-US" b="1" dirty="0" smtClean="0"/>
+              <a:t>Command</a:t>
+            </a:r>
+            <a:r>
+              <a:rPr lang="en-US" dirty="0" smtClean="0"/>
+              <a:t>  </a:t>
+            </a:r>
+            <a:r>
+              <a:rPr lang="en-US" b="1" dirty="0" smtClean="0"/>
+              <a:t>(Command):</a:t>
+            </a:r>
+            <a:r>
+              <a:rPr lang="en-US" dirty="0" smtClean="0"/>
+              <a:t> </a:t>
+            </a:r>
+            <a:r>
+              <a:rPr lang="en-US" dirty="0" err="1" smtClean="0"/>
+              <a:t>khai</a:t>
+            </a:r>
+            <a:r>
+              <a:rPr lang="en-US" dirty="0" smtClean="0"/>
+              <a:t> </a:t>
+            </a:r>
+            <a:r>
+              <a:rPr lang="en-US" dirty="0" err="1" smtClean="0"/>
+              <a:t>báo</a:t>
+            </a:r>
+            <a:r>
+              <a:rPr lang="en-US" dirty="0" smtClean="0"/>
+              <a:t> </a:t>
+            </a:r>
+            <a:r>
+              <a:rPr lang="en-US" dirty="0" err="1" smtClean="0"/>
+              <a:t>một</a:t>
+            </a:r>
+            <a:r>
+              <a:rPr lang="en-US" dirty="0" smtClean="0"/>
+              <a:t> </a:t>
+            </a:r>
+            <a:r>
+              <a:rPr lang="en-US" dirty="0" smtClean="0"/>
+              <a:t>interface </a:t>
+            </a:r>
+            <a:r>
+              <a:rPr lang="en-US" dirty="0" err="1" smtClean="0"/>
+              <a:t>cho</a:t>
+            </a:r>
+            <a:r>
+              <a:rPr lang="en-US" dirty="0" smtClean="0"/>
+              <a:t> </a:t>
+            </a:r>
+            <a:r>
+              <a:rPr lang="en-US" dirty="0" err="1" smtClean="0"/>
+              <a:t>việc</a:t>
+            </a:r>
+            <a:r>
+              <a:rPr lang="en-US" dirty="0" smtClean="0"/>
+              <a:t> </a:t>
+            </a:r>
+            <a:r>
+              <a:rPr lang="en-US" dirty="0" err="1" smtClean="0"/>
+              <a:t>thực</a:t>
+            </a:r>
+            <a:r>
+              <a:rPr lang="en-US" dirty="0" smtClean="0"/>
+              <a:t> </a:t>
+            </a:r>
+            <a:r>
+              <a:rPr lang="en-US" dirty="0" err="1" smtClean="0"/>
+              <a:t>hiện</a:t>
+            </a:r>
+            <a:r>
+              <a:rPr lang="en-US" dirty="0" smtClean="0"/>
+              <a:t> </a:t>
+            </a:r>
+            <a:r>
+              <a:rPr lang="en-US" dirty="0" err="1" smtClean="0"/>
+              <a:t>một</a:t>
+            </a:r>
+            <a:r>
+              <a:rPr lang="en-US" dirty="0" smtClean="0"/>
+              <a:t> </a:t>
+            </a:r>
+            <a:r>
+              <a:rPr lang="en-US" dirty="0" err="1" smtClean="0"/>
+              <a:t>hoạt</a:t>
+            </a:r>
+            <a:r>
+              <a:rPr lang="en-US" dirty="0" smtClean="0"/>
+              <a:t> </a:t>
+            </a:r>
+            <a:r>
+              <a:rPr lang="en-US" dirty="0" err="1" smtClean="0"/>
+              <a:t>động</a:t>
+            </a:r>
+            <a:endParaRPr lang="en-US" dirty="0" smtClean="0"/>
+          </a:p>
+          <a:p>
+            <a:r>
+              <a:rPr lang="en-US" b="1" dirty="0" smtClean="0"/>
+              <a:t> </a:t>
+            </a:r>
+            <a:r>
+              <a:rPr lang="en-US" b="1" dirty="0" err="1" smtClean="0"/>
+              <a:t>ConcreteCommand</a:t>
+            </a:r>
+            <a:r>
+              <a:rPr lang="en-US" b="1" dirty="0" smtClean="0"/>
+              <a:t>:</a:t>
+            </a:r>
+            <a:r>
+              <a:rPr lang="en-US" dirty="0" smtClean="0"/>
+              <a:t> </a:t>
+            </a:r>
+            <a:endParaRPr lang="en-US" dirty="0" smtClean="0"/>
+          </a:p>
+          <a:p>
+            <a:pPr>
+              <a:buFont typeface="Wingdings" charset="2"/>
+              <a:buChar char="ü"/>
+            </a:pPr>
+            <a:r>
+              <a:rPr lang="en-US" dirty="0" smtClean="0"/>
+              <a:t> </a:t>
+            </a:r>
+            <a:r>
+              <a:rPr lang="en-US" dirty="0" err="1" smtClean="0"/>
+              <a:t>định</a:t>
+            </a:r>
+            <a:r>
+              <a:rPr lang="en-US" dirty="0" smtClean="0"/>
+              <a:t> </a:t>
+            </a:r>
+            <a:r>
+              <a:rPr lang="en-US" dirty="0" err="1" smtClean="0"/>
+              <a:t>nghĩa</a:t>
+            </a:r>
+            <a:r>
+              <a:rPr lang="en-US" dirty="0" smtClean="0"/>
+              <a:t> </a:t>
+            </a:r>
+            <a:r>
+              <a:rPr lang="en-US" dirty="0" err="1" smtClean="0"/>
+              <a:t>sự</a:t>
+            </a:r>
+            <a:r>
+              <a:rPr lang="en-US" dirty="0" smtClean="0"/>
+              <a:t> </a:t>
+            </a:r>
+            <a:r>
+              <a:rPr lang="en-US" dirty="0" err="1" smtClean="0"/>
+              <a:t>ràng</a:t>
+            </a:r>
+            <a:r>
+              <a:rPr lang="en-US" dirty="0" smtClean="0"/>
+              <a:t> </a:t>
+            </a:r>
+            <a:r>
+              <a:rPr lang="en-US" dirty="0" err="1" smtClean="0"/>
+              <a:t>buộc</a:t>
+            </a:r>
+            <a:r>
+              <a:rPr lang="en-US" dirty="0" smtClean="0"/>
+              <a:t> </a:t>
+            </a:r>
+            <a:r>
+              <a:rPr lang="en-US" dirty="0" err="1" smtClean="0"/>
+              <a:t>giữa</a:t>
+            </a:r>
+            <a:r>
+              <a:rPr lang="en-US" dirty="0" smtClean="0"/>
+              <a:t> </a:t>
+            </a:r>
+            <a:r>
+              <a:rPr lang="en-US" dirty="0" err="1" smtClean="0"/>
+              <a:t>các</a:t>
+            </a:r>
+            <a:r>
+              <a:rPr lang="en-US" dirty="0" smtClean="0"/>
+              <a:t> </a:t>
+            </a:r>
+            <a:r>
+              <a:rPr lang="en-US" dirty="0" err="1" smtClean="0"/>
+              <a:t>đối</a:t>
+            </a:r>
+            <a:r>
+              <a:rPr lang="en-US" dirty="0" smtClean="0"/>
+              <a:t> </a:t>
+            </a:r>
+            <a:r>
+              <a:rPr lang="en-US" dirty="0" err="1" smtClean="0"/>
+              <a:t>tượng</a:t>
+            </a:r>
+            <a:r>
+              <a:rPr lang="en-US" dirty="0" smtClean="0"/>
+              <a:t> </a:t>
+            </a:r>
+            <a:r>
+              <a:rPr lang="en-US" dirty="0" err="1" smtClean="0"/>
+              <a:t>nhận</a:t>
+            </a:r>
+            <a:r>
+              <a:rPr lang="en-US" b="1" dirty="0" smtClean="0"/>
+              <a:t>(receiver) </a:t>
+            </a:r>
+            <a:r>
+              <a:rPr lang="en-US" dirty="0" err="1" smtClean="0"/>
+              <a:t>và</a:t>
+            </a:r>
+            <a:r>
+              <a:rPr lang="en-US" dirty="0" smtClean="0"/>
+              <a:t> </a:t>
+            </a:r>
+            <a:r>
+              <a:rPr lang="en-US" dirty="0" err="1" smtClean="0"/>
+              <a:t>các</a:t>
+            </a:r>
+            <a:r>
+              <a:rPr lang="en-US" dirty="0" smtClean="0"/>
+              <a:t> </a:t>
+            </a:r>
+            <a:r>
+              <a:rPr lang="en-US" dirty="0" err="1" smtClean="0"/>
+              <a:t>hành</a:t>
+            </a:r>
+            <a:r>
+              <a:rPr lang="en-US" dirty="0" smtClean="0"/>
+              <a:t> </a:t>
+            </a:r>
+            <a:r>
+              <a:rPr lang="en-US" dirty="0" err="1" smtClean="0"/>
+              <a:t>động</a:t>
+            </a:r>
+            <a:endParaRPr lang="en-US" dirty="0"/>
+          </a:p>
+          <a:p>
+            <a:pPr>
+              <a:buFont typeface="Wingdings" charset="2"/>
+              <a:buChar char="ü"/>
+            </a:pPr>
+            <a:r>
+              <a:rPr lang="en-US" dirty="0" smtClean="0"/>
+              <a:t>implements </a:t>
+            </a:r>
+            <a:r>
+              <a:rPr lang="en-US" dirty="0" smtClean="0"/>
+              <a:t>Execute </a:t>
+            </a:r>
+            <a:r>
+              <a:rPr lang="en-US" dirty="0"/>
+              <a:t> </a:t>
+            </a:r>
+            <a:r>
+              <a:rPr lang="en-US" dirty="0" err="1"/>
+              <a:t>bằng</a:t>
+            </a:r>
+            <a:r>
+              <a:rPr lang="en-US" dirty="0"/>
+              <a:t> </a:t>
+            </a:r>
+            <a:r>
+              <a:rPr lang="en-US" dirty="0" err="1"/>
+              <a:t>cách</a:t>
+            </a:r>
+            <a:r>
+              <a:rPr lang="en-US" dirty="0"/>
+              <a:t> </a:t>
+            </a:r>
+            <a:r>
+              <a:rPr lang="en-US" dirty="0" err="1"/>
+              <a:t>gọi</a:t>
+            </a:r>
+            <a:r>
+              <a:rPr lang="en-US" dirty="0"/>
+              <a:t> </a:t>
+            </a:r>
+            <a:r>
+              <a:rPr lang="en-US" dirty="0" err="1"/>
+              <a:t>các</a:t>
+            </a:r>
+            <a:r>
+              <a:rPr lang="en-US" dirty="0"/>
+              <a:t> </a:t>
+            </a:r>
+            <a:r>
+              <a:rPr lang="en-US" dirty="0" err="1"/>
+              <a:t>hoạt</a:t>
+            </a:r>
+            <a:r>
+              <a:rPr lang="en-US" dirty="0"/>
+              <a:t> </a:t>
+            </a:r>
+            <a:r>
+              <a:rPr lang="en-US" dirty="0" err="1"/>
+              <a:t>động</a:t>
+            </a:r>
+            <a:r>
+              <a:rPr lang="en-US" dirty="0"/>
+              <a:t> </a:t>
+            </a:r>
+            <a:r>
+              <a:rPr lang="en-US" dirty="0" err="1"/>
+              <a:t>tương</a:t>
+            </a:r>
+            <a:r>
+              <a:rPr lang="en-US" dirty="0"/>
+              <a:t> </a:t>
+            </a:r>
+            <a:r>
+              <a:rPr lang="en-US" dirty="0" err="1"/>
+              <a:t>ứng</a:t>
+            </a:r>
+            <a:r>
+              <a:rPr lang="en-US" dirty="0"/>
+              <a:t> </a:t>
+            </a:r>
+            <a:r>
+              <a:rPr lang="en-US" dirty="0" smtClean="0"/>
+              <a:t> </a:t>
+            </a:r>
+            <a:r>
+              <a:rPr lang="en-US" dirty="0" err="1"/>
+              <a:t>trên</a:t>
+            </a:r>
+            <a:r>
+              <a:rPr lang="en-US" dirty="0"/>
+              <a:t> </a:t>
+            </a:r>
+            <a:r>
+              <a:rPr lang="en-US" dirty="0" err="1" smtClean="0"/>
+              <a:t>đối</a:t>
+            </a:r>
+            <a:r>
+              <a:rPr lang="en-US" dirty="0" smtClean="0"/>
+              <a:t> </a:t>
+            </a:r>
+            <a:r>
+              <a:rPr lang="en-US" dirty="0" err="1" smtClean="0"/>
+              <a:t>tượng</a:t>
+            </a:r>
+            <a:r>
+              <a:rPr lang="en-US" dirty="0" smtClean="0"/>
+              <a:t> </a:t>
+            </a:r>
+            <a:r>
+              <a:rPr lang="en-US" dirty="0" err="1" smtClean="0"/>
+              <a:t>nhận</a:t>
+            </a:r>
+            <a:r>
+              <a:rPr lang="en-US" dirty="0"/>
+              <a:t>(</a:t>
+            </a:r>
+            <a:r>
+              <a:rPr lang="en-US" b="1" dirty="0"/>
+              <a:t>receiver</a:t>
+            </a:r>
+            <a:r>
+              <a:rPr lang="en-US" dirty="0"/>
+              <a:t>) </a:t>
+            </a:r>
+            <a:endParaRPr lang="en-US" dirty="0"/>
+          </a:p>
+          <a:p>
+            <a:r>
+              <a:rPr lang="en-US" b="1" dirty="0" smtClean="0"/>
+              <a:t>Invoker</a:t>
+            </a:r>
+            <a:r>
+              <a:rPr lang="en-US" dirty="0" smtClean="0"/>
+              <a:t> </a:t>
+            </a:r>
+            <a:r>
+              <a:rPr lang="en-US" dirty="0" err="1" smtClean="0"/>
+              <a:t>yêu</a:t>
+            </a:r>
+            <a:r>
+              <a:rPr lang="en-US" dirty="0" smtClean="0"/>
+              <a:t> </a:t>
+            </a:r>
+            <a:r>
+              <a:rPr lang="en-US" dirty="0" err="1" smtClean="0"/>
+              <a:t>cầu</a:t>
+            </a:r>
+            <a:r>
+              <a:rPr lang="en-US" dirty="0" smtClean="0"/>
+              <a:t> </a:t>
+            </a:r>
+            <a:r>
+              <a:rPr lang="en-US" dirty="0" err="1" smtClean="0"/>
+              <a:t>các</a:t>
+            </a:r>
+            <a:r>
+              <a:rPr lang="en-US" dirty="0" smtClean="0"/>
+              <a:t> </a:t>
+            </a:r>
+            <a:r>
+              <a:rPr lang="en-US" dirty="0" err="1" smtClean="0"/>
+              <a:t>lệnh</a:t>
+            </a:r>
+            <a:r>
+              <a:rPr lang="en-US" dirty="0" smtClean="0"/>
+              <a:t> </a:t>
+            </a:r>
+            <a:r>
+              <a:rPr lang="en-US" dirty="0" err="1" smtClean="0"/>
+              <a:t>thực</a:t>
+            </a:r>
+            <a:r>
+              <a:rPr lang="en-US" dirty="0" smtClean="0"/>
+              <a:t> </a:t>
+            </a:r>
+            <a:r>
+              <a:rPr lang="en-US" dirty="0" err="1" smtClean="0"/>
+              <a:t>hiện</a:t>
+            </a:r>
+            <a:r>
+              <a:rPr lang="en-US" dirty="0" smtClean="0"/>
+              <a:t> request</a:t>
+            </a:r>
+            <a:r>
+              <a:rPr lang="en-US" dirty="0" smtClean="0"/>
+              <a:t> </a:t>
+            </a:r>
+            <a:endParaRPr lang="en-US" dirty="0"/>
+          </a:p>
+          <a:p>
+            <a:r>
+              <a:rPr lang="en-US" b="1" dirty="0" smtClean="0"/>
+              <a:t>Receiver</a:t>
+            </a:r>
+            <a:r>
+              <a:rPr lang="en-US" dirty="0" smtClean="0"/>
+              <a:t> </a:t>
+            </a:r>
+            <a:r>
+              <a:rPr lang="en-US" dirty="0" smtClean="0"/>
+              <a:t>(</a:t>
+            </a:r>
+            <a:r>
+              <a:rPr lang="en-US" dirty="0" err="1" smtClean="0"/>
+              <a:t>đối</a:t>
+            </a:r>
+            <a:r>
+              <a:rPr lang="en-US" dirty="0" smtClean="0"/>
+              <a:t> </a:t>
+            </a:r>
+            <a:r>
+              <a:rPr lang="en-US" dirty="0" err="1" smtClean="0"/>
+              <a:t>tượng</a:t>
+            </a:r>
+            <a:r>
+              <a:rPr lang="en-US" dirty="0" smtClean="0"/>
+              <a:t> </a:t>
+            </a:r>
+            <a:r>
+              <a:rPr lang="en-US" dirty="0" err="1" smtClean="0"/>
+              <a:t>nhận</a:t>
+            </a:r>
+            <a:r>
+              <a:rPr lang="en-US" dirty="0" smtClean="0"/>
+              <a:t>) </a:t>
+            </a:r>
+            <a:r>
+              <a:rPr lang="en-US" dirty="0" err="1" smtClean="0"/>
+              <a:t>biết</a:t>
+            </a:r>
+            <a:r>
+              <a:rPr lang="en-US" dirty="0" smtClean="0"/>
+              <a:t> </a:t>
+            </a:r>
+            <a:r>
+              <a:rPr lang="en-US" dirty="0" err="1" smtClean="0"/>
+              <a:t>làm</a:t>
+            </a:r>
+            <a:r>
+              <a:rPr lang="en-US" dirty="0" smtClean="0"/>
+              <a:t> </a:t>
+            </a:r>
+            <a:r>
+              <a:rPr lang="en-US" dirty="0" err="1" smtClean="0"/>
+              <a:t>thế</a:t>
+            </a:r>
+            <a:r>
+              <a:rPr lang="en-US" dirty="0" smtClean="0"/>
+              <a:t> </a:t>
+            </a:r>
+            <a:r>
+              <a:rPr lang="en-US" dirty="0" err="1" smtClean="0"/>
+              <a:t>nào</a:t>
+            </a:r>
+            <a:r>
+              <a:rPr lang="en-US" dirty="0" smtClean="0"/>
+              <a:t> </a:t>
+            </a:r>
+            <a:r>
+              <a:rPr lang="en-US" dirty="0" err="1" smtClean="0"/>
+              <a:t>để</a:t>
+            </a:r>
+            <a:r>
+              <a:rPr lang="en-US" dirty="0" smtClean="0"/>
+              <a:t> </a:t>
+            </a:r>
+            <a:r>
+              <a:rPr lang="en-US" dirty="0" err="1" smtClean="0"/>
+              <a:t>thực</a:t>
+            </a:r>
+            <a:r>
+              <a:rPr lang="en-US" dirty="0" smtClean="0"/>
+              <a:t> </a:t>
+            </a:r>
+            <a:r>
+              <a:rPr lang="en-US" dirty="0" err="1" smtClean="0"/>
+              <a:t>hiện</a:t>
+            </a:r>
+            <a:r>
+              <a:rPr lang="en-US" dirty="0" smtClean="0"/>
+              <a:t> </a:t>
+            </a:r>
+            <a:r>
+              <a:rPr lang="en-US" dirty="0" err="1" smtClean="0"/>
+              <a:t>các</a:t>
+            </a:r>
+            <a:r>
+              <a:rPr lang="en-US" dirty="0" smtClean="0"/>
+              <a:t> </a:t>
+            </a:r>
+            <a:r>
+              <a:rPr lang="en-US" dirty="0" err="1" smtClean="0"/>
+              <a:t>hoạt</a:t>
+            </a:r>
+            <a:r>
+              <a:rPr lang="en-US" dirty="0" smtClean="0"/>
+              <a:t> </a:t>
+            </a:r>
+            <a:r>
+              <a:rPr lang="en-US" dirty="0" err="1" smtClean="0"/>
+              <a:t>động</a:t>
+            </a:r>
+            <a:r>
+              <a:rPr lang="en-US" dirty="0" smtClean="0"/>
+              <a:t> </a:t>
+            </a:r>
+            <a:r>
+              <a:rPr lang="en-US" dirty="0" err="1" smtClean="0"/>
+              <a:t>liên</a:t>
+            </a:r>
+            <a:r>
+              <a:rPr lang="en-US" dirty="0" smtClean="0"/>
+              <a:t> </a:t>
+            </a:r>
+            <a:r>
+              <a:rPr lang="en-US" dirty="0" err="1" smtClean="0"/>
+              <a:t>quên</a:t>
+            </a:r>
+            <a:r>
+              <a:rPr lang="en-US" dirty="0" smtClean="0"/>
+              <a:t> </a:t>
+            </a:r>
+            <a:r>
+              <a:rPr lang="en-US" dirty="0" err="1" smtClean="0"/>
+              <a:t>đến</a:t>
+            </a:r>
+            <a:r>
+              <a:rPr lang="en-US" dirty="0" smtClean="0"/>
+              <a:t> </a:t>
+            </a:r>
+            <a:r>
+              <a:rPr lang="en-US" dirty="0" err="1" smtClean="0"/>
+              <a:t>việc</a:t>
+            </a:r>
+            <a:r>
+              <a:rPr lang="en-US" dirty="0" smtClean="0"/>
+              <a:t> </a:t>
+            </a:r>
+            <a:r>
+              <a:rPr lang="en-US" dirty="0" err="1" smtClean="0"/>
+              <a:t>thực</a:t>
+            </a:r>
+            <a:r>
+              <a:rPr lang="en-US" dirty="0" smtClean="0"/>
+              <a:t> </a:t>
+            </a:r>
+            <a:r>
+              <a:rPr lang="en-US" dirty="0" err="1" smtClean="0"/>
+              <a:t>hiện</a:t>
+            </a:r>
+            <a:r>
+              <a:rPr lang="en-US" dirty="0" smtClean="0"/>
+              <a:t> request</a:t>
+            </a:r>
+          </a:p>
+          <a:p>
+            <a:r>
+              <a:rPr lang="en-US" b="1" dirty="0" smtClean="0"/>
+              <a:t>Client </a:t>
+            </a:r>
+            <a:r>
+              <a:rPr lang="en-US" dirty="0" err="1" smtClean="0"/>
+              <a:t>tạo</a:t>
+            </a:r>
+            <a:r>
+              <a:rPr lang="en-US" dirty="0" smtClean="0"/>
+              <a:t> </a:t>
+            </a:r>
+            <a:r>
+              <a:rPr lang="en-US" dirty="0" err="1" smtClean="0"/>
+              <a:t>một</a:t>
+            </a:r>
+            <a:r>
+              <a:rPr lang="en-US" dirty="0" smtClean="0"/>
+              <a:t> </a:t>
+            </a:r>
+            <a:r>
+              <a:rPr lang="en-US" b="1" dirty="0" err="1" smtClean="0"/>
+              <a:t>ConcreteCommand</a:t>
+            </a:r>
+            <a:r>
+              <a:rPr lang="en-US" dirty="0" smtClean="0"/>
+              <a:t> object </a:t>
+            </a:r>
+            <a:r>
+              <a:rPr lang="en-US" dirty="0" err="1" smtClean="0"/>
+              <a:t>và</a:t>
+            </a:r>
+            <a:r>
+              <a:rPr lang="en-US" dirty="0" smtClean="0"/>
+              <a:t> </a:t>
+            </a:r>
+            <a:r>
+              <a:rPr lang="en-US" dirty="0" err="1" smtClean="0"/>
+              <a:t>thiết</a:t>
+            </a:r>
+            <a:r>
+              <a:rPr lang="en-US" dirty="0" smtClean="0"/>
+              <a:t> </a:t>
+            </a:r>
+            <a:r>
+              <a:rPr lang="en-US" dirty="0" err="1" smtClean="0"/>
+              <a:t>lập</a:t>
+            </a:r>
+            <a:r>
+              <a:rPr lang="en-US" dirty="0" smtClean="0"/>
+              <a:t> </a:t>
+            </a:r>
+            <a:r>
+              <a:rPr lang="en-US" b="1" dirty="0" smtClean="0"/>
+              <a:t>receiver </a:t>
+            </a:r>
+            <a:r>
+              <a:rPr lang="en-US" dirty="0" smtClean="0"/>
+              <a:t> </a:t>
+            </a:r>
+            <a:r>
+              <a:rPr lang="en-US" dirty="0" err="1" smtClean="0"/>
+              <a:t>của</a:t>
+            </a:r>
+            <a:r>
+              <a:rPr lang="en-US" dirty="0" smtClean="0"/>
+              <a:t> </a:t>
+            </a:r>
+            <a:r>
+              <a:rPr lang="en-US" dirty="0" err="1" smtClean="0"/>
+              <a:t>mình</a:t>
+            </a:r>
+            <a:endParaRPr lang="en-US" b="1" dirty="0" smtClean="0"/>
+          </a:p>
+          <a:p>
+            <a:endParaRPr lang="en-US" dirty="0"/>
+          </a:p>
+        </p:txBody>
+      </p:sp>
+    </p:spTree>
+    <p:extLst>
+      <p:ext uri="{BB962C8B-B14F-4D97-AF65-F5344CB8AC3E}">
+        <p14:creationId xmlns:p14="http://schemas.microsoft.com/office/powerpoint/2010/main" val="3008292201"/>
+      </p:ext>
+    </p:extLst>
+  </p:cSld>
+  <p:clrMapOvr>
+    <a:masterClrMapping/>
+  </p:clrMapOvr>
 </p:sld>
 </file>
 
@@ -15399,17 +21654,7 @@
           <a:p>
             <a:r>
               <a:rPr lang="en-US" dirty="0" smtClean="0"/>
-              <a:t>Strategy pattern</a:t>
-            </a:r>
-          </a:p>
-          <a:p>
-            <a:r>
-              <a:rPr lang="en-US" dirty="0"/>
-              <a:t>Template </a:t>
-            </a:r>
-            <a:r>
-              <a:rPr lang="en-US" dirty="0" smtClean="0"/>
-              <a:t>Method </a:t>
+              <a:t>Template Method </a:t>
             </a:r>
             <a:r>
               <a:rPr lang="en-US" dirty="0" smtClean="0"/>
@@ -16160,4 +22405,324 @@
   </a:objectDefaults>
   <a:extraClrSchemeLst/>
 </a:theme>
+</file>
+
+<file path=ppt/theme/theme2.xml><?xml version="1.0" encoding="utf-8"?>
+<a:theme xmlns:a="http://schemas.openxmlformats.org/drawingml/2006/main" name="Office Theme">
+  <a:themeElements>
+    <a:clrScheme name="Office">
+      <a:dk1>
+        <a:sysClr val="windowText" lastClr="000000"/>
+      </a:dk1>
+      <a:lt1>
+        <a:sysClr val="window" lastClr="FFFFFF"/>
+      </a:lt1>
+      <a:dk2>
+        <a:srgbClr val="1F497D"/>
+      </a:dk2>
+      <a:lt2>
+        <a:srgbClr val="EEECE1"/>
+      </a:lt2>
+      <a:accent1>
+        <a:srgbClr val="4F81BD"/>
+      </a:accent1>
+      <a:accent2>
+        <a:srgbClr val="C0504D"/>
+      </a:accent2>
+      <a:accent3>
+        <a:srgbClr val="9BBB59"/>
+      </a:accent3>
+      <a:accent4>
+        <a:srgbClr val="8064A2"/>
+      </a:accent4>
+      <a:accent5>
+        <a:srgbClr val="4BACC6"/>
+      </a:accent5>
+      <a:accent6>
+        <a:srgbClr val="F79646"/>
+      </a:accent6>
+      <a:hlink>
+        <a:srgbClr val="0000FF"/>
+      </a:hlink>
+      <a:folHlink>
+        <a:srgbClr val="800080"/>
+      </a:folHlink>
+    </a:clrScheme>
+    <a:fontScheme name="Office">
+      <a:majorFont>
+        <a:latin typeface="Calibri"/>
+        <a:ea typeface=""/>
+        <a:cs typeface=""/>
+        <a:font script="Jpan" typeface="ＭＳ Ｐゴシック"/>
+        <a:font script="Hang" typeface="맑은 고딕"/>
+        <a:font script="Hans" typeface="宋体"/>
+        <a:font script="Hant" typeface="新細明體"/>
+        <a:font script="Arab" typeface="Times New Roman"/>
+        <a:font script="Hebr" typeface="Times New Roman"/>
+        <a:font script="Thai" typeface="Angsana New"/>
+        <a:font script="Ethi" typeface="Nyala"/>
+        <a:font script="Beng" typeface="Vrinda"/>
+        <a:font script="Gujr" typeface="Shruti"/>
+        <a:font script="Khmr" typeface="MoolBoran"/>
+        <a:font script="Knda" typeface="Tunga"/>
+        <a:font script="Guru" typeface="Raavi"/>
+        <a:font script="Cans" typeface="Euphemia"/>
+        <a:font script="Cher" typeface="Plantagenet Cherokee"/>
+        <a:font script="Yiii" typeface="Microsoft Yi Baiti"/>
+        <a:font script="Tibt" typeface="Microsoft Himalaya"/>
+        <a:font script="Thaa" typeface="MV Boli"/>
+        <a:font script="Deva" typeface="Mangal"/>
+        <a:font script="Telu" typeface="Gautami"/>
+        <a:font script="Taml" typeface="Latha"/>
+        <a:font script="Syrc" typeface="Estrangelo Edessa"/>
+        <a:font script="Orya" typeface="Kalinga"/>
+        <a:font script="Mlym" typeface="Kartika"/>
+        <a:font script="Laoo" typeface="DokChampa"/>
+        <a:font script="Sinh" typeface="Iskoola Pota"/>
+        <a:font script="Mong" typeface="Mongolian Baiti"/>
+        <a:font script="Viet" typeface="Times New Roman"/>
+        <a:font script="Uigh" typeface="Microsoft Uighur"/>
+        <a:font script="Geor" typeface="Sylfaen"/>
+      </a:majorFont>
+      <a:minorFont>
+        <a:latin typeface="Calibri"/>
+        <a:ea typeface=""/>
+        <a:cs typeface=""/>
+        <a:font script="Jpan" typeface="ＭＳ Ｐゴシック"/>
+        <a:font script="Hang" typeface="맑은 고딕"/>
+        <a:font script="Hans" typeface="宋体"/>
+        <a:font script="Hant" typeface="新細明體"/>
+        <a:font script="Arab" typeface="Arial"/>
+        <a:font script="Hebr" typeface="Arial"/>
+        <a:font script="Thai" typeface="Cordia New"/>
+        <a:font script="Ethi" typeface="Nyala"/>
+        <a:font script="Beng" typeface="Vrinda"/>
+        <a:font script="Gujr" typeface="Shruti"/>
+        <a:font script="Khmr" typeface="DaunPenh"/>
+        <a:font script="Knda" typeface="Tunga"/>
+        <a:font script="Guru" typeface="Raavi"/>
+        <a:font script="Cans" typeface="Euphemia"/>
+        <a:font script="Cher" typeface="Plantagenet Cherokee"/>
+        <a:font script="Yiii" typeface="Microsoft Yi Baiti"/>
+        <a:font script="Tibt" typeface="Microsoft Himalaya"/>
+        <a:font script="Thaa" typeface="MV Boli"/>
+        <a:font script="Deva" typeface="Mangal"/>
+        <a:font script="Telu" typeface="Gautami"/>
+        <a:font script="Taml" typeface="Latha"/>
+        <a:font script="Syrc" typeface="Estrangelo Edessa"/>
+        <a:font script="Orya" typeface="Kalinga"/>
+        <a:font script="Mlym" typeface="Kartika"/>
+        <a:font script="Laoo" typeface="DokChampa"/>
+        <a:font script="Sinh" typeface="Iskoola Pota"/>
+        <a:font script="Mong" typeface="Mongolian Baiti"/>
+        <a:font script="Viet" typeface="Arial"/>
+        <a:font script="Uigh" typeface="Microsoft Uighur"/>
+        <a:font script="Geor" typeface="Sylfaen"/>
+      </a:minorFont>
+    </a:fontScheme>
+    <a:fmtScheme name="Office">
+      <a:fillStyleLst>
+        <a:solidFill>
+          <a:schemeClr val="phClr"/>
+        </a:solidFill>
+        <a:gradFill rotWithShape="1">
+          <a:gsLst>
+            <a:gs pos="0">
+              <a:schemeClr val="phClr">
+                <a:tint val="50000"/>
+                <a:satMod val="300000"/>
+              </a:schemeClr>
+            </a:gs>
+            <a:gs pos="35000">
+              <a:schemeClr val="phClr">
+                <a:tint val="37000"/>
+                <a:satMod val="300000"/>
+              </a:schemeClr>
+            </a:gs>
+            <a:gs pos="100000">
+              <a:schemeClr val="phClr">
+                <a:tint val="15000"/>
+                <a:satMod val="350000"/>
+              </a:schemeClr>
+            </a:gs>
+          </a:gsLst>
+          <a:lin ang="16200000" scaled="1"/>
+        </a:gradFill>
+        <a:gradFill rotWithShape="1">
+          <a:gsLst>
+            <a:gs pos="0">
+              <a:schemeClr val="phClr">
+                <a:tint val="100000"/>
+                <a:shade val="100000"/>
+                <a:satMod val="130000"/>
+              </a:schemeClr>
+            </a:gs>
+            <a:gs pos="100000">
+              <a:schemeClr val="phClr">
+                <a:tint val="50000"/>
+                <a:shade val="100000"/>
+                <a:satMod val="350000"/>
+              </a:schemeClr>
+            </a:gs>
+          </a:gsLst>
+          <a:lin ang="16200000" scaled="0"/>
+        </a:gradFill>
+      </a:fillStyleLst>
+      <a:lnStyleLst>
+        <a:ln w="9525" cap="flat" cmpd="sng" algn="ctr">
+          <a:solidFill>
+            <a:schemeClr val="phClr">
+              <a:shade val="95000"/>
+              <a:satMod val="105000"/>
+            </a:schemeClr>
+          </a:solidFill>
+          <a:prstDash val="solid"/>
+        </a:ln>
+        <a:ln w="25400" cap="flat" cmpd="sng" algn="ctr">
+          <a:solidFill>
+            <a:schemeClr val="phClr"/>
+          </a:solidFill>
+          <a:prstDash val="solid"/>
+        </a:ln>
+        <a:ln w="38100" cap="flat" cmpd="sng" algn="ctr">
+          <a:solidFill>
+            <a:schemeClr val="phClr"/>
+          </a:solidFill>
+          <a:prstDash val="solid"/>
+        </a:ln>
+      </a:lnStyleLst>
+      <a:effectStyleLst>
+        <a:effectStyle>
+          <a:effectLst>
+            <a:outerShdw blurRad="40000" dist="20000" dir="5400000" rotWithShape="0">
+              <a:srgbClr val="000000">
+                <a:alpha val="38000"/>
+              </a:srgbClr>
+            </a:outerShdw>
+          </a:effectLst>
+        </a:effectStyle>
+        <a:effectStyle>
+          <a:effectLst>
+            <a:outerShdw blurRad="40000" dist="23000" dir="5400000" rotWithShape="0">
+              <a:srgbClr val="000000">
+                <a:alpha val="35000"/>
+              </a:srgbClr>
+            </a:outerShdw>
+          </a:effectLst>
+        </a:effectStyle>
+        <a:effectStyle>
+          <a:effectLst>
+            <a:outerShdw blurRad="40000" dist="23000" dir="5400000" rotWithShape="0">
+              <a:srgbClr val="000000">
+                <a:alpha val="35000"/>
+              </a:srgbClr>
+            </a:outerShdw>
+          </a:effectLst>
+          <a:scene3d>
+            <a:camera prst="orthographicFront">
+              <a:rot lat="0" lon="0" rev="0"/>
+            </a:camera>
+            <a:lightRig rig="threePt" dir="t">
+              <a:rot lat="0" lon="0" rev="1200000"/>
+            </a:lightRig>
+          </a:scene3d>
+          <a:sp3d>
+            <a:bevelT w="63500" h="25400"/>
+          </a:sp3d>
+        </a:effectStyle>
+      </a:effectStyleLst>
+      <a:bgFillStyleLst>
+        <a:solidFill>
+          <a:schemeClr val="phClr"/>
+        </a:solidFill>
+        <a:gradFill rotWithShape="1">
+          <a:gsLst>
+            <a:gs pos="0">
+              <a:schemeClr val="phClr">
+                <a:tint val="40000"/>
+                <a:satMod val="350000"/>
+              </a:schemeClr>
+            </a:gs>
+            <a:gs pos="40000">
+              <a:schemeClr val="phClr">
+                <a:tint val="45000"/>
+                <a:shade val="99000"/>
+                <a:satMod val="350000"/>
+              </a:schemeClr>
+            </a:gs>
+            <a:gs pos="100000">
+              <a:schemeClr val="phClr">
+                <a:shade val="20000"/>
+                <a:satMod val="255000"/>
+              </a:schemeClr>
+            </a:gs>
+          </a:gsLst>
+          <a:path path="circle">
+            <a:fillToRect l="50000" t="-80000" r="50000" b="180000"/>
+          </a:path>
+        </a:gradFill>
+        <a:gradFill rotWithShape="1">
+          <a:gsLst>
+            <a:gs pos="0">
+              <a:schemeClr val="phClr">
+                <a:tint val="80000"/>
+                <a:satMod val="300000"/>
+              </a:schemeClr>
+            </a:gs>
+            <a:gs pos="100000">
+              <a:schemeClr val="phClr">
+                <a:shade val="30000"/>
+                <a:satMod val="200000"/>
+              </a:schemeClr>
+            </a:gs>
+          </a:gsLst>
+          <a:path path="circle">
+            <a:fillToRect l="50000" t="50000" r="50000" b="50000"/>
+          </a:path>
+        </a:gradFill>
+      </a:bgFillStyleLst>
+    </a:fmtScheme>
+  </a:themeElements>
+  <a:objectDefaults>
+    <a:spDef>
+      <a:spPr/>
+      <a:bodyPr/>
+      <a:lstStyle/>
+      <a:style>
+        <a:lnRef idx="1">
+          <a:schemeClr val="accent1"/>
+        </a:lnRef>
+        <a:fillRef idx="3">
+          <a:schemeClr val="accent1"/>
+        </a:fillRef>
+        <a:effectRef idx="2">
+          <a:schemeClr val="accent1"/>
+        </a:effectRef>
+        <a:fontRef idx="minor">
+          <a:schemeClr val="lt1"/>
+        </a:fontRef>
+      </a:style>
+    </a:spDef>
+    <a:lnDef>
+      <a:spPr/>
+      <a:bodyPr/>
+      <a:lstStyle/>
+      <a:style>
+        <a:lnRef idx="2">
+          <a:schemeClr val="accent1"/>
+        </a:lnRef>
+        <a:fillRef idx="0">
+          <a:schemeClr val="accent1"/>
+        </a:fillRef>
+        <a:effectRef idx="1">
+          <a:schemeClr val="accent1"/>
+        </a:effectRef>
+        <a:fontRef idx="minor">
+          <a:schemeClr val="tx1"/>
+        </a:fontRef>
+      </a:style>
+    </a:lnDef>
+  </a:objectDefaults>
+  <a:extraClrSchemeLst/>
+</a:theme>
 </file>
--- a/designpatter.pptx
+++ b/designpatter.pptx
@@ -11743,6 +11743,13 @@
   <p:clrMapOvr>
     <a:masterClrMapping/>
   </p:clrMapOvr>
+  <p:timing>
+    <p:tnLst>
+      <p:par>
+        <p:cTn xmlns:p14="http://schemas.microsoft.com/office/powerpoint/2010/main" id="1" dur="indefinite" restart="never" nodeType="tmRoot"/>
+      </p:par>
+    </p:tnLst>
+  </p:timing>
 </p:sld>
 </file>
 
@@ -12538,6 +12545,13 @@
   <p:clrMapOvr>
     <a:masterClrMapping/>
   </p:clrMapOvr>
+  <p:timing>
+    <p:tnLst>
+      <p:par>
+        <p:cTn xmlns:p14="http://schemas.microsoft.com/office/powerpoint/2010/main" id="1" dur="indefinite" restart="never" nodeType="tmRoot"/>
+      </p:par>
+    </p:tnLst>
+  </p:timing>
 </p:sld>
 </file>
 
@@ -12982,6 +12996,13 @@
   <p:clrMapOvr>
     <a:masterClrMapping/>
   </p:clrMapOvr>
+  <p:timing>
+    <p:tnLst>
+      <p:par>
+        <p:cTn xmlns:p14="http://schemas.microsoft.com/office/powerpoint/2010/main" id="1" dur="indefinite" restart="never" nodeType="tmRoot"/>
+      </p:par>
+    </p:tnLst>
+  </p:timing>
 </p:sld>
 </file>
 
@@ -13562,6 +13583,13 @@
   <p:clrMapOvr>
     <a:masterClrMapping/>
   </p:clrMapOvr>
+  <p:timing>
+    <p:tnLst>
+      <p:par>
+        <p:cTn xmlns:p14="http://schemas.microsoft.com/office/powerpoint/2010/main" id="1" dur="indefinite" restart="never" nodeType="tmRoot"/>
+      </p:par>
+    </p:tnLst>
+  </p:timing>
 </p:sld>
 </file>
 
@@ -13695,6 +13723,13 @@
   <p:clrMapOvr>
     <a:masterClrMapping/>
   </p:clrMapOvr>
+  <p:timing>
+    <p:tnLst>
+      <p:par>
+        <p:cTn xmlns:p14="http://schemas.microsoft.com/office/powerpoint/2010/main" id="1" dur="indefinite" restart="never" nodeType="tmRoot"/>
+      </p:par>
+    </p:tnLst>
+  </p:timing>
 </p:sld>
 </file>
 
@@ -14145,6 +14180,13 @@
   <p:clrMapOvr>
     <a:masterClrMapping/>
   </p:clrMapOvr>
+  <p:timing>
+    <p:tnLst>
+      <p:par>
+        <p:cTn xmlns:p14="http://schemas.microsoft.com/office/powerpoint/2010/main" id="1" dur="indefinite" restart="never" nodeType="tmRoot"/>
+      </p:par>
+    </p:tnLst>
+  </p:timing>
 </p:sld>
 </file>
 
@@ -14221,6 +14263,13 @@
   <p:clrMapOvr>
     <a:masterClrMapping/>
   </p:clrMapOvr>
+  <p:timing>
+    <p:tnLst>
+      <p:par>
+        <p:cTn xmlns:p14="http://schemas.microsoft.com/office/powerpoint/2010/main" id="1" dur="indefinite" restart="never" nodeType="tmRoot"/>
+      </p:par>
+    </p:tnLst>
+  </p:timing>
 </p:sld>
 </file>
 
@@ -14864,6 +14913,13 @@
   <p:clrMapOvr>
     <a:masterClrMapping/>
   </p:clrMapOvr>
+  <p:timing>
+    <p:tnLst>
+      <p:par>
+        <p:cTn xmlns:p14="http://schemas.microsoft.com/office/powerpoint/2010/main" id="1" dur="indefinite" restart="never" nodeType="tmRoot"/>
+      </p:par>
+    </p:tnLst>
+  </p:timing>
 </p:sld>
 </file>
 
@@ -21011,6 +21067,13 @@
   <p:clrMapOvr>
     <a:masterClrMapping/>
   </p:clrMapOvr>
+  <p:timing>
+    <p:tnLst>
+      <p:par>
+        <p:cTn xmlns:p14="http://schemas.microsoft.com/office/powerpoint/2010/main" id="1" dur="indefinite" restart="never" nodeType="tmRoot"/>
+      </p:par>
+    </p:tnLst>
+  </p:timing>
 </p:sld>
 </file>
 
@@ -21123,6 +21186,13 @@
   <p:clrMapOvr>
     <a:masterClrMapping/>
   </p:clrMapOvr>
+  <p:timing>
+    <p:tnLst>
+      <p:par>
+        <p:cTn xmlns:p14="http://schemas.microsoft.com/office/powerpoint/2010/main" id="1" dur="indefinite" restart="never" nodeType="tmRoot"/>
+      </p:par>
+    </p:tnLst>
+  </p:timing>
 </p:sld>
 </file>
 
@@ -21270,6 +21340,13 @@
   <p:clrMapOvr>
     <a:masterClrMapping/>
   </p:clrMapOvr>
+  <p:timing>
+    <p:tnLst>
+      <p:par>
+        <p:cTn xmlns:p14="http://schemas.microsoft.com/office/powerpoint/2010/main" id="1" dur="indefinite" restart="never" nodeType="tmRoot"/>
+      </p:par>
+    </p:tnLst>
+  </p:timing>
 </p:sld>
 </file>
 
@@ -21542,6 +21619,13 @@
   <p:clrMapOvr>
     <a:masterClrMapping/>
   </p:clrMapOvr>
+  <p:timing>
+    <p:tnLst>
+      <p:par>
+        <p:cTn xmlns:p14="http://schemas.microsoft.com/office/powerpoint/2010/main" id="1" dur="indefinite" restart="never" nodeType="tmRoot"/>
+      </p:par>
+    </p:tnLst>
+  </p:timing>
 </p:sld>
 </file>
 
@@ -21697,6 +21781,13 @@
   <p:clrMapOvr>
     <a:masterClrMapping/>
   </p:clrMapOvr>
+  <p:timing>
+    <p:tnLst>
+      <p:par>
+        <p:cTn xmlns:p14="http://schemas.microsoft.com/office/powerpoint/2010/main" id="1" dur="indefinite" restart="never" nodeType="tmRoot"/>
+      </p:par>
+    </p:tnLst>
+  </p:timing>
 </p:sld>
 </file>
 
@@ -22084,6 +22175,13 @@
   <p:clrMapOvr>
     <a:masterClrMapping/>
   </p:clrMapOvr>
+  <p:timing>
+    <p:tnLst>
+      <p:par>
+        <p:cTn xmlns:p14="http://schemas.microsoft.com/office/powerpoint/2010/main" id="1" dur="indefinite" restart="never" nodeType="tmRoot"/>
+      </p:par>
+    </p:tnLst>
+  </p:timing>
 </p:sld>
 </file>
 
